--- a/기타/발표 자료/초본.pptx
+++ b/기타/발표 자료/초본.pptx
@@ -114,6 +114,11 @@
       </a:defRPr>
     </a:lvl9pPr>
   </p:defaultTextStyle>
+  <p:extLst>
+    <p:ext uri="{EFAFB233-063F-42B5-8137-9DF3F51BA10A}">
+      <p15:sldGuideLst xmlns:p15="http://schemas.microsoft.com/office/powerpoint/2012/main"/>
+    </p:ext>
+  </p:extLst>
 </p:presentation>
 </file>
 
@@ -4285,7 +4290,7 @@
         <p:spPr>
           <a:xfrm>
             <a:off x="0" y="4349777"/>
-            <a:ext cx="4495141" cy="1477328"/>
+            <a:ext cx="4548040" cy="1477328"/>
           </a:xfrm>
           <a:prstGeom prst="rect">
             <a:avLst/>
@@ -4330,7 +4335,7 @@
                 <a:effectLst/>
                 <a:latin typeface="-apple-system"/>
               </a:rPr>
-              <a:t>사용자들에게 편리한 영화 정보 제공</a:t>
+              <a:t> 이용자들에게 편리한 영화 정보 제공</a:t>
             </a:r>
             <a:endParaRPr lang="en-US" altLang="ko-KR" b="0" i="0" dirty="0">
               <a:solidFill>
@@ -4353,29 +4358,7 @@
                 <a:effectLst/>
                 <a:latin typeface="-apple-system"/>
               </a:rPr>
-              <a:t>영화인에 대한 정보 제공</a:t>
-            </a:r>
-            <a:endParaRPr lang="en-US" altLang="ko-KR" dirty="0">
-              <a:solidFill>
-                <a:srgbClr val="1F2328"/>
-              </a:solidFill>
-              <a:latin typeface="-apple-system"/>
-            </a:endParaRPr>
-          </a:p>
-          <a:p>
-            <a:pPr lvl="1">
-              <a:buFont typeface="+mj-lt"/>
-              <a:buAutoNum type="arabicPeriod"/>
-            </a:pPr>
-            <a:r>
-              <a:rPr lang="ko-KR" altLang="en-US" b="0" i="0" dirty="0">
-                <a:solidFill>
-                  <a:srgbClr val="1F2328"/>
-                </a:solidFill>
-                <a:effectLst/>
-                <a:latin typeface="-apple-system"/>
-              </a:rPr>
-              <a:t>전문 리뷰 제공</a:t>
+              <a:t> 영화 시장 동향에 대한 정보 제공</a:t>
             </a:r>
             <a:endParaRPr lang="en-US" altLang="ko-KR" b="0" i="0" dirty="0">
               <a:solidFill>
@@ -4398,7 +4381,58 @@
                 <a:effectLst/>
                 <a:latin typeface="-apple-system"/>
               </a:rPr>
-              <a:t>사용자들 간의 커뮤니티 형성</a:t>
+              <a:t> 영화 평점 제공</a:t>
+            </a:r>
+            <a:endParaRPr lang="en-US" altLang="ko-KR" b="0" i="0" dirty="0">
+              <a:solidFill>
+                <a:srgbClr val="1F2328"/>
+              </a:solidFill>
+              <a:effectLst/>
+              <a:latin typeface="-apple-system"/>
+            </a:endParaRPr>
+          </a:p>
+          <a:p>
+            <a:pPr lvl="1">
+              <a:buFont typeface="+mj-lt"/>
+              <a:buAutoNum type="arabicPeriod"/>
+            </a:pPr>
+            <a:r>
+              <a:rPr lang="en-US" altLang="ko-KR">
+                <a:solidFill>
+                  <a:srgbClr val="1F2328"/>
+                </a:solidFill>
+                <a:latin typeface="-apple-system"/>
+              </a:rPr>
+              <a:t> </a:t>
+            </a:r>
+            <a:r>
+              <a:rPr lang="ko-KR" altLang="en-US" dirty="0">
+                <a:solidFill>
+                  <a:srgbClr val="1F2328"/>
+                </a:solidFill>
+                <a:latin typeface="-apple-system"/>
+              </a:rPr>
+              <a:t>이</a:t>
+            </a:r>
+            <a:r>
+              <a:rPr lang="ko-KR" altLang="en-US" b="0" i="0">
+                <a:solidFill>
+                  <a:srgbClr val="1F2328"/>
+                </a:solidFill>
+                <a:effectLst/>
+                <a:latin typeface="-apple-system"/>
+              </a:rPr>
+              <a:t>용자들 </a:t>
+            </a:r>
+            <a:r>
+              <a:rPr lang="ko-KR" altLang="en-US" b="0" i="0" dirty="0">
+                <a:solidFill>
+                  <a:srgbClr val="1F2328"/>
+                </a:solidFill>
+                <a:effectLst/>
+                <a:latin typeface="-apple-system"/>
+              </a:rPr>
+              <a:t>간의 커뮤니티 형성</a:t>
             </a:r>
           </a:p>
         </p:txBody>

--- a/기타/발표 자료/초본.pptx
+++ b/기타/발표 자료/초본.pptx
@@ -4,18 +4,24 @@
   <p:sldMasterIdLst>
     <p:sldMasterId id="2147483648" r:id="rId1"/>
   </p:sldMasterIdLst>
+  <p:notesMasterIdLst>
+    <p:notesMasterId r:id="rId16"/>
+  </p:notesMasterIdLst>
   <p:sldIdLst>
     <p:sldId id="256" r:id="rId2"/>
     <p:sldId id="266" r:id="rId3"/>
     <p:sldId id="257" r:id="rId4"/>
-    <p:sldId id="258" r:id="rId5"/>
-    <p:sldId id="259" r:id="rId6"/>
-    <p:sldId id="261" r:id="rId7"/>
-    <p:sldId id="262" r:id="rId8"/>
-    <p:sldId id="263" r:id="rId9"/>
-    <p:sldId id="264" r:id="rId10"/>
-    <p:sldId id="260" r:id="rId11"/>
-    <p:sldId id="265" r:id="rId12"/>
+    <p:sldId id="269" r:id="rId5"/>
+    <p:sldId id="268" r:id="rId6"/>
+    <p:sldId id="258" r:id="rId7"/>
+    <p:sldId id="259" r:id="rId8"/>
+    <p:sldId id="261" r:id="rId9"/>
+    <p:sldId id="262" r:id="rId10"/>
+    <p:sldId id="263" r:id="rId11"/>
+    <p:sldId id="264" r:id="rId12"/>
+    <p:sldId id="260" r:id="rId13"/>
+    <p:sldId id="265" r:id="rId14"/>
+    <p:sldId id="267" r:id="rId15"/>
   </p:sldIdLst>
   <p:sldSz cx="12192000" cy="6858000"/>
   <p:notesSz cx="6858000" cy="9144000"/>
@@ -122,6 +128,355 @@
 </p:presentation>
 </file>
 
+<file path=ppt/notesMasters/notesMaster1.xml><?xml version="1.0" encoding="utf-8"?>
+<p:notesMaster xmlns:a="http://schemas.openxmlformats.org/drawingml/2006/main" xmlns:r="http://schemas.openxmlformats.org/officeDocument/2006/relationships" xmlns:p="http://schemas.openxmlformats.org/presentationml/2006/main">
+  <p:cSld>
+    <p:bg>
+      <p:bgRef idx="1001">
+        <a:schemeClr val="bg1"/>
+      </p:bgRef>
+    </p:bg>
+    <p:spTree>
+      <p:nvGrpSpPr>
+        <p:cNvPr id="1" name=""/>
+        <p:cNvGrpSpPr/>
+        <p:nvPr/>
+      </p:nvGrpSpPr>
+      <p:grpSpPr>
+        <a:xfrm>
+          <a:off x="0" y="0"/>
+          <a:ext cx="0" cy="0"/>
+          <a:chOff x="0" y="0"/>
+          <a:chExt cx="0" cy="0"/>
+        </a:xfrm>
+      </p:grpSpPr>
+      <p:sp>
+        <p:nvSpPr>
+          <p:cNvPr id="2" name="머리글 개체 틀 1"/>
+          <p:cNvSpPr>
+            <a:spLocks noGrp="1"/>
+          </p:cNvSpPr>
+          <p:nvPr>
+            <p:ph type="hdr" sz="quarter"/>
+          </p:nvPr>
+        </p:nvSpPr>
+        <p:spPr>
+          <a:xfrm>
+            <a:off x="0" y="0"/>
+            <a:ext cx="2971800" cy="458788"/>
+          </a:xfrm>
+          <a:prstGeom prst="rect">
+            <a:avLst/>
+          </a:prstGeom>
+        </p:spPr>
+        <p:txBody>
+          <a:bodyPr vert="horz" lIns="91440" tIns="45720" rIns="91440" bIns="45720" rtlCol="0"/>
+          <a:lstStyle>
+            <a:lvl1pPr algn="l">
+              <a:defRPr sz="1200"/>
+            </a:lvl1pPr>
+          </a:lstStyle>
+          <a:p>
+            <a:endParaRPr lang="ko-KR" altLang="en-US"/>
+          </a:p>
+        </p:txBody>
+      </p:sp>
+      <p:sp>
+        <p:nvSpPr>
+          <p:cNvPr id="3" name="날짜 개체 틀 2"/>
+          <p:cNvSpPr>
+            <a:spLocks noGrp="1"/>
+          </p:cNvSpPr>
+          <p:nvPr>
+            <p:ph type="dt" idx="1"/>
+          </p:nvPr>
+        </p:nvSpPr>
+        <p:spPr>
+          <a:xfrm>
+            <a:off x="3884613" y="0"/>
+            <a:ext cx="2971800" cy="458788"/>
+          </a:xfrm>
+          <a:prstGeom prst="rect">
+            <a:avLst/>
+          </a:prstGeom>
+        </p:spPr>
+        <p:txBody>
+          <a:bodyPr vert="horz" lIns="91440" tIns="45720" rIns="91440" bIns="45720" rtlCol="0"/>
+          <a:lstStyle>
+            <a:lvl1pPr algn="r">
+              <a:defRPr sz="1200"/>
+            </a:lvl1pPr>
+          </a:lstStyle>
+          <a:p>
+            <a:fld id="{E413DDA8-99C6-4205-856F-3C71D85BDC02}" type="datetimeFigureOut">
+              <a:rPr lang="ko-KR" altLang="en-US" smtClean="0"/>
+              <a:t>2023-06-23</a:t>
+            </a:fld>
+            <a:endParaRPr lang="ko-KR" altLang="en-US"/>
+          </a:p>
+        </p:txBody>
+      </p:sp>
+      <p:sp>
+        <p:nvSpPr>
+          <p:cNvPr id="4" name="슬라이드 이미지 개체 틀 3"/>
+          <p:cNvSpPr>
+            <a:spLocks noGrp="1" noRot="1" noChangeAspect="1"/>
+          </p:cNvSpPr>
+          <p:nvPr>
+            <p:ph type="sldImg" idx="2"/>
+          </p:nvPr>
+        </p:nvSpPr>
+        <p:spPr>
+          <a:xfrm>
+            <a:off x="685800" y="1143000"/>
+            <a:ext cx="5486400" cy="3086100"/>
+          </a:xfrm>
+          <a:prstGeom prst="rect">
+            <a:avLst/>
+          </a:prstGeom>
+          <a:noFill/>
+          <a:ln w="12700">
+            <a:solidFill>
+              <a:prstClr val="black"/>
+            </a:solidFill>
+          </a:ln>
+        </p:spPr>
+        <p:txBody>
+          <a:bodyPr vert="horz" lIns="91440" tIns="45720" rIns="91440" bIns="45720" rtlCol="0" anchor="ctr"/>
+          <a:lstStyle/>
+          <a:p>
+            <a:endParaRPr lang="ko-KR" altLang="en-US"/>
+          </a:p>
+        </p:txBody>
+      </p:sp>
+      <p:sp>
+        <p:nvSpPr>
+          <p:cNvPr id="5" name="슬라이드 노트 개체 틀 4"/>
+          <p:cNvSpPr>
+            <a:spLocks noGrp="1"/>
+          </p:cNvSpPr>
+          <p:nvPr>
+            <p:ph type="body" sz="quarter" idx="3"/>
+          </p:nvPr>
+        </p:nvSpPr>
+        <p:spPr>
+          <a:xfrm>
+            <a:off x="685800" y="4400550"/>
+            <a:ext cx="5486400" cy="3600450"/>
+          </a:xfrm>
+          <a:prstGeom prst="rect">
+            <a:avLst/>
+          </a:prstGeom>
+        </p:spPr>
+        <p:txBody>
+          <a:bodyPr vert="horz" lIns="91440" tIns="45720" rIns="91440" bIns="45720" rtlCol="0"/>
+          <a:lstStyle/>
+          <a:p>
+            <a:pPr lvl="0"/>
+            <a:r>
+              <a:rPr lang="ko-KR" altLang="en-US"/>
+              <a:t>마스터 텍스트 스타일을 편집하려면 클릭</a:t>
+            </a:r>
+          </a:p>
+          <a:p>
+            <a:pPr lvl="1"/>
+            <a:r>
+              <a:rPr lang="ko-KR" altLang="en-US"/>
+              <a:t>두 번째 수준</a:t>
+            </a:r>
+          </a:p>
+          <a:p>
+            <a:pPr lvl="2"/>
+            <a:r>
+              <a:rPr lang="ko-KR" altLang="en-US"/>
+              <a:t>세 번째 수준</a:t>
+            </a:r>
+          </a:p>
+          <a:p>
+            <a:pPr lvl="3"/>
+            <a:r>
+              <a:rPr lang="ko-KR" altLang="en-US"/>
+              <a:t>네 번째 수준</a:t>
+            </a:r>
+          </a:p>
+          <a:p>
+            <a:pPr lvl="4"/>
+            <a:r>
+              <a:rPr lang="ko-KR" altLang="en-US"/>
+              <a:t>다섯 번째 수준</a:t>
+            </a:r>
+          </a:p>
+        </p:txBody>
+      </p:sp>
+      <p:sp>
+        <p:nvSpPr>
+          <p:cNvPr id="6" name="바닥글 개체 틀 5"/>
+          <p:cNvSpPr>
+            <a:spLocks noGrp="1"/>
+          </p:cNvSpPr>
+          <p:nvPr>
+            <p:ph type="ftr" sz="quarter" idx="4"/>
+          </p:nvPr>
+        </p:nvSpPr>
+        <p:spPr>
+          <a:xfrm>
+            <a:off x="0" y="8685213"/>
+            <a:ext cx="2971800" cy="458787"/>
+          </a:xfrm>
+          <a:prstGeom prst="rect">
+            <a:avLst/>
+          </a:prstGeom>
+        </p:spPr>
+        <p:txBody>
+          <a:bodyPr vert="horz" lIns="91440" tIns="45720" rIns="91440" bIns="45720" rtlCol="0" anchor="b"/>
+          <a:lstStyle>
+            <a:lvl1pPr algn="l">
+              <a:defRPr sz="1200"/>
+            </a:lvl1pPr>
+          </a:lstStyle>
+          <a:p>
+            <a:endParaRPr lang="ko-KR" altLang="en-US"/>
+          </a:p>
+        </p:txBody>
+      </p:sp>
+      <p:sp>
+        <p:nvSpPr>
+          <p:cNvPr id="7" name="슬라이드 번호 개체 틀 6"/>
+          <p:cNvSpPr>
+            <a:spLocks noGrp="1"/>
+          </p:cNvSpPr>
+          <p:nvPr>
+            <p:ph type="sldNum" sz="quarter" idx="5"/>
+          </p:nvPr>
+        </p:nvSpPr>
+        <p:spPr>
+          <a:xfrm>
+            <a:off x="3884613" y="8685213"/>
+            <a:ext cx="2971800" cy="458787"/>
+          </a:xfrm>
+          <a:prstGeom prst="rect">
+            <a:avLst/>
+          </a:prstGeom>
+        </p:spPr>
+        <p:txBody>
+          <a:bodyPr vert="horz" lIns="91440" tIns="45720" rIns="91440" bIns="45720" rtlCol="0" anchor="b"/>
+          <a:lstStyle>
+            <a:lvl1pPr algn="r">
+              <a:defRPr sz="1200"/>
+            </a:lvl1pPr>
+          </a:lstStyle>
+          <a:p>
+            <a:fld id="{43C0E836-5911-442C-8AF7-7152E0660730}" type="slidenum">
+              <a:rPr lang="ko-KR" altLang="en-US" smtClean="0"/>
+              <a:t>‹#›</a:t>
+            </a:fld>
+            <a:endParaRPr lang="ko-KR" altLang="en-US"/>
+          </a:p>
+        </p:txBody>
+      </p:sp>
+    </p:spTree>
+    <p:extLst>
+      <p:ext uri="{BB962C8B-B14F-4D97-AF65-F5344CB8AC3E}">
+        <p14:creationId xmlns:p14="http://schemas.microsoft.com/office/powerpoint/2010/main" val="2052194405"/>
+      </p:ext>
+    </p:extLst>
+  </p:cSld>
+  <p:clrMap bg1="lt1" tx1="dk1" bg2="lt2" tx2="dk2" accent1="accent1" accent2="accent2" accent3="accent3" accent4="accent4" accent5="accent5" accent6="accent6" hlink="hlink" folHlink="folHlink"/>
+  <p:notesStyle>
+    <a:lvl1pPr marL="0" algn="l" defTabSz="914400" rtl="0" eaLnBrk="1" latinLnBrk="1" hangingPunct="1">
+      <a:defRPr sz="1200" kern="1200">
+        <a:solidFill>
+          <a:schemeClr val="tx1"/>
+        </a:solidFill>
+        <a:latin typeface="+mn-lt"/>
+        <a:ea typeface="+mn-ea"/>
+        <a:cs typeface="+mn-cs"/>
+      </a:defRPr>
+    </a:lvl1pPr>
+    <a:lvl2pPr marL="457200" algn="l" defTabSz="914400" rtl="0" eaLnBrk="1" latinLnBrk="1" hangingPunct="1">
+      <a:defRPr sz="1200" kern="1200">
+        <a:solidFill>
+          <a:schemeClr val="tx1"/>
+        </a:solidFill>
+        <a:latin typeface="+mn-lt"/>
+        <a:ea typeface="+mn-ea"/>
+        <a:cs typeface="+mn-cs"/>
+      </a:defRPr>
+    </a:lvl2pPr>
+    <a:lvl3pPr marL="914400" algn="l" defTabSz="914400" rtl="0" eaLnBrk="1" latinLnBrk="1" hangingPunct="1">
+      <a:defRPr sz="1200" kern="1200">
+        <a:solidFill>
+          <a:schemeClr val="tx1"/>
+        </a:solidFill>
+        <a:latin typeface="+mn-lt"/>
+        <a:ea typeface="+mn-ea"/>
+        <a:cs typeface="+mn-cs"/>
+      </a:defRPr>
+    </a:lvl3pPr>
+    <a:lvl4pPr marL="1371600" algn="l" defTabSz="914400" rtl="0" eaLnBrk="1" latinLnBrk="1" hangingPunct="1">
+      <a:defRPr sz="1200" kern="1200">
+        <a:solidFill>
+          <a:schemeClr val="tx1"/>
+        </a:solidFill>
+        <a:latin typeface="+mn-lt"/>
+        <a:ea typeface="+mn-ea"/>
+        <a:cs typeface="+mn-cs"/>
+      </a:defRPr>
+    </a:lvl4pPr>
+    <a:lvl5pPr marL="1828800" algn="l" defTabSz="914400" rtl="0" eaLnBrk="1" latinLnBrk="1" hangingPunct="1">
+      <a:defRPr sz="1200" kern="1200">
+        <a:solidFill>
+          <a:schemeClr val="tx1"/>
+        </a:solidFill>
+        <a:latin typeface="+mn-lt"/>
+        <a:ea typeface="+mn-ea"/>
+        <a:cs typeface="+mn-cs"/>
+      </a:defRPr>
+    </a:lvl5pPr>
+    <a:lvl6pPr marL="2286000" algn="l" defTabSz="914400" rtl="0" eaLnBrk="1" latinLnBrk="1" hangingPunct="1">
+      <a:defRPr sz="1200" kern="1200">
+        <a:solidFill>
+          <a:schemeClr val="tx1"/>
+        </a:solidFill>
+        <a:latin typeface="+mn-lt"/>
+        <a:ea typeface="+mn-ea"/>
+        <a:cs typeface="+mn-cs"/>
+      </a:defRPr>
+    </a:lvl6pPr>
+    <a:lvl7pPr marL="2743200" algn="l" defTabSz="914400" rtl="0" eaLnBrk="1" latinLnBrk="1" hangingPunct="1">
+      <a:defRPr sz="1200" kern="1200">
+        <a:solidFill>
+          <a:schemeClr val="tx1"/>
+        </a:solidFill>
+        <a:latin typeface="+mn-lt"/>
+        <a:ea typeface="+mn-ea"/>
+        <a:cs typeface="+mn-cs"/>
+      </a:defRPr>
+    </a:lvl7pPr>
+    <a:lvl8pPr marL="3200400" algn="l" defTabSz="914400" rtl="0" eaLnBrk="1" latinLnBrk="1" hangingPunct="1">
+      <a:defRPr sz="1200" kern="1200">
+        <a:solidFill>
+          <a:schemeClr val="tx1"/>
+        </a:solidFill>
+        <a:latin typeface="+mn-lt"/>
+        <a:ea typeface="+mn-ea"/>
+        <a:cs typeface="+mn-cs"/>
+      </a:defRPr>
+    </a:lvl8pPr>
+    <a:lvl9pPr marL="3657600" algn="l" defTabSz="914400" rtl="0" eaLnBrk="1" latinLnBrk="1" hangingPunct="1">
+      <a:defRPr sz="1200" kern="1200">
+        <a:solidFill>
+          <a:schemeClr val="tx1"/>
+        </a:solidFill>
+        <a:latin typeface="+mn-lt"/>
+        <a:ea typeface="+mn-ea"/>
+        <a:cs typeface="+mn-cs"/>
+      </a:defRPr>
+    </a:lvl9pPr>
+  </p:notesStyle>
+</p:notesMaster>
+</file>
+
 <file path=ppt/slideLayouts/slideLayout1.xml><?xml version="1.0" encoding="utf-8"?>
 <p:sldLayout xmlns:a="http://schemas.openxmlformats.org/drawingml/2006/main" xmlns:r="http://schemas.openxmlformats.org/officeDocument/2006/relationships" xmlns:p="http://schemas.openxmlformats.org/presentationml/2006/main" type="title" preserve="1">
   <p:cSld name="제목 슬라이드">
@@ -267,7 +622,7 @@
           <a:bodyPr/>
           <a:lstStyle/>
           <a:p>
-            <a:fld id="{6F8EAB5B-9FA5-41CE-BCBA-4836D0B49F26}" type="datetimeFigureOut">
+            <a:fld id="{A10C1DC0-A7DB-4545-84B0-209920942457}" type="datetime1">
               <a:rPr lang="ko-KR" altLang="en-US" smtClean="0"/>
               <a:t>2023-06-23</a:t>
             </a:fld>
@@ -465,7 +820,7 @@
           <a:bodyPr/>
           <a:lstStyle/>
           <a:p>
-            <a:fld id="{6F8EAB5B-9FA5-41CE-BCBA-4836D0B49F26}" type="datetimeFigureOut">
+            <a:fld id="{CF683A69-8E89-466A-B974-93AEFE38EAA5}" type="datetime1">
               <a:rPr lang="ko-KR" altLang="en-US" smtClean="0"/>
               <a:t>2023-06-23</a:t>
             </a:fld>
@@ -673,7 +1028,7 @@
           <a:bodyPr/>
           <a:lstStyle/>
           <a:p>
-            <a:fld id="{6F8EAB5B-9FA5-41CE-BCBA-4836D0B49F26}" type="datetimeFigureOut">
+            <a:fld id="{30C5CDD3-D722-436F-A14B-6BB37BCB4A79}" type="datetime1">
               <a:rPr lang="ko-KR" altLang="en-US" smtClean="0"/>
               <a:t>2023-06-23</a:t>
             </a:fld>
@@ -871,7 +1226,7 @@
           <a:bodyPr/>
           <a:lstStyle/>
           <a:p>
-            <a:fld id="{6F8EAB5B-9FA5-41CE-BCBA-4836D0B49F26}" type="datetimeFigureOut">
+            <a:fld id="{C06CD95C-64DD-42D6-ADB8-6725BDA2F147}" type="datetime1">
               <a:rPr lang="ko-KR" altLang="en-US" smtClean="0"/>
               <a:t>2023-06-23</a:t>
             </a:fld>
@@ -1146,7 +1501,7 @@
           <a:bodyPr/>
           <a:lstStyle/>
           <a:p>
-            <a:fld id="{6F8EAB5B-9FA5-41CE-BCBA-4836D0B49F26}" type="datetimeFigureOut">
+            <a:fld id="{757DBFD3-0644-4FD7-AD6E-B1A4F5B581A7}" type="datetime1">
               <a:rPr lang="ko-KR" altLang="en-US" smtClean="0"/>
               <a:t>2023-06-23</a:t>
             </a:fld>
@@ -1411,7 +1766,7 @@
           <a:bodyPr/>
           <a:lstStyle/>
           <a:p>
-            <a:fld id="{6F8EAB5B-9FA5-41CE-BCBA-4836D0B49F26}" type="datetimeFigureOut">
+            <a:fld id="{1B37EC5B-E3CC-4D8A-9605-9B259159F1F6}" type="datetime1">
               <a:rPr lang="ko-KR" altLang="en-US" smtClean="0"/>
               <a:t>2023-06-23</a:t>
             </a:fld>
@@ -1823,7 +2178,7 @@
           <a:bodyPr/>
           <a:lstStyle/>
           <a:p>
-            <a:fld id="{6F8EAB5B-9FA5-41CE-BCBA-4836D0B49F26}" type="datetimeFigureOut">
+            <a:fld id="{12E44DA5-38BB-4E78-9DFF-0D0402CFB9CF}" type="datetime1">
               <a:rPr lang="ko-KR" altLang="en-US" smtClean="0"/>
               <a:t>2023-06-23</a:t>
             </a:fld>
@@ -1964,7 +2319,7 @@
           <a:bodyPr/>
           <a:lstStyle/>
           <a:p>
-            <a:fld id="{6F8EAB5B-9FA5-41CE-BCBA-4836D0B49F26}" type="datetimeFigureOut">
+            <a:fld id="{EA4E7F5E-AC90-42C8-AD41-C1850FA4466A}" type="datetime1">
               <a:rPr lang="ko-KR" altLang="en-US" smtClean="0"/>
               <a:t>2023-06-23</a:t>
             </a:fld>
@@ -2077,7 +2432,7 @@
           <a:bodyPr/>
           <a:lstStyle/>
           <a:p>
-            <a:fld id="{6F8EAB5B-9FA5-41CE-BCBA-4836D0B49F26}" type="datetimeFigureOut">
+            <a:fld id="{F4BF1F32-F376-4E6F-A40A-FA2DC2C838B2}" type="datetime1">
               <a:rPr lang="ko-KR" altLang="en-US" smtClean="0"/>
               <a:t>2023-06-23</a:t>
             </a:fld>
@@ -2388,7 +2743,7 @@
           <a:bodyPr/>
           <a:lstStyle/>
           <a:p>
-            <a:fld id="{6F8EAB5B-9FA5-41CE-BCBA-4836D0B49F26}" type="datetimeFigureOut">
+            <a:fld id="{F532C5AB-82AC-4DF1-8257-467CC94B06A5}" type="datetime1">
               <a:rPr lang="ko-KR" altLang="en-US" smtClean="0"/>
               <a:t>2023-06-23</a:t>
             </a:fld>
@@ -2676,7 +3031,7 @@
           <a:bodyPr/>
           <a:lstStyle/>
           <a:p>
-            <a:fld id="{6F8EAB5B-9FA5-41CE-BCBA-4836D0B49F26}" type="datetimeFigureOut">
+            <a:fld id="{488BF957-EE04-4065-A19F-1BFD6AEB9551}" type="datetime1">
               <a:rPr lang="ko-KR" altLang="en-US" smtClean="0"/>
               <a:t>2023-06-23</a:t>
             </a:fld>
@@ -2917,7 +3272,7 @@
             </a:lvl1pPr>
           </a:lstStyle>
           <a:p>
-            <a:fld id="{6F8EAB5B-9FA5-41CE-BCBA-4836D0B49F26}" type="datetimeFigureOut">
+            <a:fld id="{9C825AA0-FE7F-4559-9398-4BEB892D3440}" type="datetime1">
               <a:rPr lang="ko-KR" altLang="en-US" smtClean="0"/>
               <a:t>2023-06-23</a:t>
             </a:fld>
@@ -3036,6 +3391,7 @@
     <p:sldLayoutId id="2147483658" r:id="rId10"/>
     <p:sldLayoutId id="2147483659" r:id="rId11"/>
   </p:sldLayoutIdLst>
+  <p:hf hdr="0" ftr="0" dt="0"/>
   <p:txStyles>
     <p:titleStyle>
       <a:lvl1pPr algn="l" defTabSz="914400" rtl="0" eaLnBrk="1" latinLnBrk="1" hangingPunct="1">
@@ -3350,7 +3706,7 @@
         </p:nvSpPr>
         <p:spPr>
           <a:xfrm>
-            <a:off x="5284720" y="3244334"/>
+            <a:off x="5424733" y="3298736"/>
             <a:ext cx="1622560" cy="369332"/>
           </a:xfrm>
           <a:prstGeom prst="rect">
@@ -3406,8 +3762,8 @@
         </p:blipFill>
         <p:spPr>
           <a:xfrm>
-            <a:off x="906641" y="1183555"/>
-            <a:ext cx="4378079" cy="4860222"/>
+            <a:off x="5556724" y="1790543"/>
+            <a:ext cx="1358578" cy="1508193"/>
           </a:xfrm>
           <a:prstGeom prst="rect">
             <a:avLst/>
@@ -3481,6 +3837,70 @@
               <a:latin typeface="평창 평화체 Light" panose="020B0303000000000000" pitchFamily="50" charset="-127"/>
               <a:ea typeface="평창 평화체 Light" panose="020B0303000000000000" pitchFamily="50" charset="-127"/>
             </a:endParaRPr>
+          </a:p>
+        </p:txBody>
+      </p:sp>
+      <p:sp>
+        <p:nvSpPr>
+          <p:cNvPr id="2" name="직사각형 1">
+            <a:extLst>
+              <a:ext uri="{FF2B5EF4-FFF2-40B4-BE49-F238E27FC236}">
+                <a16:creationId xmlns:a16="http://schemas.microsoft.com/office/drawing/2014/main" id="{6CB44A98-3229-B8A1-0275-74F563036B20}"/>
+              </a:ext>
+            </a:extLst>
+          </p:cNvPr>
+          <p:cNvSpPr/>
+          <p:nvPr/>
+        </p:nvSpPr>
+        <p:spPr>
+          <a:xfrm>
+            <a:off x="1" y="3879273"/>
+            <a:ext cx="12192000" cy="2978727"/>
+          </a:xfrm>
+          <a:prstGeom prst="rect">
+            <a:avLst/>
+          </a:prstGeom>
+          <a:solidFill>
+            <a:srgbClr val="FF0000">
+              <a:alpha val="38000"/>
+            </a:srgbClr>
+          </a:solidFill>
+          <a:ln>
+            <a:noFill/>
+          </a:ln>
+        </p:spPr>
+        <p:style>
+          <a:lnRef idx="2">
+            <a:schemeClr val="accent1">
+              <a:shade val="15000"/>
+            </a:schemeClr>
+          </a:lnRef>
+          <a:fillRef idx="1">
+            <a:schemeClr val="accent1"/>
+          </a:fillRef>
+          <a:effectRef idx="0">
+            <a:schemeClr val="accent1"/>
+          </a:effectRef>
+          <a:fontRef idx="minor">
+            <a:schemeClr val="lt1"/>
+          </a:fontRef>
+        </p:style>
+        <p:txBody>
+          <a:bodyPr rtlCol="0" anchor="ctr"/>
+          <a:lstStyle/>
+          <a:p>
+            <a:pPr algn="ctr"/>
+            <a:r>
+              <a:rPr lang="ko-KR" altLang="en-US" dirty="0"/>
+              <a:t>여기는 최대한 피해서 내용 넣기</a:t>
+            </a:r>
+            <a:br>
+              <a:rPr lang="en-US" altLang="ko-KR" dirty="0"/>
+            </a:br>
+            <a:r>
+              <a:rPr lang="ko-KR" altLang="en-US" dirty="0"/>
+              <a:t>뒷자리 안 보입니다</a:t>
+            </a:r>
           </a:p>
         </p:txBody>
       </p:sp>
@@ -3551,7 +3971,7 @@
                 <a:effectLst/>
                 <a:latin typeface="-apple-system"/>
               </a:rPr>
-              <a:t>4. </a:t>
+              <a:t>3. </a:t>
             </a:r>
             <a:r>
               <a:rPr lang="ko-KR" altLang="en-US" b="0" i="0" dirty="0">
@@ -3561,15 +3981,225 @@
                 <a:effectLst/>
                 <a:latin typeface="-apple-system"/>
               </a:rPr>
-              <a:t>프로젝트 수행결과</a:t>
-            </a:r>
+              <a:t>프로젝트 수행절차</a:t>
+            </a:r>
+          </a:p>
+        </p:txBody>
+      </p:sp>
+      <p:sp>
+        <p:nvSpPr>
+          <p:cNvPr id="2" name="TextBox 1">
+            <a:extLst>
+              <a:ext uri="{FF2B5EF4-FFF2-40B4-BE49-F238E27FC236}">
+                <a16:creationId xmlns:a16="http://schemas.microsoft.com/office/drawing/2014/main" id="{19E8E490-CDA7-D95F-EA3A-248AD470F58E}"/>
+              </a:ext>
+            </a:extLst>
+          </p:cNvPr>
+          <p:cNvSpPr txBox="1"/>
+          <p:nvPr/>
+        </p:nvSpPr>
+        <p:spPr>
+          <a:xfrm>
+            <a:off x="179180" y="369332"/>
+            <a:ext cx="2977097" cy="646331"/>
+          </a:xfrm>
+          <a:prstGeom prst="rect">
+            <a:avLst/>
+          </a:prstGeom>
+          <a:noFill/>
+        </p:spPr>
+        <p:txBody>
+          <a:bodyPr wrap="none" rtlCol="0">
+            <a:spAutoFit/>
+          </a:bodyPr>
+          <a:lstStyle/>
+          <a:p>
+            <a:pPr algn="l"/>
+            <a:r>
+              <a:rPr lang="ko-KR" altLang="en-US" b="0" i="0" dirty="0">
+                <a:solidFill>
+                  <a:srgbClr val="1F2328"/>
+                </a:solidFill>
+                <a:effectLst/>
+                <a:latin typeface="-apple-system"/>
+              </a:rPr>
+              <a:t>테이블 정의서</a:t>
+            </a:r>
+            <a:r>
+              <a:rPr lang="en-US" altLang="ko-KR" b="0" i="0" dirty="0">
+                <a:solidFill>
+                  <a:srgbClr val="1F2328"/>
+                </a:solidFill>
+                <a:effectLst/>
+                <a:latin typeface="-apple-system"/>
+              </a:rPr>
+              <a:t>(</a:t>
+            </a:r>
+            <a:r>
+              <a:rPr lang="ko-KR" altLang="en-US" b="0" i="0" dirty="0">
+                <a:solidFill>
+                  <a:srgbClr val="1F2328"/>
+                </a:solidFill>
+                <a:effectLst/>
+                <a:latin typeface="-apple-system"/>
+              </a:rPr>
+              <a:t>만들어야 됨</a:t>
+            </a:r>
+            <a:r>
+              <a:rPr lang="en-US" altLang="ko-KR" b="0" i="0" dirty="0">
+                <a:solidFill>
+                  <a:srgbClr val="1F2328"/>
+                </a:solidFill>
+                <a:effectLst/>
+                <a:latin typeface="-apple-system"/>
+              </a:rPr>
+              <a:t>)</a:t>
+            </a:r>
+          </a:p>
+          <a:p>
+            <a:pPr algn="l"/>
+            <a:r>
+              <a:rPr lang="en-US" altLang="ko-KR" dirty="0">
+                <a:solidFill>
+                  <a:srgbClr val="1F2328"/>
+                </a:solidFill>
+                <a:latin typeface="-apple-system"/>
+              </a:rPr>
+              <a:t>ER </a:t>
+            </a:r>
+            <a:r>
+              <a:rPr lang="ko-KR" altLang="en-US" dirty="0">
+                <a:solidFill>
+                  <a:srgbClr val="1F2328"/>
+                </a:solidFill>
+                <a:latin typeface="-apple-system"/>
+              </a:rPr>
+              <a:t>다이어그램</a:t>
+            </a:r>
+            <a:r>
+              <a:rPr lang="en-US" altLang="ko-KR" dirty="0">
+                <a:solidFill>
+                  <a:srgbClr val="1F2328"/>
+                </a:solidFill>
+                <a:latin typeface="-apple-system"/>
+              </a:rPr>
+              <a:t>(</a:t>
+            </a:r>
+            <a:r>
+              <a:rPr lang="ko-KR" altLang="en-US" dirty="0">
+                <a:solidFill>
+                  <a:srgbClr val="1F2328"/>
+                </a:solidFill>
+                <a:latin typeface="-apple-system"/>
+              </a:rPr>
+              <a:t>만들어야 됨</a:t>
+            </a:r>
+            <a:r>
+              <a:rPr lang="en-US" altLang="ko-KR" dirty="0">
+                <a:solidFill>
+                  <a:srgbClr val="1F2328"/>
+                </a:solidFill>
+                <a:latin typeface="-apple-system"/>
+              </a:rPr>
+              <a:t>)</a:t>
+            </a:r>
+            <a:endParaRPr lang="ko-KR" altLang="en-US" b="0" i="0" dirty="0">
+              <a:solidFill>
+                <a:srgbClr val="1F2328"/>
+              </a:solidFill>
+              <a:effectLst/>
+              <a:latin typeface="-apple-system"/>
+            </a:endParaRPr>
+          </a:p>
+        </p:txBody>
+      </p:sp>
+      <p:sp>
+        <p:nvSpPr>
+          <p:cNvPr id="3" name="직사각형 2">
+            <a:extLst>
+              <a:ext uri="{FF2B5EF4-FFF2-40B4-BE49-F238E27FC236}">
+                <a16:creationId xmlns:a16="http://schemas.microsoft.com/office/drawing/2014/main" id="{B94CF42D-3B88-B8EA-7B5D-E230387A6442}"/>
+              </a:ext>
+            </a:extLst>
+          </p:cNvPr>
+          <p:cNvSpPr/>
+          <p:nvPr/>
+        </p:nvSpPr>
+        <p:spPr>
+          <a:xfrm>
+            <a:off x="1" y="3879273"/>
+            <a:ext cx="12192000" cy="2978727"/>
+          </a:xfrm>
+          <a:prstGeom prst="rect">
+            <a:avLst/>
+          </a:prstGeom>
+          <a:solidFill>
+            <a:srgbClr val="FF0000">
+              <a:alpha val="38000"/>
+            </a:srgbClr>
+          </a:solidFill>
+          <a:ln>
+            <a:noFill/>
+          </a:ln>
+        </p:spPr>
+        <p:style>
+          <a:lnRef idx="2">
+            <a:schemeClr val="accent1">
+              <a:shade val="15000"/>
+            </a:schemeClr>
+          </a:lnRef>
+          <a:fillRef idx="1">
+            <a:schemeClr val="accent1"/>
+          </a:fillRef>
+          <a:effectRef idx="0">
+            <a:schemeClr val="accent1"/>
+          </a:effectRef>
+          <a:fontRef idx="minor">
+            <a:schemeClr val="lt1"/>
+          </a:fontRef>
+        </p:style>
+        <p:txBody>
+          <a:bodyPr rtlCol="0" anchor="ctr"/>
+          <a:lstStyle/>
+          <a:p>
+            <a:pPr algn="ctr"/>
+            <a:endParaRPr lang="ko-KR" altLang="en-US"/>
+          </a:p>
+        </p:txBody>
+      </p:sp>
+      <p:sp>
+        <p:nvSpPr>
+          <p:cNvPr id="4" name="슬라이드 번호 개체 틀 3">
+            <a:extLst>
+              <a:ext uri="{FF2B5EF4-FFF2-40B4-BE49-F238E27FC236}">
+                <a16:creationId xmlns:a16="http://schemas.microsoft.com/office/drawing/2014/main" id="{70CDFA67-A69C-A67E-BDB5-C180B758549B}"/>
+              </a:ext>
+            </a:extLst>
+          </p:cNvPr>
+          <p:cNvSpPr>
+            <a:spLocks noGrp="1"/>
+          </p:cNvSpPr>
+          <p:nvPr>
+            <p:ph type="sldNum" sz="quarter" idx="12"/>
+          </p:nvPr>
+        </p:nvSpPr>
+        <p:spPr/>
+        <p:txBody>
+          <a:bodyPr/>
+          <a:lstStyle/>
+          <a:p>
+            <a:fld id="{2C8717AA-CA35-48FD-B163-EFD5D6642515}" type="slidenum">
+              <a:rPr lang="ko-KR" altLang="en-US" smtClean="0"/>
+              <a:t>10</a:t>
+            </a:fld>
+            <a:endParaRPr lang="ko-KR" altLang="en-US"/>
           </a:p>
         </p:txBody>
       </p:sp>
     </p:spTree>
     <p:extLst>
       <p:ext uri="{BB962C8B-B14F-4D97-AF65-F5344CB8AC3E}">
-        <p14:creationId xmlns:p14="http://schemas.microsoft.com/office/powerpoint/2010/main" val="1770866820"/>
+        <p14:creationId xmlns:p14="http://schemas.microsoft.com/office/powerpoint/2010/main" val="62802894"/>
       </p:ext>
     </p:extLst>
   </p:cSld>
@@ -3611,6 +4241,763 @@
         <p:spPr>
           <a:xfrm>
             <a:off x="0" y="0"/>
+            <a:ext cx="2311851" cy="369332"/>
+          </a:xfrm>
+          <a:prstGeom prst="rect">
+            <a:avLst/>
+          </a:prstGeom>
+          <a:noFill/>
+        </p:spPr>
+        <p:txBody>
+          <a:bodyPr wrap="none" rtlCol="0">
+            <a:spAutoFit/>
+          </a:bodyPr>
+          <a:lstStyle/>
+          <a:p>
+            <a:pPr algn="l"/>
+            <a:r>
+              <a:rPr lang="en-US" altLang="ko-KR" b="0" i="0" dirty="0">
+                <a:solidFill>
+                  <a:srgbClr val="1F2328"/>
+                </a:solidFill>
+                <a:effectLst/>
+                <a:latin typeface="-apple-system"/>
+              </a:rPr>
+              <a:t>3. </a:t>
+            </a:r>
+            <a:r>
+              <a:rPr lang="ko-KR" altLang="en-US" b="0" i="0" dirty="0">
+                <a:solidFill>
+                  <a:srgbClr val="1F2328"/>
+                </a:solidFill>
+                <a:effectLst/>
+                <a:latin typeface="-apple-system"/>
+              </a:rPr>
+              <a:t>프로젝트 수행절차</a:t>
+            </a:r>
+          </a:p>
+        </p:txBody>
+      </p:sp>
+      <p:sp>
+        <p:nvSpPr>
+          <p:cNvPr id="2" name="TextBox 1">
+            <a:extLst>
+              <a:ext uri="{FF2B5EF4-FFF2-40B4-BE49-F238E27FC236}">
+                <a16:creationId xmlns:a16="http://schemas.microsoft.com/office/drawing/2014/main" id="{19E8E490-CDA7-D95F-EA3A-248AD470F58E}"/>
+              </a:ext>
+            </a:extLst>
+          </p:cNvPr>
+          <p:cNvSpPr txBox="1"/>
+          <p:nvPr/>
+        </p:nvSpPr>
+        <p:spPr>
+          <a:xfrm>
+            <a:off x="179180" y="369332"/>
+            <a:ext cx="1239442" cy="369332"/>
+          </a:xfrm>
+          <a:prstGeom prst="rect">
+            <a:avLst/>
+          </a:prstGeom>
+          <a:noFill/>
+        </p:spPr>
+        <p:txBody>
+          <a:bodyPr wrap="none" rtlCol="0">
+            <a:spAutoFit/>
+          </a:bodyPr>
+          <a:lstStyle/>
+          <a:p>
+            <a:pPr algn="l"/>
+            <a:r>
+              <a:rPr lang="en-US" altLang="ko-KR" dirty="0">
+                <a:solidFill>
+                  <a:srgbClr val="1F2328"/>
+                </a:solidFill>
+                <a:latin typeface="-apple-system"/>
+              </a:rPr>
+              <a:t>API</a:t>
+            </a:r>
+            <a:r>
+              <a:rPr lang="ko-KR" altLang="en-US" dirty="0">
+                <a:solidFill>
+                  <a:srgbClr val="1F2328"/>
+                </a:solidFill>
+                <a:latin typeface="-apple-system"/>
+              </a:rPr>
+              <a:t> 명세서</a:t>
+            </a:r>
+            <a:endParaRPr lang="ko-KR" altLang="en-US" b="0" i="0" dirty="0">
+              <a:solidFill>
+                <a:srgbClr val="1F2328"/>
+              </a:solidFill>
+              <a:effectLst/>
+              <a:latin typeface="-apple-system"/>
+            </a:endParaRPr>
+          </a:p>
+        </p:txBody>
+      </p:sp>
+      <p:pic>
+        <p:nvPicPr>
+          <p:cNvPr id="4098" name="Picture 2" descr="영화진흥위원회">
+            <a:extLst>
+              <a:ext uri="{FF2B5EF4-FFF2-40B4-BE49-F238E27FC236}">
+                <a16:creationId xmlns:a16="http://schemas.microsoft.com/office/drawing/2014/main" id="{430A8710-9637-BF3D-7CD1-6DFDC9EDF367}"/>
+              </a:ext>
+            </a:extLst>
+          </p:cNvPr>
+          <p:cNvPicPr>
+            <a:picLocks noChangeAspect="1" noChangeArrowheads="1"/>
+          </p:cNvPicPr>
+          <p:nvPr/>
+        </p:nvPicPr>
+        <p:blipFill>
+          <a:blip r:embed="rId2">
+            <a:extLst>
+              <a:ext uri="{28A0092B-C50C-407E-A947-70E740481C1C}">
+                <a14:useLocalDpi xmlns:a14="http://schemas.microsoft.com/office/drawing/2010/main" val="0"/>
+              </a:ext>
+            </a:extLst>
+          </a:blip>
+          <a:srcRect/>
+          <a:stretch>
+            <a:fillRect/>
+          </a:stretch>
+        </p:blipFill>
+        <p:spPr bwMode="auto">
+          <a:xfrm>
+            <a:off x="1449838" y="1921020"/>
+            <a:ext cx="1724025" cy="314325"/>
+          </a:xfrm>
+          <a:prstGeom prst="rect">
+            <a:avLst/>
+          </a:prstGeom>
+          <a:noFill/>
+          <a:extLst>
+            <a:ext uri="{909E8E84-426E-40DD-AFC4-6F175D3DCCD1}">
+              <a14:hiddenFill xmlns:a14="http://schemas.microsoft.com/office/drawing/2010/main">
+                <a:solidFill>
+                  <a:srgbClr val="FFFFFF"/>
+                </a:solidFill>
+              </a14:hiddenFill>
+            </a:ext>
+          </a:extLst>
+        </p:spPr>
+      </p:pic>
+      <p:pic>
+        <p:nvPicPr>
+          <p:cNvPr id="7" name="그림 6">
+            <a:extLst>
+              <a:ext uri="{FF2B5EF4-FFF2-40B4-BE49-F238E27FC236}">
+                <a16:creationId xmlns:a16="http://schemas.microsoft.com/office/drawing/2014/main" id="{93F93F04-E408-78A3-D7F7-4107CB335EDC}"/>
+              </a:ext>
+            </a:extLst>
+          </p:cNvPr>
+          <p:cNvPicPr>
+            <a:picLocks noChangeAspect="1"/>
+          </p:cNvPicPr>
+          <p:nvPr/>
+        </p:nvPicPr>
+        <p:blipFill>
+          <a:blip r:embed="rId3"/>
+          <a:stretch>
+            <a:fillRect/>
+          </a:stretch>
+        </p:blipFill>
+        <p:spPr>
+          <a:xfrm>
+            <a:off x="8170072" y="2073411"/>
+            <a:ext cx="1600282" cy="323867"/>
+          </a:xfrm>
+          <a:prstGeom prst="rect">
+            <a:avLst/>
+          </a:prstGeom>
+        </p:spPr>
+      </p:pic>
+      <p:sp>
+        <p:nvSpPr>
+          <p:cNvPr id="8" name="TextBox 7">
+            <a:extLst>
+              <a:ext uri="{FF2B5EF4-FFF2-40B4-BE49-F238E27FC236}">
+                <a16:creationId xmlns:a16="http://schemas.microsoft.com/office/drawing/2014/main" id="{CCEEDE17-D2E1-8D36-8E1B-3BC60D565C39}"/>
+              </a:ext>
+            </a:extLst>
+          </p:cNvPr>
+          <p:cNvSpPr txBox="1"/>
+          <p:nvPr/>
+        </p:nvSpPr>
+        <p:spPr>
+          <a:xfrm>
+            <a:off x="1358704" y="2475222"/>
+            <a:ext cx="1906291" cy="1200329"/>
+          </a:xfrm>
+          <a:prstGeom prst="rect">
+            <a:avLst/>
+          </a:prstGeom>
+          <a:noFill/>
+        </p:spPr>
+        <p:txBody>
+          <a:bodyPr wrap="none" rtlCol="0">
+            <a:spAutoFit/>
+          </a:bodyPr>
+          <a:lstStyle/>
+          <a:p>
+            <a:pPr algn="l"/>
+            <a:r>
+              <a:rPr lang="ko-KR" altLang="en-US" dirty="0">
+                <a:solidFill>
+                  <a:srgbClr val="1F2328"/>
+                </a:solidFill>
+                <a:latin typeface="-apple-system"/>
+              </a:rPr>
+              <a:t>일일 영화 데이터</a:t>
+            </a:r>
+            <a:endParaRPr lang="en-US" altLang="ko-KR" dirty="0">
+              <a:solidFill>
+                <a:srgbClr val="1F2328"/>
+              </a:solidFill>
+              <a:latin typeface="-apple-system"/>
+            </a:endParaRPr>
+          </a:p>
+          <a:p>
+            <a:pPr algn="l"/>
+            <a:endParaRPr lang="en-US" altLang="ko-KR" dirty="0">
+              <a:solidFill>
+                <a:srgbClr val="1F2328"/>
+              </a:solidFill>
+              <a:latin typeface="-apple-system"/>
+            </a:endParaRPr>
+          </a:p>
+          <a:p>
+            <a:pPr algn="l"/>
+            <a:endParaRPr lang="en-US" altLang="ko-KR" dirty="0">
+              <a:solidFill>
+                <a:srgbClr val="1F2328"/>
+              </a:solidFill>
+              <a:latin typeface="-apple-system"/>
+            </a:endParaRPr>
+          </a:p>
+          <a:p>
+            <a:pPr algn="l"/>
+            <a:r>
+              <a:rPr lang="ko-KR" altLang="en-US" b="0" i="0" dirty="0">
+                <a:solidFill>
+                  <a:srgbClr val="1F2328"/>
+                </a:solidFill>
+                <a:effectLst/>
+                <a:latin typeface="-apple-system"/>
+              </a:rPr>
+              <a:t>영화 세부 정보</a:t>
+            </a:r>
+          </a:p>
+        </p:txBody>
+      </p:sp>
+      <p:sp>
+        <p:nvSpPr>
+          <p:cNvPr id="9" name="TextBox 8">
+            <a:extLst>
+              <a:ext uri="{FF2B5EF4-FFF2-40B4-BE49-F238E27FC236}">
+                <a16:creationId xmlns:a16="http://schemas.microsoft.com/office/drawing/2014/main" id="{88DDDE12-F872-0791-4546-2DB82206F563}"/>
+              </a:ext>
+            </a:extLst>
+          </p:cNvPr>
+          <p:cNvSpPr txBox="1"/>
+          <p:nvPr/>
+        </p:nvSpPr>
+        <p:spPr>
+          <a:xfrm>
+            <a:off x="8170072" y="2475223"/>
+            <a:ext cx="1391728" cy="1200329"/>
+          </a:xfrm>
+          <a:prstGeom prst="rect">
+            <a:avLst/>
+          </a:prstGeom>
+          <a:noFill/>
+        </p:spPr>
+        <p:txBody>
+          <a:bodyPr wrap="none" rtlCol="0">
+            <a:spAutoFit/>
+          </a:bodyPr>
+          <a:lstStyle/>
+          <a:p>
+            <a:pPr algn="l"/>
+            <a:r>
+              <a:rPr lang="ko-KR" altLang="en-US" dirty="0">
+                <a:solidFill>
+                  <a:srgbClr val="1F2328"/>
+                </a:solidFill>
+                <a:latin typeface="-apple-system"/>
+              </a:rPr>
+              <a:t>영화 포스터</a:t>
+            </a:r>
+            <a:endParaRPr lang="en-US" altLang="ko-KR" dirty="0">
+              <a:solidFill>
+                <a:srgbClr val="1F2328"/>
+              </a:solidFill>
+              <a:latin typeface="-apple-system"/>
+            </a:endParaRPr>
+          </a:p>
+          <a:p>
+            <a:pPr algn="l"/>
+            <a:endParaRPr lang="en-US" altLang="ko-KR" dirty="0">
+              <a:solidFill>
+                <a:srgbClr val="1F2328"/>
+              </a:solidFill>
+              <a:latin typeface="-apple-system"/>
+            </a:endParaRPr>
+          </a:p>
+          <a:p>
+            <a:pPr algn="l"/>
+            <a:endParaRPr lang="en-US" altLang="ko-KR" dirty="0">
+              <a:solidFill>
+                <a:srgbClr val="1F2328"/>
+              </a:solidFill>
+              <a:latin typeface="-apple-system"/>
+            </a:endParaRPr>
+          </a:p>
+          <a:p>
+            <a:pPr algn="l"/>
+            <a:r>
+              <a:rPr lang="ko-KR" altLang="en-US" b="0" i="0" dirty="0">
+                <a:solidFill>
+                  <a:srgbClr val="1F2328"/>
+                </a:solidFill>
+                <a:effectLst/>
+                <a:latin typeface="-apple-system"/>
+              </a:rPr>
+              <a:t>영화 </a:t>
+            </a:r>
+            <a:r>
+              <a:rPr lang="ko-KR" altLang="en-US" dirty="0">
+                <a:solidFill>
+                  <a:srgbClr val="1F2328"/>
+                </a:solidFill>
+                <a:latin typeface="-apple-system"/>
+              </a:rPr>
+              <a:t>평점</a:t>
+            </a:r>
+            <a:endParaRPr lang="ko-KR" altLang="en-US" b="0" i="0" dirty="0">
+              <a:solidFill>
+                <a:srgbClr val="1F2328"/>
+              </a:solidFill>
+              <a:effectLst/>
+              <a:latin typeface="-apple-system"/>
+            </a:endParaRPr>
+          </a:p>
+        </p:txBody>
+      </p:sp>
+      <p:sp>
+        <p:nvSpPr>
+          <p:cNvPr id="3" name="직사각형 2">
+            <a:extLst>
+              <a:ext uri="{FF2B5EF4-FFF2-40B4-BE49-F238E27FC236}">
+                <a16:creationId xmlns:a16="http://schemas.microsoft.com/office/drawing/2014/main" id="{1A34616D-E40D-C616-6315-AB9231509AD6}"/>
+              </a:ext>
+            </a:extLst>
+          </p:cNvPr>
+          <p:cNvSpPr/>
+          <p:nvPr/>
+        </p:nvSpPr>
+        <p:spPr>
+          <a:xfrm>
+            <a:off x="1" y="3879273"/>
+            <a:ext cx="12192000" cy="2978727"/>
+          </a:xfrm>
+          <a:prstGeom prst="rect">
+            <a:avLst/>
+          </a:prstGeom>
+          <a:solidFill>
+            <a:srgbClr val="FF0000">
+              <a:alpha val="38000"/>
+            </a:srgbClr>
+          </a:solidFill>
+          <a:ln>
+            <a:noFill/>
+          </a:ln>
+        </p:spPr>
+        <p:style>
+          <a:lnRef idx="2">
+            <a:schemeClr val="accent1">
+              <a:shade val="15000"/>
+            </a:schemeClr>
+          </a:lnRef>
+          <a:fillRef idx="1">
+            <a:schemeClr val="accent1"/>
+          </a:fillRef>
+          <a:effectRef idx="0">
+            <a:schemeClr val="accent1"/>
+          </a:effectRef>
+          <a:fontRef idx="minor">
+            <a:schemeClr val="lt1"/>
+          </a:fontRef>
+        </p:style>
+        <p:txBody>
+          <a:bodyPr rtlCol="0" anchor="ctr"/>
+          <a:lstStyle/>
+          <a:p>
+            <a:pPr algn="ctr"/>
+            <a:endParaRPr lang="ko-KR" altLang="en-US"/>
+          </a:p>
+        </p:txBody>
+      </p:sp>
+      <p:sp>
+        <p:nvSpPr>
+          <p:cNvPr id="4" name="슬라이드 번호 개체 틀 3">
+            <a:extLst>
+              <a:ext uri="{FF2B5EF4-FFF2-40B4-BE49-F238E27FC236}">
+                <a16:creationId xmlns:a16="http://schemas.microsoft.com/office/drawing/2014/main" id="{961C402C-5395-027D-064B-3CE6F2172297}"/>
+              </a:ext>
+            </a:extLst>
+          </p:cNvPr>
+          <p:cNvSpPr>
+            <a:spLocks noGrp="1"/>
+          </p:cNvSpPr>
+          <p:nvPr>
+            <p:ph type="sldNum" sz="quarter" idx="12"/>
+          </p:nvPr>
+        </p:nvSpPr>
+        <p:spPr/>
+        <p:txBody>
+          <a:bodyPr/>
+          <a:lstStyle/>
+          <a:p>
+            <a:fld id="{2C8717AA-CA35-48FD-B163-EFD5D6642515}" type="slidenum">
+              <a:rPr lang="ko-KR" altLang="en-US" smtClean="0"/>
+              <a:t>11</a:t>
+            </a:fld>
+            <a:endParaRPr lang="ko-KR" altLang="en-US"/>
+          </a:p>
+        </p:txBody>
+      </p:sp>
+      <p:cxnSp>
+        <p:nvCxnSpPr>
+          <p:cNvPr id="10" name="직선 화살표 연결선 9">
+            <a:extLst>
+              <a:ext uri="{FF2B5EF4-FFF2-40B4-BE49-F238E27FC236}">
+                <a16:creationId xmlns:a16="http://schemas.microsoft.com/office/drawing/2014/main" id="{3E95B8FE-90DA-48B6-B123-192EAE9AB841}"/>
+              </a:ext>
+            </a:extLst>
+          </p:cNvPr>
+          <p:cNvCxnSpPr/>
+          <p:nvPr/>
+        </p:nvCxnSpPr>
+        <p:spPr>
+          <a:xfrm>
+            <a:off x="2311849" y="2819400"/>
+            <a:ext cx="0" cy="450273"/>
+          </a:xfrm>
+          <a:prstGeom prst="straightConnector1">
+            <a:avLst/>
+          </a:prstGeom>
+          <a:ln>
+            <a:tailEnd type="triangle"/>
+          </a:ln>
+        </p:spPr>
+        <p:style>
+          <a:lnRef idx="1">
+            <a:schemeClr val="dk1"/>
+          </a:lnRef>
+          <a:fillRef idx="0">
+            <a:schemeClr val="dk1"/>
+          </a:fillRef>
+          <a:effectRef idx="0">
+            <a:schemeClr val="dk1"/>
+          </a:effectRef>
+          <a:fontRef idx="minor">
+            <a:schemeClr val="tx1"/>
+          </a:fontRef>
+        </p:style>
+      </p:cxnSp>
+      <p:cxnSp>
+        <p:nvCxnSpPr>
+          <p:cNvPr id="11" name="직선 화살표 연결선 10">
+            <a:extLst>
+              <a:ext uri="{FF2B5EF4-FFF2-40B4-BE49-F238E27FC236}">
+                <a16:creationId xmlns:a16="http://schemas.microsoft.com/office/drawing/2014/main" id="{821BB424-6EF1-FE0C-08EF-BBDABB20AE94}"/>
+              </a:ext>
+            </a:extLst>
+          </p:cNvPr>
+          <p:cNvCxnSpPr>
+            <a:cxnSpLocks/>
+          </p:cNvCxnSpPr>
+          <p:nvPr/>
+        </p:nvCxnSpPr>
+        <p:spPr>
+          <a:xfrm flipV="1">
+            <a:off x="3061855" y="2655545"/>
+            <a:ext cx="5108217" cy="808090"/>
+          </a:xfrm>
+          <a:prstGeom prst="straightConnector1">
+            <a:avLst/>
+          </a:prstGeom>
+          <a:ln>
+            <a:tailEnd type="triangle"/>
+          </a:ln>
+        </p:spPr>
+        <p:style>
+          <a:lnRef idx="1">
+            <a:schemeClr val="dk1"/>
+          </a:lnRef>
+          <a:fillRef idx="0">
+            <a:schemeClr val="dk1"/>
+          </a:fillRef>
+          <a:effectRef idx="0">
+            <a:schemeClr val="dk1"/>
+          </a:effectRef>
+          <a:fontRef idx="minor">
+            <a:schemeClr val="tx1"/>
+          </a:fontRef>
+        </p:style>
+      </p:cxnSp>
+      <p:cxnSp>
+        <p:nvCxnSpPr>
+          <p:cNvPr id="16" name="직선 화살표 연결선 15">
+            <a:extLst>
+              <a:ext uri="{FF2B5EF4-FFF2-40B4-BE49-F238E27FC236}">
+                <a16:creationId xmlns:a16="http://schemas.microsoft.com/office/drawing/2014/main" id="{DF896EB2-3DDC-B30C-32E5-BB99A7117F32}"/>
+              </a:ext>
+            </a:extLst>
+          </p:cNvPr>
+          <p:cNvCxnSpPr>
+            <a:cxnSpLocks/>
+          </p:cNvCxnSpPr>
+          <p:nvPr/>
+        </p:nvCxnSpPr>
+        <p:spPr>
+          <a:xfrm>
+            <a:off x="3061855" y="3459072"/>
+            <a:ext cx="5108217" cy="0"/>
+          </a:xfrm>
+          <a:prstGeom prst="straightConnector1">
+            <a:avLst/>
+          </a:prstGeom>
+          <a:ln>
+            <a:tailEnd type="triangle"/>
+          </a:ln>
+        </p:spPr>
+        <p:style>
+          <a:lnRef idx="1">
+            <a:schemeClr val="dk1"/>
+          </a:lnRef>
+          <a:fillRef idx="0">
+            <a:schemeClr val="dk1"/>
+          </a:fillRef>
+          <a:effectRef idx="0">
+            <a:schemeClr val="dk1"/>
+          </a:effectRef>
+          <a:fontRef idx="minor">
+            <a:schemeClr val="tx1"/>
+          </a:fontRef>
+        </p:style>
+      </p:cxnSp>
+    </p:spTree>
+    <p:extLst>
+      <p:ext uri="{BB962C8B-B14F-4D97-AF65-F5344CB8AC3E}">
+        <p14:creationId xmlns:p14="http://schemas.microsoft.com/office/powerpoint/2010/main" val="322503723"/>
+      </p:ext>
+    </p:extLst>
+  </p:cSld>
+  <p:clrMapOvr>
+    <a:masterClrMapping/>
+  </p:clrMapOvr>
+</p:sld>
+</file>
+
+<file path=ppt/slides/slide12.xml><?xml version="1.0" encoding="utf-8"?>
+<p:sld xmlns:a="http://schemas.openxmlformats.org/drawingml/2006/main" xmlns:r="http://schemas.openxmlformats.org/officeDocument/2006/relationships" xmlns:p="http://schemas.openxmlformats.org/presentationml/2006/main">
+  <p:cSld>
+    <p:spTree>
+      <p:nvGrpSpPr>
+        <p:cNvPr id="1" name=""/>
+        <p:cNvGrpSpPr/>
+        <p:nvPr/>
+      </p:nvGrpSpPr>
+      <p:grpSpPr>
+        <a:xfrm>
+          <a:off x="0" y="0"/>
+          <a:ext cx="0" cy="0"/>
+          <a:chOff x="0" y="0"/>
+          <a:chExt cx="0" cy="0"/>
+        </a:xfrm>
+      </p:grpSpPr>
+      <p:sp>
+        <p:nvSpPr>
+          <p:cNvPr id="6" name="TextBox 5">
+            <a:extLst>
+              <a:ext uri="{FF2B5EF4-FFF2-40B4-BE49-F238E27FC236}">
+                <a16:creationId xmlns:a16="http://schemas.microsoft.com/office/drawing/2014/main" id="{05401AD8-09E1-90A1-EB3A-43DCB96F872A}"/>
+              </a:ext>
+            </a:extLst>
+          </p:cNvPr>
+          <p:cNvSpPr txBox="1"/>
+          <p:nvPr/>
+        </p:nvSpPr>
+        <p:spPr>
+          <a:xfrm>
+            <a:off x="0" y="0"/>
+            <a:ext cx="2311851" cy="369332"/>
+          </a:xfrm>
+          <a:prstGeom prst="rect">
+            <a:avLst/>
+          </a:prstGeom>
+          <a:noFill/>
+        </p:spPr>
+        <p:txBody>
+          <a:bodyPr wrap="none" rtlCol="0">
+            <a:spAutoFit/>
+          </a:bodyPr>
+          <a:lstStyle/>
+          <a:p>
+            <a:pPr algn="l"/>
+            <a:r>
+              <a:rPr lang="en-US" altLang="ko-KR" b="0" i="0" dirty="0">
+                <a:solidFill>
+                  <a:srgbClr val="1F2328"/>
+                </a:solidFill>
+                <a:effectLst/>
+                <a:latin typeface="-apple-system"/>
+              </a:rPr>
+              <a:t>4. </a:t>
+            </a:r>
+            <a:r>
+              <a:rPr lang="ko-KR" altLang="en-US" b="0" i="0" dirty="0">
+                <a:solidFill>
+                  <a:srgbClr val="1F2328"/>
+                </a:solidFill>
+                <a:effectLst/>
+                <a:latin typeface="-apple-system"/>
+              </a:rPr>
+              <a:t>프로젝트 수행결과</a:t>
+            </a:r>
+          </a:p>
+        </p:txBody>
+      </p:sp>
+      <p:sp>
+        <p:nvSpPr>
+          <p:cNvPr id="2" name="직사각형 1">
+            <a:extLst>
+              <a:ext uri="{FF2B5EF4-FFF2-40B4-BE49-F238E27FC236}">
+                <a16:creationId xmlns:a16="http://schemas.microsoft.com/office/drawing/2014/main" id="{0A95B178-D174-33B9-F084-5324A4235E6B}"/>
+              </a:ext>
+            </a:extLst>
+          </p:cNvPr>
+          <p:cNvSpPr/>
+          <p:nvPr/>
+        </p:nvSpPr>
+        <p:spPr>
+          <a:xfrm>
+            <a:off x="1" y="3879273"/>
+            <a:ext cx="12192000" cy="2978727"/>
+          </a:xfrm>
+          <a:prstGeom prst="rect">
+            <a:avLst/>
+          </a:prstGeom>
+          <a:solidFill>
+            <a:srgbClr val="FF0000">
+              <a:alpha val="38000"/>
+            </a:srgbClr>
+          </a:solidFill>
+          <a:ln>
+            <a:noFill/>
+          </a:ln>
+        </p:spPr>
+        <p:style>
+          <a:lnRef idx="2">
+            <a:schemeClr val="accent1">
+              <a:shade val="15000"/>
+            </a:schemeClr>
+          </a:lnRef>
+          <a:fillRef idx="1">
+            <a:schemeClr val="accent1"/>
+          </a:fillRef>
+          <a:effectRef idx="0">
+            <a:schemeClr val="accent1"/>
+          </a:effectRef>
+          <a:fontRef idx="minor">
+            <a:schemeClr val="lt1"/>
+          </a:fontRef>
+        </p:style>
+        <p:txBody>
+          <a:bodyPr rtlCol="0" anchor="ctr"/>
+          <a:lstStyle/>
+          <a:p>
+            <a:pPr algn="ctr"/>
+            <a:endParaRPr lang="ko-KR" altLang="en-US"/>
+          </a:p>
+        </p:txBody>
+      </p:sp>
+      <p:sp>
+        <p:nvSpPr>
+          <p:cNvPr id="3" name="슬라이드 번호 개체 틀 2">
+            <a:extLst>
+              <a:ext uri="{FF2B5EF4-FFF2-40B4-BE49-F238E27FC236}">
+                <a16:creationId xmlns:a16="http://schemas.microsoft.com/office/drawing/2014/main" id="{7C1E8B1E-8530-07A5-D95B-DEA16A64E1D5}"/>
+              </a:ext>
+            </a:extLst>
+          </p:cNvPr>
+          <p:cNvSpPr>
+            <a:spLocks noGrp="1"/>
+          </p:cNvSpPr>
+          <p:nvPr>
+            <p:ph type="sldNum" sz="quarter" idx="12"/>
+          </p:nvPr>
+        </p:nvSpPr>
+        <p:spPr/>
+        <p:txBody>
+          <a:bodyPr/>
+          <a:lstStyle/>
+          <a:p>
+            <a:fld id="{2C8717AA-CA35-48FD-B163-EFD5D6642515}" type="slidenum">
+              <a:rPr lang="ko-KR" altLang="en-US" smtClean="0"/>
+              <a:t>12</a:t>
+            </a:fld>
+            <a:endParaRPr lang="ko-KR" altLang="en-US"/>
+          </a:p>
+        </p:txBody>
+      </p:sp>
+    </p:spTree>
+    <p:extLst>
+      <p:ext uri="{BB962C8B-B14F-4D97-AF65-F5344CB8AC3E}">
+        <p14:creationId xmlns:p14="http://schemas.microsoft.com/office/powerpoint/2010/main" val="1770866820"/>
+      </p:ext>
+    </p:extLst>
+  </p:cSld>
+  <p:clrMapOvr>
+    <a:masterClrMapping/>
+  </p:clrMapOvr>
+</p:sld>
+</file>
+
+<file path=ppt/slides/slide13.xml><?xml version="1.0" encoding="utf-8"?>
+<p:sld xmlns:a="http://schemas.openxmlformats.org/drawingml/2006/main" xmlns:r="http://schemas.openxmlformats.org/officeDocument/2006/relationships" xmlns:p="http://schemas.openxmlformats.org/presentationml/2006/main">
+  <p:cSld>
+    <p:spTree>
+      <p:nvGrpSpPr>
+        <p:cNvPr id="1" name=""/>
+        <p:cNvGrpSpPr/>
+        <p:nvPr/>
+      </p:nvGrpSpPr>
+      <p:grpSpPr>
+        <a:xfrm>
+          <a:off x="0" y="0"/>
+          <a:ext cx="0" cy="0"/>
+          <a:chOff x="0" y="0"/>
+          <a:chExt cx="0" cy="0"/>
+        </a:xfrm>
+      </p:grpSpPr>
+      <p:sp>
+        <p:nvSpPr>
+          <p:cNvPr id="6" name="TextBox 5">
+            <a:extLst>
+              <a:ext uri="{FF2B5EF4-FFF2-40B4-BE49-F238E27FC236}">
+                <a16:creationId xmlns:a16="http://schemas.microsoft.com/office/drawing/2014/main" id="{05401AD8-09E1-90A1-EB3A-43DCB96F872A}"/>
+              </a:ext>
+            </a:extLst>
+          </p:cNvPr>
+          <p:cNvSpPr txBox="1"/>
+          <p:nvPr/>
+        </p:nvSpPr>
+        <p:spPr>
+          <a:xfrm>
+            <a:off x="0" y="0"/>
             <a:ext cx="1850186" cy="369332"/>
           </a:xfrm>
           <a:prstGeom prst="rect">
@@ -3648,10 +5035,297 @@
           </a:p>
         </p:txBody>
       </p:sp>
+      <p:sp>
+        <p:nvSpPr>
+          <p:cNvPr id="2" name="직사각형 1">
+            <a:extLst>
+              <a:ext uri="{FF2B5EF4-FFF2-40B4-BE49-F238E27FC236}">
+                <a16:creationId xmlns:a16="http://schemas.microsoft.com/office/drawing/2014/main" id="{9A306792-939B-6B36-2684-18CE77E7B195}"/>
+              </a:ext>
+            </a:extLst>
+          </p:cNvPr>
+          <p:cNvSpPr/>
+          <p:nvPr/>
+        </p:nvSpPr>
+        <p:spPr>
+          <a:xfrm>
+            <a:off x="1" y="3879273"/>
+            <a:ext cx="12192000" cy="2978727"/>
+          </a:xfrm>
+          <a:prstGeom prst="rect">
+            <a:avLst/>
+          </a:prstGeom>
+          <a:solidFill>
+            <a:srgbClr val="FF0000">
+              <a:alpha val="38000"/>
+            </a:srgbClr>
+          </a:solidFill>
+          <a:ln>
+            <a:noFill/>
+          </a:ln>
+        </p:spPr>
+        <p:style>
+          <a:lnRef idx="2">
+            <a:schemeClr val="accent1">
+              <a:shade val="15000"/>
+            </a:schemeClr>
+          </a:lnRef>
+          <a:fillRef idx="1">
+            <a:schemeClr val="accent1"/>
+          </a:fillRef>
+          <a:effectRef idx="0">
+            <a:schemeClr val="accent1"/>
+          </a:effectRef>
+          <a:fontRef idx="minor">
+            <a:schemeClr val="lt1"/>
+          </a:fontRef>
+        </p:style>
+        <p:txBody>
+          <a:bodyPr rtlCol="0" anchor="ctr"/>
+          <a:lstStyle/>
+          <a:p>
+            <a:pPr algn="ctr"/>
+            <a:endParaRPr lang="ko-KR" altLang="en-US"/>
+          </a:p>
+        </p:txBody>
+      </p:sp>
+      <p:sp>
+        <p:nvSpPr>
+          <p:cNvPr id="3" name="슬라이드 번호 개체 틀 2">
+            <a:extLst>
+              <a:ext uri="{FF2B5EF4-FFF2-40B4-BE49-F238E27FC236}">
+                <a16:creationId xmlns:a16="http://schemas.microsoft.com/office/drawing/2014/main" id="{C1D1CBD0-6376-F89D-69D5-54C7B0AFC52D}"/>
+              </a:ext>
+            </a:extLst>
+          </p:cNvPr>
+          <p:cNvSpPr>
+            <a:spLocks noGrp="1"/>
+          </p:cNvSpPr>
+          <p:nvPr>
+            <p:ph type="sldNum" sz="quarter" idx="12"/>
+          </p:nvPr>
+        </p:nvSpPr>
+        <p:spPr/>
+        <p:txBody>
+          <a:bodyPr/>
+          <a:lstStyle/>
+          <a:p>
+            <a:fld id="{2C8717AA-CA35-48FD-B163-EFD5D6642515}" type="slidenum">
+              <a:rPr lang="ko-KR" altLang="en-US" smtClean="0"/>
+              <a:t>13</a:t>
+            </a:fld>
+            <a:endParaRPr lang="ko-KR" altLang="en-US"/>
+          </a:p>
+        </p:txBody>
+      </p:sp>
     </p:spTree>
     <p:extLst>
       <p:ext uri="{BB962C8B-B14F-4D97-AF65-F5344CB8AC3E}">
         <p14:creationId xmlns:p14="http://schemas.microsoft.com/office/powerpoint/2010/main" val="3468987249"/>
+      </p:ext>
+    </p:extLst>
+  </p:cSld>
+  <p:clrMapOvr>
+    <a:masterClrMapping/>
+  </p:clrMapOvr>
+</p:sld>
+</file>
+
+<file path=ppt/slides/slide14.xml><?xml version="1.0" encoding="utf-8"?>
+<p:sld xmlns:a="http://schemas.openxmlformats.org/drawingml/2006/main" xmlns:r="http://schemas.openxmlformats.org/officeDocument/2006/relationships" xmlns:p="http://schemas.openxmlformats.org/presentationml/2006/main">
+  <p:cSld>
+    <p:spTree>
+      <p:nvGrpSpPr>
+        <p:cNvPr id="1" name=""/>
+        <p:cNvGrpSpPr/>
+        <p:nvPr/>
+      </p:nvGrpSpPr>
+      <p:grpSpPr>
+        <a:xfrm>
+          <a:off x="0" y="0"/>
+          <a:ext cx="0" cy="0"/>
+          <a:chOff x="0" y="0"/>
+          <a:chExt cx="0" cy="0"/>
+        </a:xfrm>
+      </p:grpSpPr>
+      <p:sp>
+        <p:nvSpPr>
+          <p:cNvPr id="6" name="TextBox 5">
+            <a:extLst>
+              <a:ext uri="{FF2B5EF4-FFF2-40B4-BE49-F238E27FC236}">
+                <a16:creationId xmlns:a16="http://schemas.microsoft.com/office/drawing/2014/main" id="{05401AD8-09E1-90A1-EB3A-43DCB96F872A}"/>
+              </a:ext>
+            </a:extLst>
+          </p:cNvPr>
+          <p:cNvSpPr txBox="1"/>
+          <p:nvPr/>
+        </p:nvSpPr>
+        <p:spPr>
+          <a:xfrm>
+            <a:off x="5657418" y="3244334"/>
+            <a:ext cx="877163" cy="369332"/>
+          </a:xfrm>
+          <a:prstGeom prst="rect">
+            <a:avLst/>
+          </a:prstGeom>
+          <a:noFill/>
+        </p:spPr>
+        <p:txBody>
+          <a:bodyPr wrap="none" rtlCol="0">
+            <a:spAutoFit/>
+          </a:bodyPr>
+          <a:lstStyle/>
+          <a:p>
+            <a:pPr algn="l"/>
+            <a:r>
+              <a:rPr lang="ko-KR" altLang="en-US" b="0" i="0">
+                <a:solidFill>
+                  <a:srgbClr val="1F2328"/>
+                </a:solidFill>
+                <a:effectLst/>
+                <a:latin typeface="-apple-system"/>
+              </a:rPr>
+              <a:t>마무리</a:t>
+            </a:r>
+            <a:endParaRPr lang="ko-KR" altLang="en-US" b="0" i="0" dirty="0">
+              <a:solidFill>
+                <a:srgbClr val="1F2328"/>
+              </a:solidFill>
+              <a:effectLst/>
+              <a:latin typeface="-apple-system"/>
+            </a:endParaRPr>
+          </a:p>
+        </p:txBody>
+      </p:sp>
+      <p:sp>
+        <p:nvSpPr>
+          <p:cNvPr id="2" name="직사각형 1">
+            <a:extLst>
+              <a:ext uri="{FF2B5EF4-FFF2-40B4-BE49-F238E27FC236}">
+                <a16:creationId xmlns:a16="http://schemas.microsoft.com/office/drawing/2014/main" id="{9A306792-939B-6B36-2684-18CE77E7B195}"/>
+              </a:ext>
+            </a:extLst>
+          </p:cNvPr>
+          <p:cNvSpPr/>
+          <p:nvPr/>
+        </p:nvSpPr>
+        <p:spPr>
+          <a:xfrm>
+            <a:off x="1" y="3879273"/>
+            <a:ext cx="12192000" cy="2978727"/>
+          </a:xfrm>
+          <a:prstGeom prst="rect">
+            <a:avLst/>
+          </a:prstGeom>
+          <a:solidFill>
+            <a:srgbClr val="FF0000">
+              <a:alpha val="38000"/>
+            </a:srgbClr>
+          </a:solidFill>
+          <a:ln>
+            <a:noFill/>
+          </a:ln>
+        </p:spPr>
+        <p:style>
+          <a:lnRef idx="2">
+            <a:schemeClr val="accent1">
+              <a:shade val="15000"/>
+            </a:schemeClr>
+          </a:lnRef>
+          <a:fillRef idx="1">
+            <a:schemeClr val="accent1"/>
+          </a:fillRef>
+          <a:effectRef idx="0">
+            <a:schemeClr val="accent1"/>
+          </a:effectRef>
+          <a:fontRef idx="minor">
+            <a:schemeClr val="lt1"/>
+          </a:fontRef>
+        </p:style>
+        <p:txBody>
+          <a:bodyPr rtlCol="0" anchor="ctr"/>
+          <a:lstStyle/>
+          <a:p>
+            <a:pPr algn="ctr"/>
+            <a:endParaRPr lang="ko-KR" altLang="en-US"/>
+          </a:p>
+        </p:txBody>
+      </p:sp>
+      <p:pic>
+        <p:nvPicPr>
+          <p:cNvPr id="7" name="그림 6" descr="고양이, 포유류, 실루엣이(가) 표시된 사진&#10;&#10;자동 생성된 설명">
+            <a:extLst>
+              <a:ext uri="{FF2B5EF4-FFF2-40B4-BE49-F238E27FC236}">
+                <a16:creationId xmlns:a16="http://schemas.microsoft.com/office/drawing/2014/main" id="{15ED5C7B-5651-BED5-4611-25FE1F73B281}"/>
+              </a:ext>
+            </a:extLst>
+          </p:cNvPr>
+          <p:cNvPicPr>
+            <a:picLocks noChangeAspect="1"/>
+          </p:cNvPicPr>
+          <p:nvPr/>
+        </p:nvPicPr>
+        <p:blipFill>
+          <a:blip r:embed="rId2">
+            <a:extLst>
+              <a:ext uri="{28A0092B-C50C-407E-A947-70E740481C1C}">
+                <a14:useLocalDpi xmlns:a14="http://schemas.microsoft.com/office/drawing/2010/main" val="0"/>
+              </a:ext>
+            </a:extLst>
+          </a:blip>
+          <a:stretch>
+            <a:fillRect/>
+          </a:stretch>
+        </p:blipFill>
+        <p:spPr>
+          <a:xfrm>
+            <a:off x="7308262" y="6183863"/>
+            <a:ext cx="609610" cy="609610"/>
+          </a:xfrm>
+          <a:prstGeom prst="rect">
+            <a:avLst/>
+          </a:prstGeom>
+        </p:spPr>
+      </p:pic>
+      <p:sp>
+        <p:nvSpPr>
+          <p:cNvPr id="9" name="TextBox 8">
+            <a:extLst>
+              <a:ext uri="{FF2B5EF4-FFF2-40B4-BE49-F238E27FC236}">
+                <a16:creationId xmlns:a16="http://schemas.microsoft.com/office/drawing/2014/main" id="{710815CC-13D9-1AF2-C2AA-091C4AAF7EAD}"/>
+              </a:ext>
+            </a:extLst>
+          </p:cNvPr>
+          <p:cNvSpPr txBox="1"/>
+          <p:nvPr/>
+        </p:nvSpPr>
+        <p:spPr>
+          <a:xfrm>
+            <a:off x="7917873" y="6304002"/>
+            <a:ext cx="4274127" cy="369332"/>
+          </a:xfrm>
+          <a:prstGeom prst="rect">
+            <a:avLst/>
+          </a:prstGeom>
+          <a:noFill/>
+        </p:spPr>
+        <p:txBody>
+          <a:bodyPr wrap="square">
+            <a:spAutoFit/>
+          </a:bodyPr>
+          <a:lstStyle/>
+          <a:p>
+            <a:r>
+              <a:rPr lang="ko-KR" altLang="en-US" dirty="0"/>
+              <a:t>https://github.com/909ma/Project-Web</a:t>
+            </a:r>
+          </a:p>
+        </p:txBody>
+      </p:sp>
+    </p:spTree>
+    <p:extLst>
+      <p:ext uri="{BB962C8B-B14F-4D97-AF65-F5344CB8AC3E}">
+        <p14:creationId xmlns:p14="http://schemas.microsoft.com/office/powerpoint/2010/main" val="1228659831"/>
       </p:ext>
     </p:extLst>
   </p:cSld>
@@ -3692,8 +5366,8 @@
         </p:nvSpPr>
         <p:spPr>
           <a:xfrm>
-            <a:off x="5772834" y="3244334"/>
-            <a:ext cx="646331" cy="369332"/>
+            <a:off x="4604245" y="2212171"/>
+            <a:ext cx="2983509" cy="2031325"/>
           </a:xfrm>
           <a:prstGeom prst="rect">
             <a:avLst/>
@@ -3706,8 +5380,37 @@
           </a:bodyPr>
           <a:lstStyle/>
           <a:p>
+            <a:pPr algn="ctr"/>
+            <a:r>
+              <a:rPr lang="ko-KR" altLang="en-US" b="0" i="0" dirty="0">
+                <a:solidFill>
+                  <a:srgbClr val="1F2328"/>
+                </a:solidFill>
+                <a:effectLst/>
+                <a:latin typeface="-apple-system"/>
+              </a:rPr>
+              <a:t>목차</a:t>
+            </a:r>
+            <a:endParaRPr lang="en-US" altLang="ko-KR" b="0" i="0" dirty="0">
+              <a:solidFill>
+                <a:srgbClr val="1F2328"/>
+              </a:solidFill>
+              <a:effectLst/>
+              <a:latin typeface="-apple-system"/>
+            </a:endParaRPr>
+          </a:p>
+          <a:p>
             <a:pPr algn="l"/>
             <a:r>
+              <a:rPr lang="en-US" altLang="ko-KR" dirty="0">
+                <a:solidFill>
+                  <a:srgbClr val="1F2328"/>
+                </a:solidFill>
+                <a:latin typeface="-apple-system"/>
+              </a:rPr>
+              <a:t>  3p – 1. </a:t>
+            </a:r>
+            <a:r>
               <a:rPr lang="ko-KR" altLang="en-US" b="0" i="0" dirty="0">
                 <a:solidFill>
                   <a:srgbClr val="1F2328"/>
@@ -3715,8 +5418,199 @@
                 <a:effectLst/>
                 <a:latin typeface="-apple-system"/>
               </a:rPr>
-              <a:t>목차</a:t>
-            </a:r>
+              <a:t>프로젝트 개요</a:t>
+            </a:r>
+            <a:endParaRPr lang="en-US" altLang="ko-KR" b="0" i="0" dirty="0">
+              <a:solidFill>
+                <a:srgbClr val="1F2328"/>
+              </a:solidFill>
+              <a:effectLst/>
+              <a:latin typeface="-apple-system"/>
+            </a:endParaRPr>
+          </a:p>
+          <a:p>
+            <a:pPr algn="l"/>
+            <a:r>
+              <a:rPr lang="en-US" altLang="ko-KR" dirty="0">
+                <a:solidFill>
+                  <a:srgbClr val="1F2328"/>
+                </a:solidFill>
+                <a:latin typeface="-apple-system"/>
+              </a:rPr>
+              <a:t>  6p – 2.</a:t>
+            </a:r>
+            <a:r>
+              <a:rPr lang="ko-KR" altLang="en-US" b="0" i="0" dirty="0">
+                <a:solidFill>
+                  <a:srgbClr val="1F2328"/>
+                </a:solidFill>
+                <a:effectLst/>
+                <a:latin typeface="-apple-system"/>
+              </a:rPr>
+              <a:t>팀  구성원 역할 소개</a:t>
+            </a:r>
+          </a:p>
+          <a:p>
+            <a:pPr algn="l"/>
+            <a:r>
+              <a:rPr lang="en-US" altLang="ko-KR" b="0" i="0" dirty="0">
+                <a:solidFill>
+                  <a:srgbClr val="1F2328"/>
+                </a:solidFill>
+                <a:effectLst/>
+                <a:latin typeface="-apple-system"/>
+              </a:rPr>
+              <a:t>  7p – 3. </a:t>
+            </a:r>
+            <a:r>
+              <a:rPr lang="ko-KR" altLang="en-US" b="0" i="0" dirty="0">
+                <a:solidFill>
+                  <a:srgbClr val="1F2328"/>
+                </a:solidFill>
+                <a:effectLst/>
+                <a:latin typeface="-apple-system"/>
+              </a:rPr>
+              <a:t>프로젝트 수행절차</a:t>
+            </a:r>
+          </a:p>
+          <a:p>
+            <a:pPr algn="l"/>
+            <a:r>
+              <a:rPr lang="en-US" altLang="ko-KR" b="0" i="0" dirty="0">
+                <a:solidFill>
+                  <a:srgbClr val="1F2328"/>
+                </a:solidFill>
+                <a:effectLst/>
+                <a:latin typeface="-apple-system"/>
+              </a:rPr>
+              <a:t>12p – 4. </a:t>
+            </a:r>
+            <a:r>
+              <a:rPr lang="ko-KR" altLang="en-US" b="0" i="0" dirty="0">
+                <a:solidFill>
+                  <a:srgbClr val="1F2328"/>
+                </a:solidFill>
+                <a:effectLst/>
+                <a:latin typeface="-apple-system"/>
+              </a:rPr>
+              <a:t>프로젝트 수행결과</a:t>
+            </a:r>
+          </a:p>
+          <a:p>
+            <a:pPr algn="l"/>
+            <a:r>
+              <a:rPr lang="en-US" altLang="ko-KR" b="0" i="0" dirty="0">
+                <a:solidFill>
+                  <a:srgbClr val="1F2328"/>
+                </a:solidFill>
+                <a:effectLst/>
+                <a:latin typeface="-apple-system"/>
+              </a:rPr>
+              <a:t>13p – 5. </a:t>
+            </a:r>
+            <a:r>
+              <a:rPr lang="ko-KR" altLang="en-US" b="0" i="0" dirty="0">
+                <a:solidFill>
+                  <a:srgbClr val="1F2328"/>
+                </a:solidFill>
+                <a:effectLst/>
+                <a:latin typeface="-apple-system"/>
+              </a:rPr>
+              <a:t>자체 평가의견</a:t>
+            </a:r>
+          </a:p>
+          <a:p>
+            <a:pPr algn="l"/>
+            <a:endParaRPr lang="ko-KR" altLang="en-US" b="0" i="0" dirty="0">
+              <a:solidFill>
+                <a:srgbClr val="1F2328"/>
+              </a:solidFill>
+              <a:effectLst/>
+              <a:latin typeface="-apple-system"/>
+            </a:endParaRPr>
+          </a:p>
+        </p:txBody>
+      </p:sp>
+      <p:sp>
+        <p:nvSpPr>
+          <p:cNvPr id="2" name="직사각형 1">
+            <a:extLst>
+              <a:ext uri="{FF2B5EF4-FFF2-40B4-BE49-F238E27FC236}">
+                <a16:creationId xmlns:a16="http://schemas.microsoft.com/office/drawing/2014/main" id="{97FAEE7A-D46A-09D4-22B7-AE5C4698126D}"/>
+              </a:ext>
+            </a:extLst>
+          </p:cNvPr>
+          <p:cNvSpPr/>
+          <p:nvPr/>
+        </p:nvSpPr>
+        <p:spPr>
+          <a:xfrm>
+            <a:off x="1" y="3879273"/>
+            <a:ext cx="12192000" cy="2978727"/>
+          </a:xfrm>
+          <a:prstGeom prst="rect">
+            <a:avLst/>
+          </a:prstGeom>
+          <a:solidFill>
+            <a:srgbClr val="FF0000">
+              <a:alpha val="38000"/>
+            </a:srgbClr>
+          </a:solidFill>
+          <a:ln>
+            <a:noFill/>
+          </a:ln>
+        </p:spPr>
+        <p:style>
+          <a:lnRef idx="2">
+            <a:schemeClr val="accent1">
+              <a:shade val="15000"/>
+            </a:schemeClr>
+          </a:lnRef>
+          <a:fillRef idx="1">
+            <a:schemeClr val="accent1"/>
+          </a:fillRef>
+          <a:effectRef idx="0">
+            <a:schemeClr val="accent1"/>
+          </a:effectRef>
+          <a:fontRef idx="minor">
+            <a:schemeClr val="lt1"/>
+          </a:fontRef>
+        </p:style>
+        <p:txBody>
+          <a:bodyPr rtlCol="0" anchor="ctr"/>
+          <a:lstStyle/>
+          <a:p>
+            <a:pPr algn="ctr"/>
+            <a:endParaRPr lang="ko-KR" altLang="en-US"/>
+          </a:p>
+        </p:txBody>
+      </p:sp>
+      <p:sp>
+        <p:nvSpPr>
+          <p:cNvPr id="3" name="슬라이드 번호 개체 틀 2">
+            <a:extLst>
+              <a:ext uri="{FF2B5EF4-FFF2-40B4-BE49-F238E27FC236}">
+                <a16:creationId xmlns:a16="http://schemas.microsoft.com/office/drawing/2014/main" id="{21A3415D-16F9-2587-7B68-576D317B1248}"/>
+              </a:ext>
+            </a:extLst>
+          </p:cNvPr>
+          <p:cNvSpPr>
+            <a:spLocks noGrp="1"/>
+          </p:cNvSpPr>
+          <p:nvPr>
+            <p:ph type="sldNum" sz="quarter" idx="12"/>
+          </p:nvPr>
+        </p:nvSpPr>
+        <p:spPr/>
+        <p:txBody>
+          <a:bodyPr/>
+          <a:lstStyle/>
+          <a:p>
+            <a:fld id="{2C8717AA-CA35-48FD-B163-EFD5D6642515}" type="slidenum">
+              <a:rPr lang="ko-KR" altLang="en-US" smtClean="0"/>
+              <a:t>2</a:t>
+            </a:fld>
+            <a:endParaRPr lang="ko-KR" altLang="en-US"/>
           </a:p>
         </p:txBody>
       </p:sp>
@@ -3816,7 +5710,7 @@
         </p:nvSpPr>
         <p:spPr>
           <a:xfrm>
-            <a:off x="180109" y="443347"/>
+            <a:off x="2105965" y="2124947"/>
             <a:ext cx="7980070" cy="1754326"/>
           </a:xfrm>
           <a:prstGeom prst="rect">
@@ -4018,10 +5912,93 @@
       </p:sp>
       <p:sp>
         <p:nvSpPr>
-          <p:cNvPr id="3" name="TextBox 2">
-            <a:extLst>
-              <a:ext uri="{FF2B5EF4-FFF2-40B4-BE49-F238E27FC236}">
-                <a16:creationId xmlns:a16="http://schemas.microsoft.com/office/drawing/2014/main" id="{51FBE697-C808-4BE0-FB21-D8F53BD64E04}"/>
+          <p:cNvPr id="5" name="직사각형 4">
+            <a:extLst>
+              <a:ext uri="{FF2B5EF4-FFF2-40B4-BE49-F238E27FC236}">
+                <a16:creationId xmlns:a16="http://schemas.microsoft.com/office/drawing/2014/main" id="{673D6AC2-A71B-148F-FD97-3B233EE4375C}"/>
+              </a:ext>
+            </a:extLst>
+          </p:cNvPr>
+          <p:cNvSpPr/>
+          <p:nvPr/>
+        </p:nvSpPr>
+        <p:spPr>
+          <a:xfrm>
+            <a:off x="1" y="3879273"/>
+            <a:ext cx="12192000" cy="2978727"/>
+          </a:xfrm>
+          <a:prstGeom prst="rect">
+            <a:avLst/>
+          </a:prstGeom>
+          <a:solidFill>
+            <a:srgbClr val="FF0000">
+              <a:alpha val="38000"/>
+            </a:srgbClr>
+          </a:solidFill>
+          <a:ln>
+            <a:noFill/>
+          </a:ln>
+        </p:spPr>
+        <p:style>
+          <a:lnRef idx="2">
+            <a:schemeClr val="accent1">
+              <a:shade val="15000"/>
+            </a:schemeClr>
+          </a:lnRef>
+          <a:fillRef idx="1">
+            <a:schemeClr val="accent1"/>
+          </a:fillRef>
+          <a:effectRef idx="0">
+            <a:schemeClr val="accent1"/>
+          </a:effectRef>
+          <a:fontRef idx="minor">
+            <a:schemeClr val="lt1"/>
+          </a:fontRef>
+        </p:style>
+        <p:txBody>
+          <a:bodyPr rtlCol="0" anchor="ctr"/>
+          <a:lstStyle/>
+          <a:p>
+            <a:pPr algn="ctr"/>
+            <a:endParaRPr lang="ko-KR" altLang="en-US"/>
+          </a:p>
+        </p:txBody>
+      </p:sp>
+      <p:sp>
+        <p:nvSpPr>
+          <p:cNvPr id="7" name="슬라이드 번호 개체 틀 6">
+            <a:extLst>
+              <a:ext uri="{FF2B5EF4-FFF2-40B4-BE49-F238E27FC236}">
+                <a16:creationId xmlns:a16="http://schemas.microsoft.com/office/drawing/2014/main" id="{FF736B10-06E2-F840-2B00-06154286422A}"/>
+              </a:ext>
+            </a:extLst>
+          </p:cNvPr>
+          <p:cNvSpPr>
+            <a:spLocks noGrp="1"/>
+          </p:cNvSpPr>
+          <p:nvPr>
+            <p:ph type="sldNum" sz="quarter" idx="12"/>
+          </p:nvPr>
+        </p:nvSpPr>
+        <p:spPr/>
+        <p:txBody>
+          <a:bodyPr/>
+          <a:lstStyle/>
+          <a:p>
+            <a:fld id="{2C8717AA-CA35-48FD-B163-EFD5D6642515}" type="slidenum">
+              <a:rPr lang="ko-KR" altLang="en-US" smtClean="0"/>
+              <a:t>3</a:t>
+            </a:fld>
+            <a:endParaRPr lang="ko-KR" altLang="en-US"/>
+          </a:p>
+        </p:txBody>
+      </p:sp>
+      <p:sp>
+        <p:nvSpPr>
+          <p:cNvPr id="8" name="TextBox 7">
+            <a:extLst>
+              <a:ext uri="{FF2B5EF4-FFF2-40B4-BE49-F238E27FC236}">
+                <a16:creationId xmlns:a16="http://schemas.microsoft.com/office/drawing/2014/main" id="{95994E63-244E-2C93-9906-D05BCCB03470}"/>
               </a:ext>
             </a:extLst>
           </p:cNvPr>
@@ -4030,8 +6007,8 @@
         </p:nvSpPr>
         <p:spPr>
           <a:xfrm>
-            <a:off x="-32518" y="2318452"/>
-            <a:ext cx="4698722" cy="2031325"/>
+            <a:off x="4288454" y="1293306"/>
+            <a:ext cx="3615092" cy="553998"/>
           </a:xfrm>
           <a:prstGeom prst="rect">
             <a:avLst/>
@@ -4044,396 +6021,46 @@
           </a:bodyPr>
           <a:lstStyle/>
           <a:p>
-            <a:pPr algn="l"/>
-            <a:r>
-              <a:rPr lang="ko-KR" altLang="en-US" b="0" i="0" dirty="0">
-                <a:solidFill>
-                  <a:srgbClr val="1F2328"/>
-                </a:solidFill>
-                <a:effectLst/>
-                <a:latin typeface="-apple-system"/>
-              </a:rPr>
-              <a:t>목표 요구사항</a:t>
-            </a:r>
-            <a:endParaRPr lang="en-US" altLang="ko-KR" b="0" i="0" dirty="0">
-              <a:solidFill>
-                <a:srgbClr val="1F2328"/>
-              </a:solidFill>
-              <a:effectLst/>
-              <a:latin typeface="-apple-system"/>
+            <a:pPr algn="ctr"/>
+            <a:r>
+              <a:rPr lang="ko-KR" altLang="en-US" sz="3000" dirty="0">
+                <a:effectLst>
+                  <a:outerShdw blurRad="63500" sx="102000" sy="102000" algn="ctr" rotWithShape="0">
+                    <a:prstClr val="black">
+                      <a:alpha val="40000"/>
+                    </a:prstClr>
+                  </a:outerShdw>
+                </a:effectLst>
+                <a:latin typeface="평창 평화체 Light" panose="020B0303000000000000" pitchFamily="50" charset="-127"/>
+                <a:ea typeface="평창 평화체 Light" panose="020B0303000000000000" pitchFamily="50" charset="-127"/>
+              </a:rPr>
+              <a:t>아 오늘 영화 뭐 보지</a:t>
+            </a:r>
+            <a:r>
+              <a:rPr lang="en-US" altLang="ko-KR" sz="3000" dirty="0">
+                <a:effectLst>
+                  <a:outerShdw blurRad="63500" sx="102000" sy="102000" algn="ctr" rotWithShape="0">
+                    <a:prstClr val="black">
+                      <a:alpha val="40000"/>
+                    </a:prstClr>
+                  </a:outerShdw>
+                </a:effectLst>
+                <a:latin typeface="평창 평화체 Light" panose="020B0303000000000000" pitchFamily="50" charset="-127"/>
+                <a:ea typeface="평창 평화체 Light" panose="020B0303000000000000" pitchFamily="50" charset="-127"/>
+              </a:rPr>
+              <a:t>?</a:t>
+            </a:r>
+            <a:endParaRPr lang="ko-KR" altLang="en-US" sz="3000" dirty="0">
+              <a:effectLst>
+                <a:outerShdw blurRad="63500" sx="102000" sy="102000" algn="ctr" rotWithShape="0">
+                  <a:prstClr val="black">
+                    <a:alpha val="40000"/>
+                  </a:prstClr>
+                </a:outerShdw>
+              </a:effectLst>
+              <a:latin typeface="평창 평화체 Light" panose="020B0303000000000000" pitchFamily="50" charset="-127"/>
+              <a:ea typeface="평창 평화체 Light" panose="020B0303000000000000" pitchFamily="50" charset="-127"/>
             </a:endParaRPr>
-          </a:p>
-          <a:p>
-            <a:pPr lvl="1">
-              <a:buFont typeface="+mj-lt"/>
-              <a:buAutoNum type="arabicPeriod"/>
-            </a:pPr>
-            <a:r>
-              <a:rPr lang="en-US" altLang="ko-KR" b="0" i="0" dirty="0">
-                <a:solidFill>
-                  <a:srgbClr val="1F2328"/>
-                </a:solidFill>
-                <a:effectLst/>
-                <a:latin typeface="-apple-system"/>
-              </a:rPr>
-              <a:t>HTML, CSS, Java Script</a:t>
-            </a:r>
-            <a:r>
-              <a:rPr lang="ko-KR" altLang="en-US" b="0" i="0" dirty="0">
-                <a:solidFill>
-                  <a:srgbClr val="1F2328"/>
-                </a:solidFill>
-                <a:effectLst/>
-                <a:latin typeface="-apple-system"/>
-              </a:rPr>
-              <a:t>에 익숙해진다</a:t>
-            </a:r>
-            <a:r>
-              <a:rPr lang="en-US" altLang="ko-KR" b="0" i="0" dirty="0">
-                <a:solidFill>
-                  <a:srgbClr val="1F2328"/>
-                </a:solidFill>
-                <a:effectLst/>
-                <a:latin typeface="-apple-system"/>
-              </a:rPr>
-              <a:t>.</a:t>
-            </a:r>
-          </a:p>
-          <a:p>
-            <a:pPr lvl="1">
-              <a:buFont typeface="+mj-lt"/>
-              <a:buAutoNum type="arabicPeriod"/>
-            </a:pPr>
-            <a:r>
-              <a:rPr lang="en-US" altLang="ko-KR" b="0" i="0" dirty="0">
-                <a:solidFill>
-                  <a:srgbClr val="1F2328"/>
-                </a:solidFill>
-                <a:effectLst/>
-                <a:latin typeface="-apple-system"/>
-              </a:rPr>
-              <a:t>Spring </a:t>
-            </a:r>
-            <a:r>
-              <a:rPr lang="ko-KR" altLang="en-US" b="0" i="0" dirty="0">
-                <a:solidFill>
-                  <a:srgbClr val="1F2328"/>
-                </a:solidFill>
-                <a:effectLst/>
-                <a:latin typeface="-apple-system"/>
-              </a:rPr>
-              <a:t>프레임워크를 익힌다</a:t>
-            </a:r>
-            <a:r>
-              <a:rPr lang="en-US" altLang="ko-KR" b="0" i="0" dirty="0">
-                <a:solidFill>
-                  <a:srgbClr val="1F2328"/>
-                </a:solidFill>
-                <a:effectLst/>
-                <a:latin typeface="-apple-system"/>
-              </a:rPr>
-              <a:t>.</a:t>
-            </a:r>
-          </a:p>
-          <a:p>
-            <a:pPr lvl="1">
-              <a:buFont typeface="+mj-lt"/>
-              <a:buAutoNum type="arabicPeriod"/>
-            </a:pPr>
-            <a:r>
-              <a:rPr lang="en-US" altLang="ko-KR" b="0" i="0" dirty="0">
-                <a:solidFill>
-                  <a:srgbClr val="1F2328"/>
-                </a:solidFill>
-                <a:effectLst/>
-                <a:latin typeface="-apple-system"/>
-              </a:rPr>
-              <a:t>D3.js</a:t>
-            </a:r>
-            <a:r>
-              <a:rPr lang="ko-KR" altLang="en-US" b="0" i="0" dirty="0">
-                <a:solidFill>
-                  <a:srgbClr val="1F2328"/>
-                </a:solidFill>
-                <a:effectLst/>
-                <a:latin typeface="-apple-system"/>
-              </a:rPr>
-              <a:t>를 이용한다</a:t>
-            </a:r>
-            <a:r>
-              <a:rPr lang="en-US" altLang="ko-KR" b="0" i="0" dirty="0">
-                <a:solidFill>
-                  <a:srgbClr val="1F2328"/>
-                </a:solidFill>
-                <a:effectLst/>
-                <a:latin typeface="-apple-system"/>
-              </a:rPr>
-              <a:t>.</a:t>
-            </a:r>
-          </a:p>
-          <a:p>
-            <a:pPr lvl="1">
-              <a:buFont typeface="+mj-lt"/>
-              <a:buAutoNum type="arabicPeriod"/>
-            </a:pPr>
-            <a:r>
-              <a:rPr lang="en-US" altLang="ko-KR" b="0" i="0" dirty="0">
-                <a:solidFill>
-                  <a:srgbClr val="1F2328"/>
-                </a:solidFill>
-                <a:effectLst/>
-                <a:latin typeface="-apple-system"/>
-              </a:rPr>
-              <a:t>Python</a:t>
-            </a:r>
-            <a:r>
-              <a:rPr lang="ko-KR" altLang="en-US" b="0" i="0" dirty="0">
-                <a:solidFill>
-                  <a:srgbClr val="1F2328"/>
-                </a:solidFill>
-                <a:effectLst/>
-                <a:latin typeface="-apple-system"/>
-              </a:rPr>
-              <a:t>을 통해 </a:t>
-            </a:r>
-            <a:r>
-              <a:rPr lang="en-US" altLang="ko-KR" b="0" i="0" dirty="0">
-                <a:solidFill>
-                  <a:srgbClr val="1F2328"/>
-                </a:solidFill>
-                <a:effectLst/>
-                <a:latin typeface="-apple-system"/>
-              </a:rPr>
-              <a:t>API </a:t>
-            </a:r>
-            <a:r>
-              <a:rPr lang="ko-KR" altLang="en-US" b="0" i="0" dirty="0">
-                <a:solidFill>
-                  <a:srgbClr val="1F2328"/>
-                </a:solidFill>
-                <a:effectLst/>
-                <a:latin typeface="-apple-system"/>
-              </a:rPr>
-              <a:t>데이터를 받아온다</a:t>
-            </a:r>
-            <a:r>
-              <a:rPr lang="en-US" altLang="ko-KR" b="0" i="0" dirty="0">
-                <a:solidFill>
-                  <a:srgbClr val="1F2328"/>
-                </a:solidFill>
-                <a:effectLst/>
-                <a:latin typeface="-apple-system"/>
-              </a:rPr>
-              <a:t>.</a:t>
-            </a:r>
-          </a:p>
-          <a:p>
-            <a:pPr lvl="1">
-              <a:buFont typeface="+mj-lt"/>
-              <a:buAutoNum type="arabicPeriod"/>
-            </a:pPr>
-            <a:r>
-              <a:rPr lang="en-US" altLang="ko-KR" b="0" i="0" dirty="0">
-                <a:solidFill>
-                  <a:srgbClr val="1F2328"/>
-                </a:solidFill>
-                <a:effectLst/>
-                <a:latin typeface="-apple-system"/>
-              </a:rPr>
-              <a:t>MySQL</a:t>
-            </a:r>
-            <a:r>
-              <a:rPr lang="ko-KR" altLang="en-US" b="0" i="0" dirty="0">
-                <a:solidFill>
-                  <a:srgbClr val="1F2328"/>
-                </a:solidFill>
-                <a:effectLst/>
-                <a:latin typeface="-apple-system"/>
-              </a:rPr>
-              <a:t>를 이용하여 사이트를 관리한다</a:t>
-            </a:r>
-            <a:r>
-              <a:rPr lang="en-US" altLang="ko-KR" b="0" i="0" dirty="0">
-                <a:solidFill>
-                  <a:srgbClr val="1F2328"/>
-                </a:solidFill>
-                <a:effectLst/>
-                <a:latin typeface="-apple-system"/>
-              </a:rPr>
-              <a:t>.</a:t>
-            </a:r>
-          </a:p>
-          <a:p>
-            <a:pPr algn="l"/>
-            <a:endParaRPr lang="ko-KR" altLang="en-US" b="0" i="0" dirty="0">
-              <a:solidFill>
-                <a:srgbClr val="1F2328"/>
-              </a:solidFill>
-              <a:effectLst/>
-              <a:latin typeface="-apple-system"/>
-            </a:endParaRPr>
-          </a:p>
-        </p:txBody>
-      </p:sp>
-      <p:sp>
-        <p:nvSpPr>
-          <p:cNvPr id="4" name="TextBox 3">
-            <a:extLst>
-              <a:ext uri="{FF2B5EF4-FFF2-40B4-BE49-F238E27FC236}">
-                <a16:creationId xmlns:a16="http://schemas.microsoft.com/office/drawing/2014/main" id="{3BC3D1BF-606E-B06C-CA36-0BD746EF1CCF}"/>
-              </a:ext>
-            </a:extLst>
-          </p:cNvPr>
-          <p:cNvSpPr txBox="1"/>
-          <p:nvPr/>
-        </p:nvSpPr>
-        <p:spPr>
-          <a:xfrm>
-            <a:off x="0" y="4349777"/>
-            <a:ext cx="4548040" cy="1477328"/>
-          </a:xfrm>
-          <a:prstGeom prst="rect">
-            <a:avLst/>
-          </a:prstGeom>
-          <a:noFill/>
-        </p:spPr>
-        <p:txBody>
-          <a:bodyPr wrap="none" rtlCol="0">
-            <a:spAutoFit/>
-          </a:bodyPr>
-          <a:lstStyle/>
-          <a:p>
-            <a:pPr algn="l"/>
-            <a:r>
-              <a:rPr lang="ko-KR" altLang="en-US" b="0" i="0" dirty="0">
-                <a:solidFill>
-                  <a:srgbClr val="1F2328"/>
-                </a:solidFill>
-                <a:effectLst/>
-                <a:latin typeface="-apple-system"/>
-              </a:rPr>
-              <a:t>프로젝트 기대효과</a:t>
-            </a:r>
-            <a:endParaRPr lang="en-US" altLang="ko-KR" b="0" i="0" dirty="0">
-              <a:solidFill>
-                <a:srgbClr val="1F2328"/>
-              </a:solidFill>
-              <a:effectLst/>
-              <a:latin typeface="-apple-system"/>
-            </a:endParaRPr>
-          </a:p>
-          <a:p>
-            <a:pPr lvl="1">
-              <a:buFont typeface="+mj-lt"/>
-              <a:buAutoNum type="arabicPeriod"/>
-            </a:pPr>
-            <a:r>
-              <a:rPr lang="ko-KR" altLang="en-US" b="0" i="0" dirty="0">
-                <a:solidFill>
-                  <a:srgbClr val="1F2328"/>
-                </a:solidFill>
-                <a:effectLst/>
-                <a:latin typeface="-apple-system"/>
-              </a:rPr>
-              <a:t> 이용자들에게 편리한 영화 정보 제공</a:t>
-            </a:r>
-            <a:endParaRPr lang="en-US" altLang="ko-KR" b="0" i="0" dirty="0">
-              <a:solidFill>
-                <a:srgbClr val="1F2328"/>
-              </a:solidFill>
-              <a:effectLst/>
-              <a:latin typeface="-apple-system"/>
-            </a:endParaRPr>
-          </a:p>
-          <a:p>
-            <a:pPr lvl="1">
-              <a:buFont typeface="+mj-lt"/>
-              <a:buAutoNum type="arabicPeriod"/>
-            </a:pPr>
-            <a:r>
-              <a:rPr lang="ko-KR" altLang="en-US" b="0" i="0" dirty="0">
-                <a:solidFill>
-                  <a:srgbClr val="1F2328"/>
-                </a:solidFill>
-                <a:effectLst/>
-                <a:latin typeface="-apple-system"/>
-              </a:rPr>
-              <a:t> 영화 시장 동향에 대한 정보 제공</a:t>
-            </a:r>
-            <a:endParaRPr lang="en-US" altLang="ko-KR" b="0" i="0" dirty="0">
-              <a:solidFill>
-                <a:srgbClr val="1F2328"/>
-              </a:solidFill>
-              <a:effectLst/>
-              <a:latin typeface="-apple-system"/>
-            </a:endParaRPr>
-          </a:p>
-          <a:p>
-            <a:pPr lvl="1">
-              <a:buFont typeface="+mj-lt"/>
-              <a:buAutoNum type="arabicPeriod"/>
-            </a:pPr>
-            <a:r>
-              <a:rPr lang="ko-KR" altLang="en-US" b="0" i="0" dirty="0">
-                <a:solidFill>
-                  <a:srgbClr val="1F2328"/>
-                </a:solidFill>
-                <a:effectLst/>
-                <a:latin typeface="-apple-system"/>
-              </a:rPr>
-              <a:t> 영화 평점 제공</a:t>
-            </a:r>
-            <a:endParaRPr lang="en-US" altLang="ko-KR" b="0" i="0" dirty="0">
-              <a:solidFill>
-                <a:srgbClr val="1F2328"/>
-              </a:solidFill>
-              <a:effectLst/>
-              <a:latin typeface="-apple-system"/>
-            </a:endParaRPr>
-          </a:p>
-          <a:p>
-            <a:pPr lvl="1">
-              <a:buFont typeface="+mj-lt"/>
-              <a:buAutoNum type="arabicPeriod"/>
-            </a:pPr>
-            <a:r>
-              <a:rPr lang="en-US" altLang="ko-KR">
-                <a:solidFill>
-                  <a:srgbClr val="1F2328"/>
-                </a:solidFill>
-                <a:latin typeface="-apple-system"/>
-              </a:rPr>
-              <a:t> </a:t>
-            </a:r>
-            <a:r>
-              <a:rPr lang="ko-KR" altLang="en-US" dirty="0">
-                <a:solidFill>
-                  <a:srgbClr val="1F2328"/>
-                </a:solidFill>
-                <a:latin typeface="-apple-system"/>
-              </a:rPr>
-              <a:t>이</a:t>
-            </a:r>
-            <a:r>
-              <a:rPr lang="ko-KR" altLang="en-US" b="0" i="0">
-                <a:solidFill>
-                  <a:srgbClr val="1F2328"/>
-                </a:solidFill>
-                <a:effectLst/>
-                <a:latin typeface="-apple-system"/>
-              </a:rPr>
-              <a:t>용자들 </a:t>
-            </a:r>
-            <a:r>
-              <a:rPr lang="ko-KR" altLang="en-US" b="0" i="0" dirty="0">
-                <a:solidFill>
-                  <a:srgbClr val="1F2328"/>
-                </a:solidFill>
-                <a:effectLst/>
-                <a:latin typeface="-apple-system"/>
-              </a:rPr>
-              <a:t>간의 커뮤니티 형성</a:t>
-            </a:r>
           </a:p>
         </p:txBody>
       </p:sp>
@@ -4482,7 +6109,7 @@
         <p:spPr>
           <a:xfrm>
             <a:off x="0" y="0"/>
-            <a:ext cx="2417650" cy="369332"/>
+            <a:ext cx="1850186" cy="369332"/>
           </a:xfrm>
           <a:prstGeom prst="rect">
             <a:avLst/>
@@ -4504,7 +6131,7 @@
                 <a:effectLst/>
                 <a:latin typeface="-apple-system"/>
               </a:rPr>
-              <a:t>2. </a:t>
+              <a:t>1. </a:t>
             </a:r>
             <a:r>
               <a:rPr lang="ko-KR" altLang="en-US" b="0" i="0" dirty="0">
@@ -4514,57 +6141,27 @@
                 <a:effectLst/>
                 <a:latin typeface="-apple-system"/>
               </a:rPr>
-              <a:t>팀 구성원 역할 소개</a:t>
-            </a:r>
-          </a:p>
-        </p:txBody>
-      </p:sp>
-      <p:pic>
-        <p:nvPicPr>
-          <p:cNvPr id="5" name="그림 4">
-            <a:extLst>
-              <a:ext uri="{FF2B5EF4-FFF2-40B4-BE49-F238E27FC236}">
-                <a16:creationId xmlns:a16="http://schemas.microsoft.com/office/drawing/2014/main" id="{593C1494-CBEE-8B3E-9946-C7959D094E87}"/>
-              </a:ext>
-            </a:extLst>
-          </p:cNvPr>
-          <p:cNvPicPr>
-            <a:picLocks noChangeAspect="1"/>
-          </p:cNvPicPr>
+              <a:t>프로젝트 개요</a:t>
+            </a:r>
+          </a:p>
+        </p:txBody>
+      </p:sp>
+      <p:sp>
+        <p:nvSpPr>
+          <p:cNvPr id="3" name="TextBox 2">
+            <a:extLst>
+              <a:ext uri="{FF2B5EF4-FFF2-40B4-BE49-F238E27FC236}">
+                <a16:creationId xmlns:a16="http://schemas.microsoft.com/office/drawing/2014/main" id="{51FBE697-C808-4BE0-FB21-D8F53BD64E04}"/>
+              </a:ext>
+            </a:extLst>
+          </p:cNvPr>
+          <p:cNvSpPr txBox="1"/>
           <p:nvPr/>
-        </p:nvPicPr>
-        <p:blipFill>
-          <a:blip r:embed="rId2"/>
-          <a:stretch>
-            <a:fillRect/>
-          </a:stretch>
-        </p:blipFill>
+        </p:nvSpPr>
         <p:spPr>
           <a:xfrm>
-            <a:off x="78960" y="369332"/>
-            <a:ext cx="4940554" cy="1873346"/>
-          </a:xfrm>
-          <a:prstGeom prst="rect">
-            <a:avLst/>
-          </a:prstGeom>
-        </p:spPr>
-      </p:pic>
-      <p:sp>
-        <p:nvSpPr>
-          <p:cNvPr id="7" name="TextBox 6">
-            <a:extLst>
-              <a:ext uri="{FF2B5EF4-FFF2-40B4-BE49-F238E27FC236}">
-                <a16:creationId xmlns:a16="http://schemas.microsoft.com/office/drawing/2014/main" id="{9A886D8D-EE24-2C5B-7E17-CBF64D9CE4BD}"/>
-              </a:ext>
-            </a:extLst>
-          </p:cNvPr>
-          <p:cNvSpPr txBox="1"/>
-          <p:nvPr/>
-        </p:nvSpPr>
-        <p:spPr>
-          <a:xfrm>
-            <a:off x="0" y="2242678"/>
-            <a:ext cx="5197257" cy="369332"/>
+            <a:off x="3746639" y="2135786"/>
+            <a:ext cx="4698722" cy="2031325"/>
           </a:xfrm>
           <a:prstGeom prst="rect">
             <a:avLst/>
@@ -4577,338 +6174,227 @@
           </a:bodyPr>
           <a:lstStyle/>
           <a:p>
+            <a:pPr algn="ctr"/>
+            <a:r>
+              <a:rPr lang="ko-KR" altLang="en-US" b="0" i="0" dirty="0">
+                <a:solidFill>
+                  <a:srgbClr val="1F2328"/>
+                </a:solidFill>
+                <a:effectLst/>
+                <a:latin typeface="-apple-system"/>
+              </a:rPr>
+              <a:t>목표 요구사항</a:t>
+            </a:r>
+            <a:endParaRPr lang="en-US" altLang="ko-KR" b="0" i="0" dirty="0">
+              <a:solidFill>
+                <a:srgbClr val="1F2328"/>
+              </a:solidFill>
+              <a:effectLst/>
+              <a:latin typeface="-apple-system"/>
+            </a:endParaRPr>
+          </a:p>
+          <a:p>
+            <a:pPr lvl="1">
+              <a:buFont typeface="+mj-lt"/>
+              <a:buAutoNum type="arabicPeriod"/>
+            </a:pPr>
+            <a:r>
+              <a:rPr lang="en-US" altLang="ko-KR" b="0" i="0" dirty="0">
+                <a:solidFill>
+                  <a:srgbClr val="1F2328"/>
+                </a:solidFill>
+                <a:effectLst/>
+                <a:latin typeface="-apple-system"/>
+              </a:rPr>
+              <a:t>HTML, CSS, Java Script</a:t>
+            </a:r>
+            <a:r>
+              <a:rPr lang="ko-KR" altLang="en-US" b="0" i="0" dirty="0">
+                <a:solidFill>
+                  <a:srgbClr val="1F2328"/>
+                </a:solidFill>
+                <a:effectLst/>
+                <a:latin typeface="-apple-system"/>
+              </a:rPr>
+              <a:t>에 익숙해진다</a:t>
+            </a:r>
+            <a:r>
+              <a:rPr lang="en-US" altLang="ko-KR" b="0" i="0" dirty="0">
+                <a:solidFill>
+                  <a:srgbClr val="1F2328"/>
+                </a:solidFill>
+                <a:effectLst/>
+                <a:latin typeface="-apple-system"/>
+              </a:rPr>
+              <a:t>.</a:t>
+            </a:r>
+          </a:p>
+          <a:p>
+            <a:pPr lvl="1">
+              <a:buFont typeface="+mj-lt"/>
+              <a:buAutoNum type="arabicPeriod"/>
+            </a:pPr>
+            <a:r>
+              <a:rPr lang="en-US" altLang="ko-KR" b="0" i="0" dirty="0">
+                <a:solidFill>
+                  <a:srgbClr val="1F2328"/>
+                </a:solidFill>
+                <a:effectLst/>
+                <a:latin typeface="-apple-system"/>
+              </a:rPr>
+              <a:t>Spring </a:t>
+            </a:r>
+            <a:r>
+              <a:rPr lang="ko-KR" altLang="en-US" b="0" i="0" dirty="0">
+                <a:solidFill>
+                  <a:srgbClr val="1F2328"/>
+                </a:solidFill>
+                <a:effectLst/>
+                <a:latin typeface="-apple-system"/>
+              </a:rPr>
+              <a:t>프레임워크를 익힌다</a:t>
+            </a:r>
+            <a:r>
+              <a:rPr lang="en-US" altLang="ko-KR" b="0" i="0" dirty="0">
+                <a:solidFill>
+                  <a:srgbClr val="1F2328"/>
+                </a:solidFill>
+                <a:effectLst/>
+                <a:latin typeface="-apple-system"/>
+              </a:rPr>
+              <a:t>.</a:t>
+            </a:r>
+          </a:p>
+          <a:p>
+            <a:pPr lvl="1">
+              <a:buFont typeface="+mj-lt"/>
+              <a:buAutoNum type="arabicPeriod"/>
+            </a:pPr>
+            <a:r>
+              <a:rPr lang="en-US" altLang="ko-KR" b="0" i="0" dirty="0">
+                <a:solidFill>
+                  <a:srgbClr val="1F2328"/>
+                </a:solidFill>
+                <a:effectLst/>
+                <a:latin typeface="-apple-system"/>
+              </a:rPr>
+              <a:t>D3.js</a:t>
+            </a:r>
+            <a:r>
+              <a:rPr lang="ko-KR" altLang="en-US" b="0" i="0" dirty="0">
+                <a:solidFill>
+                  <a:srgbClr val="1F2328"/>
+                </a:solidFill>
+                <a:effectLst/>
+                <a:latin typeface="-apple-system"/>
+              </a:rPr>
+              <a:t>를 이용한다</a:t>
+            </a:r>
+            <a:r>
+              <a:rPr lang="en-US" altLang="ko-KR" b="0" i="0" dirty="0">
+                <a:solidFill>
+                  <a:srgbClr val="1F2328"/>
+                </a:solidFill>
+                <a:effectLst/>
+                <a:latin typeface="-apple-system"/>
+              </a:rPr>
+              <a:t>.</a:t>
+            </a:r>
+          </a:p>
+          <a:p>
+            <a:pPr lvl="1">
+              <a:buFont typeface="+mj-lt"/>
+              <a:buAutoNum type="arabicPeriod"/>
+            </a:pPr>
+            <a:r>
+              <a:rPr lang="en-US" altLang="ko-KR" b="0" i="0" dirty="0">
+                <a:solidFill>
+                  <a:srgbClr val="1F2328"/>
+                </a:solidFill>
+                <a:effectLst/>
+                <a:latin typeface="-apple-system"/>
+              </a:rPr>
+              <a:t>Python</a:t>
+            </a:r>
+            <a:r>
+              <a:rPr lang="ko-KR" altLang="en-US" b="0" i="0" dirty="0">
+                <a:solidFill>
+                  <a:srgbClr val="1F2328"/>
+                </a:solidFill>
+                <a:effectLst/>
+                <a:latin typeface="-apple-system"/>
+              </a:rPr>
+              <a:t>을 통해 </a:t>
+            </a:r>
+            <a:r>
+              <a:rPr lang="en-US" altLang="ko-KR" b="0" i="0" dirty="0">
+                <a:solidFill>
+                  <a:srgbClr val="1F2328"/>
+                </a:solidFill>
+                <a:effectLst/>
+                <a:latin typeface="-apple-system"/>
+              </a:rPr>
+              <a:t>API </a:t>
+            </a:r>
+            <a:r>
+              <a:rPr lang="ko-KR" altLang="en-US" b="0" i="0" dirty="0">
+                <a:solidFill>
+                  <a:srgbClr val="1F2328"/>
+                </a:solidFill>
+                <a:effectLst/>
+                <a:latin typeface="-apple-system"/>
+              </a:rPr>
+              <a:t>데이터를 받아온다</a:t>
+            </a:r>
+            <a:r>
+              <a:rPr lang="en-US" altLang="ko-KR" b="0" i="0" dirty="0">
+                <a:solidFill>
+                  <a:srgbClr val="1F2328"/>
+                </a:solidFill>
+                <a:effectLst/>
+                <a:latin typeface="-apple-system"/>
+              </a:rPr>
+              <a:t>.</a:t>
+            </a:r>
+          </a:p>
+          <a:p>
+            <a:pPr lvl="1">
+              <a:buFont typeface="+mj-lt"/>
+              <a:buAutoNum type="arabicPeriod"/>
+            </a:pPr>
+            <a:r>
+              <a:rPr lang="en-US" altLang="ko-KR" b="0" i="0" dirty="0">
+                <a:solidFill>
+                  <a:srgbClr val="1F2328"/>
+                </a:solidFill>
+                <a:effectLst/>
+                <a:latin typeface="-apple-system"/>
+              </a:rPr>
+              <a:t>MySQL</a:t>
+            </a:r>
+            <a:r>
+              <a:rPr lang="ko-KR" altLang="en-US" b="0" i="0" dirty="0">
+                <a:solidFill>
+                  <a:srgbClr val="1F2328"/>
+                </a:solidFill>
+                <a:effectLst/>
+                <a:latin typeface="-apple-system"/>
+              </a:rPr>
+              <a:t>를 이용하여 사이트를 관리한다</a:t>
+            </a:r>
+            <a:r>
+              <a:rPr lang="en-US" altLang="ko-KR" b="0" i="0" dirty="0">
+                <a:solidFill>
+                  <a:srgbClr val="1F2328"/>
+                </a:solidFill>
+                <a:effectLst/>
+                <a:latin typeface="-apple-system"/>
+              </a:rPr>
+              <a:t>.</a:t>
+            </a:r>
+          </a:p>
+          <a:p>
             <a:pPr algn="l"/>
-            <a:r>
-              <a:rPr lang="ko-KR" altLang="en-US" b="0" i="0" dirty="0" err="1">
-                <a:solidFill>
-                  <a:srgbClr val="1F2328"/>
-                </a:solidFill>
-                <a:effectLst/>
-                <a:latin typeface="-apple-system"/>
-              </a:rPr>
-              <a:t>김신혁</a:t>
-            </a:r>
-            <a:r>
-              <a:rPr lang="ko-KR" altLang="en-US" b="0" i="0" dirty="0">
-                <a:solidFill>
-                  <a:srgbClr val="1F2328"/>
-                </a:solidFill>
-                <a:effectLst/>
-                <a:latin typeface="-apple-system"/>
-              </a:rPr>
-              <a:t> </a:t>
-            </a:r>
-            <a:r>
-              <a:rPr lang="en-US" altLang="ko-KR" b="0" i="0" dirty="0">
-                <a:solidFill>
-                  <a:srgbClr val="1F2328"/>
-                </a:solidFill>
-                <a:effectLst/>
-                <a:latin typeface="-apple-system"/>
-              </a:rPr>
-              <a:t>: </a:t>
-            </a:r>
-            <a:r>
-              <a:rPr lang="ko-KR" altLang="en-US" b="0" i="0" dirty="0">
-                <a:solidFill>
-                  <a:srgbClr val="1F2328"/>
-                </a:solidFill>
-                <a:effectLst/>
-                <a:latin typeface="-apple-system"/>
-              </a:rPr>
-              <a:t>프로젝트 문서</a:t>
-            </a:r>
-            <a:r>
-              <a:rPr lang="en-US" altLang="ko-KR" b="0" i="0" dirty="0">
-                <a:solidFill>
-                  <a:srgbClr val="1F2328"/>
-                </a:solidFill>
-                <a:effectLst/>
-                <a:latin typeface="-apple-system"/>
-              </a:rPr>
-              <a:t>, </a:t>
-            </a:r>
-            <a:r>
-              <a:rPr lang="ko-KR" altLang="en-US" b="0" i="0" dirty="0" err="1">
-                <a:solidFill>
-                  <a:srgbClr val="1F2328"/>
-                </a:solidFill>
-                <a:effectLst/>
-                <a:latin typeface="-apple-system"/>
-              </a:rPr>
-              <a:t>레포지토리</a:t>
-            </a:r>
-            <a:r>
-              <a:rPr lang="ko-KR" altLang="en-US" b="0" i="0" dirty="0">
-                <a:solidFill>
-                  <a:srgbClr val="1F2328"/>
-                </a:solidFill>
-                <a:effectLst/>
-                <a:latin typeface="-apple-system"/>
-              </a:rPr>
-              <a:t> 관리</a:t>
-            </a:r>
-            <a:r>
-              <a:rPr lang="en-US" altLang="ko-KR" b="0" i="0" dirty="0">
-                <a:solidFill>
-                  <a:srgbClr val="1F2328"/>
-                </a:solidFill>
-                <a:effectLst/>
-                <a:latin typeface="-apple-system"/>
-              </a:rPr>
-              <a:t>, API </a:t>
-            </a:r>
-            <a:r>
-              <a:rPr lang="ko-KR" altLang="en-US" b="0" i="0" dirty="0">
-                <a:solidFill>
-                  <a:srgbClr val="1F2328"/>
-                </a:solidFill>
-                <a:effectLst/>
-                <a:latin typeface="-apple-system"/>
-              </a:rPr>
-              <a:t>담당</a:t>
-            </a:r>
-          </a:p>
-        </p:txBody>
-      </p:sp>
-      <p:sp>
-        <p:nvSpPr>
-          <p:cNvPr id="8" name="TextBox 7">
-            <a:extLst>
-              <a:ext uri="{FF2B5EF4-FFF2-40B4-BE49-F238E27FC236}">
-                <a16:creationId xmlns:a16="http://schemas.microsoft.com/office/drawing/2014/main" id="{8184FAEF-CB01-7752-0090-02F1D4ECF93B}"/>
-              </a:ext>
-            </a:extLst>
-          </p:cNvPr>
-          <p:cNvSpPr txBox="1"/>
-          <p:nvPr/>
-        </p:nvSpPr>
-        <p:spPr>
-          <a:xfrm>
-            <a:off x="0" y="2612010"/>
-            <a:ext cx="6373861" cy="369332"/>
-          </a:xfrm>
-          <a:prstGeom prst="rect">
-            <a:avLst/>
-          </a:prstGeom>
-          <a:noFill/>
-        </p:spPr>
-        <p:txBody>
-          <a:bodyPr wrap="none" rtlCol="0">
-            <a:spAutoFit/>
-          </a:bodyPr>
-          <a:lstStyle/>
-          <a:p>
-            <a:pPr algn="l"/>
-            <a:r>
-              <a:rPr lang="ko-KR" altLang="en-US" b="0" i="0" dirty="0">
-                <a:solidFill>
-                  <a:srgbClr val="1F2328"/>
-                </a:solidFill>
-                <a:effectLst/>
-                <a:latin typeface="-apple-system"/>
-              </a:rPr>
-              <a:t>신동훈 </a:t>
-            </a:r>
-            <a:r>
-              <a:rPr lang="en-US" altLang="ko-KR" b="0" i="0" dirty="0">
-                <a:solidFill>
-                  <a:srgbClr val="1F2328"/>
-                </a:solidFill>
-                <a:effectLst/>
-                <a:latin typeface="-apple-system"/>
-              </a:rPr>
-              <a:t>: </a:t>
-            </a:r>
-            <a:r>
-              <a:rPr lang="ko-KR" altLang="en-US" b="0" i="0" dirty="0">
-                <a:solidFill>
-                  <a:srgbClr val="1F2328"/>
-                </a:solidFill>
-                <a:effectLst/>
-                <a:latin typeface="-apple-system"/>
-              </a:rPr>
-              <a:t>프로젝트 환경 구성 및 자유 게시판</a:t>
-            </a:r>
-            <a:r>
-              <a:rPr lang="en-US" altLang="ko-KR" b="0" i="0" dirty="0">
-                <a:solidFill>
-                  <a:srgbClr val="1F2328"/>
-                </a:solidFill>
-                <a:effectLst/>
-                <a:latin typeface="-apple-system"/>
-              </a:rPr>
-              <a:t>, </a:t>
-            </a:r>
-            <a:r>
-              <a:rPr lang="ko-KR" altLang="en-US" b="0" i="0" dirty="0">
-                <a:solidFill>
-                  <a:srgbClr val="1F2328"/>
-                </a:solidFill>
-                <a:effectLst/>
-                <a:latin typeface="-apple-system"/>
-              </a:rPr>
-              <a:t>공지 게시판 담당</a:t>
-            </a:r>
-          </a:p>
-        </p:txBody>
-      </p:sp>
-      <p:sp>
-        <p:nvSpPr>
-          <p:cNvPr id="9" name="TextBox 8">
-            <a:extLst>
-              <a:ext uri="{FF2B5EF4-FFF2-40B4-BE49-F238E27FC236}">
-                <a16:creationId xmlns:a16="http://schemas.microsoft.com/office/drawing/2014/main" id="{44B7B3C2-65E8-9CB9-D8AB-042F3C90E551}"/>
-              </a:ext>
-            </a:extLst>
-          </p:cNvPr>
-          <p:cNvSpPr txBox="1"/>
-          <p:nvPr/>
-        </p:nvSpPr>
-        <p:spPr>
-          <a:xfrm>
-            <a:off x="0" y="3059668"/>
-            <a:ext cx="7114448" cy="369332"/>
-          </a:xfrm>
-          <a:prstGeom prst="rect">
-            <a:avLst/>
-          </a:prstGeom>
-          <a:noFill/>
-        </p:spPr>
-        <p:txBody>
-          <a:bodyPr wrap="none" rtlCol="0">
-            <a:spAutoFit/>
-          </a:bodyPr>
-          <a:lstStyle/>
-          <a:p>
-            <a:pPr algn="l"/>
-            <a:r>
-              <a:rPr lang="ko-KR" altLang="en-US" b="0" i="0" dirty="0">
-                <a:solidFill>
-                  <a:srgbClr val="1F2328"/>
-                </a:solidFill>
-                <a:effectLst/>
-                <a:latin typeface="-apple-system"/>
-              </a:rPr>
-              <a:t>이수성 </a:t>
-            </a:r>
-            <a:r>
-              <a:rPr lang="en-US" altLang="ko-KR" b="0" i="0" dirty="0">
-                <a:solidFill>
-                  <a:srgbClr val="1F2328"/>
-                </a:solidFill>
-                <a:effectLst/>
-                <a:latin typeface="-apple-system"/>
-              </a:rPr>
-              <a:t>: </a:t>
-            </a:r>
-            <a:r>
-              <a:rPr lang="ko-KR" altLang="en-US" b="0" i="0" dirty="0">
-                <a:solidFill>
-                  <a:srgbClr val="1F2328"/>
-                </a:solidFill>
-                <a:effectLst/>
-                <a:latin typeface="-apple-system"/>
-              </a:rPr>
-              <a:t>유저 기능 및 관련 테이블 관리 등 전반적인 이용자 정보 담당</a:t>
-            </a:r>
-          </a:p>
-        </p:txBody>
-      </p:sp>
-      <p:sp>
-        <p:nvSpPr>
-          <p:cNvPr id="10" name="TextBox 9">
-            <a:extLst>
-              <a:ext uri="{FF2B5EF4-FFF2-40B4-BE49-F238E27FC236}">
-                <a16:creationId xmlns:a16="http://schemas.microsoft.com/office/drawing/2014/main" id="{A60984D9-D772-9B93-AA2D-A93D47151098}"/>
-              </a:ext>
-            </a:extLst>
-          </p:cNvPr>
-          <p:cNvSpPr txBox="1"/>
-          <p:nvPr/>
-        </p:nvSpPr>
-        <p:spPr>
-          <a:xfrm>
-            <a:off x="0" y="3507326"/>
-            <a:ext cx="9129422" cy="369332"/>
-          </a:xfrm>
-          <a:prstGeom prst="rect">
-            <a:avLst/>
-          </a:prstGeom>
-          <a:noFill/>
-        </p:spPr>
-        <p:txBody>
-          <a:bodyPr wrap="none" rtlCol="0">
-            <a:spAutoFit/>
-          </a:bodyPr>
-          <a:lstStyle/>
-          <a:p>
-            <a:pPr algn="l"/>
-            <a:r>
-              <a:rPr lang="ko-KR" altLang="en-US" b="0" i="0" dirty="0">
-                <a:solidFill>
-                  <a:srgbClr val="1F2328"/>
-                </a:solidFill>
-                <a:effectLst/>
-                <a:latin typeface="-apple-system"/>
-              </a:rPr>
-              <a:t>정선호 </a:t>
-            </a:r>
-            <a:r>
-              <a:rPr lang="en-US" altLang="ko-KR" b="0" i="0" dirty="0">
-                <a:solidFill>
-                  <a:srgbClr val="1F2328"/>
-                </a:solidFill>
-                <a:effectLst/>
-                <a:latin typeface="-apple-system"/>
-              </a:rPr>
-              <a:t>: </a:t>
-            </a:r>
-            <a:r>
-              <a:rPr lang="ko-KR" altLang="en-US" dirty="0">
-                <a:solidFill>
-                  <a:srgbClr val="1F2328"/>
-                </a:solidFill>
-                <a:latin typeface="-apple-system"/>
-              </a:rPr>
-              <a:t>게시판 디자인</a:t>
-            </a:r>
-            <a:r>
-              <a:rPr lang="en-US" altLang="ko-KR" dirty="0">
-                <a:solidFill>
-                  <a:srgbClr val="1F2328"/>
-                </a:solidFill>
-                <a:latin typeface="-apple-system"/>
-              </a:rPr>
-              <a:t>, </a:t>
-            </a:r>
-            <a:r>
-              <a:rPr lang="ko-KR" altLang="en-US" dirty="0">
-                <a:solidFill>
-                  <a:srgbClr val="1F2328"/>
-                </a:solidFill>
-                <a:latin typeface="-apple-system"/>
-              </a:rPr>
-              <a:t>통계 디자인</a:t>
-            </a:r>
-            <a:r>
-              <a:rPr lang="en-US" altLang="ko-KR" dirty="0">
-                <a:solidFill>
-                  <a:srgbClr val="1F2328"/>
-                </a:solidFill>
-                <a:latin typeface="-apple-system"/>
-              </a:rPr>
-              <a:t>, </a:t>
-            </a:r>
-            <a:r>
-              <a:rPr lang="ko-KR" altLang="en-US" dirty="0">
-                <a:solidFill>
-                  <a:srgbClr val="1F2328"/>
-                </a:solidFill>
-                <a:latin typeface="-apple-system"/>
-              </a:rPr>
-              <a:t>데이터베이스 검색 및 기능 구현 등 인터페이스 담당</a:t>
-            </a:r>
             <a:endParaRPr lang="ko-KR" altLang="en-US" b="0" i="0" dirty="0">
               <a:solidFill>
                 <a:srgbClr val="1F2328"/>
@@ -4921,169 +6407,91 @@
       </p:sp>
       <p:sp>
         <p:nvSpPr>
-          <p:cNvPr id="11" name="TextBox 10">
-            <a:extLst>
-              <a:ext uri="{FF2B5EF4-FFF2-40B4-BE49-F238E27FC236}">
-                <a16:creationId xmlns:a16="http://schemas.microsoft.com/office/drawing/2014/main" id="{941BE9F1-11F4-AC65-727A-918678DD64B0}"/>
-              </a:ext>
-            </a:extLst>
-          </p:cNvPr>
-          <p:cNvSpPr txBox="1"/>
+          <p:cNvPr id="5" name="직사각형 4">
+            <a:extLst>
+              <a:ext uri="{FF2B5EF4-FFF2-40B4-BE49-F238E27FC236}">
+                <a16:creationId xmlns:a16="http://schemas.microsoft.com/office/drawing/2014/main" id="{673D6AC2-A71B-148F-FD97-3B233EE4375C}"/>
+              </a:ext>
+            </a:extLst>
+          </p:cNvPr>
+          <p:cNvSpPr/>
           <p:nvPr/>
         </p:nvSpPr>
         <p:spPr>
           <a:xfrm>
-            <a:off x="0" y="3906493"/>
-            <a:ext cx="8095486" cy="369332"/>
+            <a:off x="0" y="3879273"/>
+            <a:ext cx="12192000" cy="2978727"/>
           </a:xfrm>
           <a:prstGeom prst="rect">
             <a:avLst/>
           </a:prstGeom>
-          <a:noFill/>
+          <a:solidFill>
+            <a:srgbClr val="FF0000">
+              <a:alpha val="38000"/>
+            </a:srgbClr>
+          </a:solidFill>
+          <a:ln>
+            <a:noFill/>
+          </a:ln>
         </p:spPr>
-        <p:txBody>
-          <a:bodyPr wrap="none" rtlCol="0">
-            <a:spAutoFit/>
-          </a:bodyPr>
-          <a:lstStyle/>
-          <a:p>
-            <a:pPr algn="l"/>
-            <a:r>
-              <a:rPr lang="ko-KR" altLang="en-US" b="0" i="0" dirty="0">
-                <a:solidFill>
-                  <a:srgbClr val="1F2328"/>
-                </a:solidFill>
-                <a:effectLst/>
-                <a:latin typeface="-apple-system"/>
-              </a:rPr>
-              <a:t>최은지 </a:t>
-            </a:r>
-            <a:r>
-              <a:rPr lang="en-US" altLang="ko-KR" b="0" i="0" dirty="0">
-                <a:solidFill>
-                  <a:srgbClr val="1F2328"/>
-                </a:solidFill>
-                <a:effectLst/>
-                <a:latin typeface="-apple-system"/>
-              </a:rPr>
-              <a:t>: </a:t>
-            </a:r>
-            <a:r>
-              <a:rPr lang="ko-KR" altLang="en-US" b="0" i="0" dirty="0">
-                <a:solidFill>
-                  <a:srgbClr val="1F2328"/>
-                </a:solidFill>
-                <a:effectLst/>
-                <a:latin typeface="-apple-system"/>
-              </a:rPr>
-              <a:t>로고</a:t>
-            </a:r>
-            <a:r>
-              <a:rPr lang="en-US" altLang="ko-KR" b="0" i="0" dirty="0">
-                <a:solidFill>
-                  <a:srgbClr val="1F2328"/>
-                </a:solidFill>
-                <a:effectLst/>
-                <a:latin typeface="-apple-system"/>
-              </a:rPr>
-              <a:t>, </a:t>
-            </a:r>
-            <a:r>
-              <a:rPr lang="ko-KR" altLang="en-US" b="0" i="0" dirty="0" err="1">
-                <a:solidFill>
-                  <a:srgbClr val="1F2328"/>
-                </a:solidFill>
-                <a:effectLst/>
-                <a:latin typeface="-apple-system"/>
-              </a:rPr>
-              <a:t>파비콘</a:t>
-            </a:r>
-            <a:r>
-              <a:rPr lang="en-US" altLang="ko-KR" dirty="0">
-                <a:solidFill>
-                  <a:srgbClr val="1F2328"/>
-                </a:solidFill>
-                <a:latin typeface="-apple-system"/>
-              </a:rPr>
-              <a:t>, </a:t>
-            </a:r>
-            <a:r>
-              <a:rPr lang="ko-KR" altLang="en-US" dirty="0">
-                <a:solidFill>
-                  <a:srgbClr val="1F2328"/>
-                </a:solidFill>
-                <a:latin typeface="-apple-system"/>
-              </a:rPr>
-              <a:t>웹의 헤더</a:t>
-            </a:r>
-            <a:r>
-              <a:rPr lang="en-US" altLang="ko-KR" dirty="0">
-                <a:solidFill>
-                  <a:srgbClr val="1F2328"/>
-                </a:solidFill>
-                <a:latin typeface="-apple-system"/>
-              </a:rPr>
-              <a:t>, </a:t>
-            </a:r>
-            <a:r>
-              <a:rPr lang="ko-KR" altLang="en-US" dirty="0">
-                <a:solidFill>
-                  <a:srgbClr val="1F2328"/>
-                </a:solidFill>
-                <a:latin typeface="-apple-system"/>
-              </a:rPr>
-              <a:t>네비게이션</a:t>
-            </a:r>
-            <a:r>
-              <a:rPr lang="en-US" altLang="ko-KR" dirty="0">
-                <a:solidFill>
-                  <a:srgbClr val="1F2328"/>
-                </a:solidFill>
-                <a:latin typeface="-apple-system"/>
-              </a:rPr>
-              <a:t>, </a:t>
-            </a:r>
-            <a:r>
-              <a:rPr lang="ko-KR" altLang="en-US" dirty="0" err="1">
-                <a:solidFill>
-                  <a:srgbClr val="1F2328"/>
-                </a:solidFill>
-                <a:latin typeface="-apple-system"/>
-              </a:rPr>
-              <a:t>푸터</a:t>
-            </a:r>
-            <a:r>
-              <a:rPr lang="en-US" altLang="ko-KR" dirty="0">
-                <a:solidFill>
-                  <a:srgbClr val="1F2328"/>
-                </a:solidFill>
-                <a:latin typeface="-apple-system"/>
-              </a:rPr>
-              <a:t>, </a:t>
-            </a:r>
-            <a:r>
-              <a:rPr lang="ko-KR" altLang="en-US" dirty="0">
-                <a:solidFill>
-                  <a:srgbClr val="1F2328"/>
-                </a:solidFill>
-                <a:latin typeface="-apple-system"/>
-              </a:rPr>
-              <a:t>포스터 영역 등 디자인 담당</a:t>
-            </a:r>
-            <a:endParaRPr lang="ko-KR" altLang="en-US" b="0" i="0" dirty="0">
-              <a:solidFill>
-                <a:srgbClr val="1F2328"/>
-              </a:solidFill>
-              <a:effectLst/>
-              <a:latin typeface="-apple-system"/>
-            </a:endParaRPr>
+        <p:style>
+          <a:lnRef idx="2">
+            <a:schemeClr val="accent1">
+              <a:shade val="15000"/>
+            </a:schemeClr>
+          </a:lnRef>
+          <a:fillRef idx="1">
+            <a:schemeClr val="accent1"/>
+          </a:fillRef>
+          <a:effectRef idx="0">
+            <a:schemeClr val="accent1"/>
+          </a:effectRef>
+          <a:fontRef idx="minor">
+            <a:schemeClr val="lt1"/>
+          </a:fontRef>
+        </p:style>
+        <p:txBody>
+          <a:bodyPr rtlCol="0" anchor="ctr"/>
+          <a:lstStyle/>
+          <a:p>
+            <a:pPr algn="ctr"/>
+            <a:endParaRPr lang="ko-KR" altLang="en-US"/>
+          </a:p>
+        </p:txBody>
+      </p:sp>
+      <p:sp>
+        <p:nvSpPr>
+          <p:cNvPr id="7" name="슬라이드 번호 개체 틀 6">
+            <a:extLst>
+              <a:ext uri="{FF2B5EF4-FFF2-40B4-BE49-F238E27FC236}">
+                <a16:creationId xmlns:a16="http://schemas.microsoft.com/office/drawing/2014/main" id="{FF736B10-06E2-F840-2B00-06154286422A}"/>
+              </a:ext>
+            </a:extLst>
+          </p:cNvPr>
+          <p:cNvSpPr>
+            <a:spLocks noGrp="1"/>
+          </p:cNvSpPr>
+          <p:nvPr>
+            <p:ph type="sldNum" sz="quarter" idx="12"/>
+          </p:nvPr>
+        </p:nvSpPr>
+        <p:spPr/>
+        <p:txBody>
+          <a:bodyPr/>
+          <a:lstStyle/>
+          <a:p>
+            <a:fld id="{2C8717AA-CA35-48FD-B163-EFD5D6642515}" type="slidenum">
+              <a:rPr lang="ko-KR" altLang="en-US" smtClean="0"/>
+              <a:t>4</a:t>
+            </a:fld>
+            <a:endParaRPr lang="ko-KR" altLang="en-US"/>
           </a:p>
         </p:txBody>
       </p:sp>
     </p:spTree>
     <p:extLst>
       <p:ext uri="{BB962C8B-B14F-4D97-AF65-F5344CB8AC3E}">
-        <p14:creationId xmlns:p14="http://schemas.microsoft.com/office/powerpoint/2010/main" val="2123566633"/>
+        <p14:creationId xmlns:p14="http://schemas.microsoft.com/office/powerpoint/2010/main" val="3429901"/>
       </p:ext>
     </p:extLst>
   </p:cSld>
@@ -5125,7 +6533,7 @@
         <p:spPr>
           <a:xfrm>
             <a:off x="0" y="0"/>
-            <a:ext cx="2311851" cy="369332"/>
+            <a:ext cx="1850186" cy="369332"/>
           </a:xfrm>
           <a:prstGeom prst="rect">
             <a:avLst/>
@@ -5147,7 +6555,7 @@
                 <a:effectLst/>
                 <a:latin typeface="-apple-system"/>
               </a:rPr>
-              <a:t>3. </a:t>
+              <a:t>1. </a:t>
             </a:r>
             <a:r>
               <a:rPr lang="ko-KR" altLang="en-US" b="0" i="0" dirty="0">
@@ -5157,17 +6565,17 @@
                 <a:effectLst/>
                 <a:latin typeface="-apple-system"/>
               </a:rPr>
-              <a:t>프로젝트 수행절차</a:t>
-            </a:r>
-          </a:p>
-        </p:txBody>
-      </p:sp>
-      <p:sp>
-        <p:nvSpPr>
-          <p:cNvPr id="2" name="TextBox 1">
-            <a:extLst>
-              <a:ext uri="{FF2B5EF4-FFF2-40B4-BE49-F238E27FC236}">
-                <a16:creationId xmlns:a16="http://schemas.microsoft.com/office/drawing/2014/main" id="{19E8E490-CDA7-D95F-EA3A-248AD470F58E}"/>
+              <a:t>프로젝트 개요</a:t>
+            </a:r>
+          </a:p>
+        </p:txBody>
+      </p:sp>
+      <p:sp>
+        <p:nvSpPr>
+          <p:cNvPr id="4" name="TextBox 3">
+            <a:extLst>
+              <a:ext uri="{FF2B5EF4-FFF2-40B4-BE49-F238E27FC236}">
+                <a16:creationId xmlns:a16="http://schemas.microsoft.com/office/drawing/2014/main" id="{3BC3D1BF-606E-B06C-CA36-0BD746EF1CCF}"/>
               </a:ext>
             </a:extLst>
           </p:cNvPr>
@@ -5176,8 +6584,8 @@
         </p:nvSpPr>
         <p:spPr>
           <a:xfrm>
-            <a:off x="179180" y="369332"/>
-            <a:ext cx="1853392" cy="369332"/>
+            <a:off x="3821980" y="2401945"/>
+            <a:ext cx="4548040" cy="1477328"/>
           </a:xfrm>
           <a:prstGeom prst="rect">
             <a:avLst/>
@@ -5190,7 +6598,7 @@
           </a:bodyPr>
           <a:lstStyle/>
           <a:p>
-            <a:pPr algn="l"/>
+            <a:pPr algn="ctr"/>
             <a:r>
               <a:rPr lang="ko-KR" altLang="en-US" b="0" i="0" dirty="0">
                 <a:solidFill>
@@ -5199,49 +6607,7 @@
                 <a:effectLst/>
                 <a:latin typeface="-apple-system"/>
               </a:rPr>
-              <a:t>요구사항 정의서</a:t>
-            </a:r>
-          </a:p>
-        </p:txBody>
-      </p:sp>
-      <p:sp>
-        <p:nvSpPr>
-          <p:cNvPr id="3" name="TextBox 2">
-            <a:extLst>
-              <a:ext uri="{FF2B5EF4-FFF2-40B4-BE49-F238E27FC236}">
-                <a16:creationId xmlns:a16="http://schemas.microsoft.com/office/drawing/2014/main" id="{F65C727F-17A7-F241-AC35-A8DE8E22139A}"/>
-              </a:ext>
-            </a:extLst>
-          </p:cNvPr>
-          <p:cNvSpPr txBox="1"/>
-          <p:nvPr/>
-        </p:nvSpPr>
-        <p:spPr>
-          <a:xfrm>
-            <a:off x="795707" y="1422277"/>
-            <a:ext cx="2239716" cy="1754326"/>
-          </a:xfrm>
-          <a:prstGeom prst="rect">
-            <a:avLst/>
-          </a:prstGeom>
-          <a:noFill/>
-        </p:spPr>
-        <p:txBody>
-          <a:bodyPr wrap="none" rtlCol="0">
-            <a:spAutoFit/>
-          </a:bodyPr>
-          <a:lstStyle/>
-          <a:p>
-            <a:pPr algn="l"/>
-            <a:r>
-              <a:rPr lang="ko-KR" altLang="en-US" b="0" i="0" dirty="0">
-                <a:solidFill>
-                  <a:srgbClr val="1F2328"/>
-                </a:solidFill>
-                <a:effectLst/>
-                <a:latin typeface="-apple-system"/>
-              </a:rPr>
-              <a:t>영화 정보 제공</a:t>
+              <a:t>프로젝트 기대효과</a:t>
             </a:r>
             <a:endParaRPr lang="en-US" altLang="ko-KR" b="0" i="0" dirty="0">
               <a:solidFill>
@@ -5252,207 +6618,10 @@
             </a:endParaRPr>
           </a:p>
           <a:p>
-            <a:pPr algn="l"/>
-            <a:r>
-              <a:rPr lang="ko-KR" altLang="en-US" dirty="0">
-                <a:solidFill>
-                  <a:srgbClr val="1F2328"/>
-                </a:solidFill>
-                <a:latin typeface="-apple-system"/>
-              </a:rPr>
-              <a:t>  </a:t>
-            </a:r>
-            <a:r>
-              <a:rPr lang="en-US" altLang="ko-KR" dirty="0">
-                <a:solidFill>
-                  <a:srgbClr val="1F2328"/>
-                </a:solidFill>
-                <a:latin typeface="-apple-system"/>
-              </a:rPr>
-              <a:t>1.</a:t>
-            </a:r>
-            <a:r>
-              <a:rPr lang="ko-KR" altLang="en-US" dirty="0">
-                <a:solidFill>
-                  <a:srgbClr val="1F2328"/>
-                </a:solidFill>
-                <a:latin typeface="-apple-system"/>
-              </a:rPr>
-              <a:t> </a:t>
-            </a:r>
-            <a:r>
-              <a:rPr lang="ko-KR" altLang="en-US" dirty="0" err="1">
-                <a:solidFill>
-                  <a:srgbClr val="1F2328"/>
-                </a:solidFill>
-                <a:latin typeface="-apple-system"/>
-              </a:rPr>
-              <a:t>상영작</a:t>
-            </a:r>
-            <a:r>
-              <a:rPr lang="ko-KR" altLang="en-US" dirty="0">
-                <a:solidFill>
-                  <a:srgbClr val="1F2328"/>
-                </a:solidFill>
-                <a:latin typeface="-apple-system"/>
-              </a:rPr>
-              <a:t> 정보 제공</a:t>
-            </a:r>
-            <a:endParaRPr lang="en-US" altLang="ko-KR" dirty="0">
-              <a:solidFill>
-                <a:srgbClr val="1F2328"/>
-              </a:solidFill>
-              <a:latin typeface="-apple-system"/>
-            </a:endParaRPr>
-          </a:p>
-          <a:p>
-            <a:pPr algn="l"/>
-            <a:r>
-              <a:rPr lang="en-US" altLang="ko-KR" dirty="0">
-                <a:solidFill>
-                  <a:srgbClr val="1F2328"/>
-                </a:solidFill>
-                <a:latin typeface="-apple-system"/>
-              </a:rPr>
-              <a:t>  2. </a:t>
-            </a:r>
-            <a:r>
-              <a:rPr lang="ko-KR" altLang="en-US" dirty="0" err="1">
-                <a:solidFill>
-                  <a:srgbClr val="1F2328"/>
-                </a:solidFill>
-                <a:latin typeface="-apple-system"/>
-              </a:rPr>
-              <a:t>개봉작</a:t>
-            </a:r>
-            <a:r>
-              <a:rPr lang="ko-KR" altLang="en-US" dirty="0">
-                <a:solidFill>
-                  <a:srgbClr val="1F2328"/>
-                </a:solidFill>
-                <a:latin typeface="-apple-system"/>
-              </a:rPr>
-              <a:t> 정보 제공</a:t>
-            </a:r>
-            <a:endParaRPr lang="en-US" altLang="ko-KR" dirty="0">
-              <a:solidFill>
-                <a:srgbClr val="1F2328"/>
-              </a:solidFill>
-              <a:latin typeface="-apple-system"/>
-            </a:endParaRPr>
-          </a:p>
-          <a:p>
-            <a:pPr algn="l"/>
-            <a:r>
-              <a:rPr lang="en-US" altLang="ko-KR" dirty="0">
-                <a:solidFill>
-                  <a:srgbClr val="1F2328"/>
-                </a:solidFill>
-                <a:latin typeface="-apple-system"/>
-              </a:rPr>
-              <a:t>  3. </a:t>
-            </a:r>
-            <a:r>
-              <a:rPr lang="ko-KR" altLang="en-US" dirty="0">
-                <a:solidFill>
-                  <a:srgbClr val="1F2328"/>
-                </a:solidFill>
-                <a:latin typeface="-apple-system"/>
-              </a:rPr>
-              <a:t>상세 정보 제공</a:t>
-            </a:r>
-            <a:endParaRPr lang="en-US" altLang="ko-KR" dirty="0">
-              <a:solidFill>
-                <a:srgbClr val="1F2328"/>
-              </a:solidFill>
-              <a:latin typeface="-apple-system"/>
-            </a:endParaRPr>
-          </a:p>
-          <a:p>
-            <a:pPr algn="l"/>
-            <a:r>
-              <a:rPr lang="en-US" altLang="ko-KR" dirty="0">
-                <a:solidFill>
-                  <a:srgbClr val="1F2328"/>
-                </a:solidFill>
-                <a:latin typeface="-apple-system"/>
-              </a:rPr>
-              <a:t>  4. </a:t>
-            </a:r>
-            <a:r>
-              <a:rPr lang="ko-KR" altLang="en-US" dirty="0">
-                <a:solidFill>
-                  <a:srgbClr val="1F2328"/>
-                </a:solidFill>
-                <a:latin typeface="-apple-system"/>
-              </a:rPr>
-              <a:t>영화 찾기 기능</a:t>
-            </a:r>
-            <a:endParaRPr lang="en-US" altLang="ko-KR" dirty="0">
-              <a:solidFill>
-                <a:srgbClr val="1F2328"/>
-              </a:solidFill>
-              <a:latin typeface="-apple-system"/>
-            </a:endParaRPr>
-          </a:p>
-          <a:p>
-            <a:pPr algn="l"/>
-            <a:r>
-              <a:rPr lang="en-US" altLang="ko-KR" dirty="0">
-                <a:solidFill>
-                  <a:srgbClr val="1F2328"/>
-                </a:solidFill>
-                <a:latin typeface="-apple-system"/>
-              </a:rPr>
-              <a:t>  5. </a:t>
-            </a:r>
-            <a:r>
-              <a:rPr lang="ko-KR" altLang="en-US" dirty="0">
-                <a:solidFill>
-                  <a:srgbClr val="1F2328"/>
-                </a:solidFill>
-                <a:latin typeface="-apple-system"/>
-              </a:rPr>
-              <a:t>영화 추천 기능</a:t>
-            </a:r>
-            <a:endParaRPr lang="en-US" altLang="ko-KR" dirty="0">
-              <a:solidFill>
-                <a:srgbClr val="1F2328"/>
-              </a:solidFill>
-              <a:latin typeface="-apple-system"/>
-            </a:endParaRPr>
-          </a:p>
-        </p:txBody>
-      </p:sp>
-      <p:sp>
-        <p:nvSpPr>
-          <p:cNvPr id="4" name="TextBox 3">
-            <a:extLst>
-              <a:ext uri="{FF2B5EF4-FFF2-40B4-BE49-F238E27FC236}">
-                <a16:creationId xmlns:a16="http://schemas.microsoft.com/office/drawing/2014/main" id="{6DCB84E3-D57F-4B51-7C4D-5107951A2450}"/>
-              </a:ext>
-            </a:extLst>
-          </p:cNvPr>
-          <p:cNvSpPr txBox="1"/>
-          <p:nvPr/>
-        </p:nvSpPr>
-        <p:spPr>
-          <a:xfrm>
-            <a:off x="3580471" y="1422277"/>
-            <a:ext cx="2186817" cy="2585323"/>
-          </a:xfrm>
-          <a:prstGeom prst="rect">
-            <a:avLst/>
-          </a:prstGeom>
-          <a:noFill/>
-        </p:spPr>
-        <p:txBody>
-          <a:bodyPr wrap="none" rtlCol="0">
-            <a:spAutoFit/>
-          </a:bodyPr>
-          <a:lstStyle/>
-          <a:p>
-            <a:pPr algn="l"/>
+            <a:pPr lvl="1">
+              <a:buFont typeface="+mj-lt"/>
+              <a:buAutoNum type="arabicPeriod"/>
+            </a:pPr>
             <a:r>
               <a:rPr lang="ko-KR" altLang="en-US" b="0" i="0" dirty="0">
                 <a:solidFill>
@@ -5461,7 +6630,7 @@
                 <a:effectLst/>
                 <a:latin typeface="-apple-system"/>
               </a:rPr>
-              <a:t>커뮤니티 기능</a:t>
+              <a:t> 이용자들에게 편리한 영화 정보 제공</a:t>
             </a:r>
             <a:endParaRPr lang="en-US" altLang="ko-KR" b="0" i="0" dirty="0">
               <a:solidFill>
@@ -5472,44 +6641,10 @@
             </a:endParaRPr>
           </a:p>
           <a:p>
-            <a:pPr algn="l"/>
-            <a:r>
-              <a:rPr lang="en-US" altLang="ko-KR" dirty="0">
-                <a:solidFill>
-                  <a:srgbClr val="1F2328"/>
-                </a:solidFill>
-                <a:latin typeface="-apple-system"/>
-              </a:rPr>
-              <a:t>  1. </a:t>
-            </a:r>
-            <a:r>
-              <a:rPr lang="ko-KR" altLang="en-US" dirty="0">
-                <a:solidFill>
-                  <a:srgbClr val="1F2328"/>
-                </a:solidFill>
-                <a:latin typeface="-apple-system"/>
-              </a:rPr>
-              <a:t>공지사항 게시판</a:t>
-            </a:r>
-            <a:endParaRPr lang="en-US" altLang="ko-KR" dirty="0">
-              <a:solidFill>
-                <a:srgbClr val="1F2328"/>
-              </a:solidFill>
-              <a:latin typeface="-apple-system"/>
-            </a:endParaRPr>
-          </a:p>
-          <a:p>
-            <a:pPr algn="l"/>
-            <a:r>
-              <a:rPr lang="en-US" altLang="ko-KR" b="0" i="0" dirty="0">
-                <a:solidFill>
-                  <a:srgbClr val="1F2328"/>
-                </a:solidFill>
-                <a:effectLst/>
-                <a:latin typeface="-apple-system"/>
-              </a:rPr>
-              <a:t>  2. </a:t>
-            </a:r>
+            <a:pPr lvl="1">
+              <a:buFont typeface="+mj-lt"/>
+              <a:buAutoNum type="arabicPeriod"/>
+            </a:pPr>
             <a:r>
               <a:rPr lang="ko-KR" altLang="en-US" b="0" i="0" dirty="0">
                 <a:solidFill>
@@ -5518,7 +6653,7 @@
                 <a:effectLst/>
                 <a:latin typeface="-apple-system"/>
               </a:rPr>
-              <a:t>자유게시판</a:t>
+              <a:t> 영화 시장 동향에 대한 정보 제공</a:t>
             </a:r>
             <a:endParaRPr lang="en-US" altLang="ko-KR" b="0" i="0" dirty="0">
               <a:solidFill>
@@ -5529,44 +6664,10 @@
             </a:endParaRPr>
           </a:p>
           <a:p>
-            <a:pPr algn="l"/>
-            <a:r>
-              <a:rPr lang="en-US" altLang="ko-KR" dirty="0">
-                <a:solidFill>
-                  <a:srgbClr val="1F2328"/>
-                </a:solidFill>
-                <a:latin typeface="-apple-system"/>
-              </a:rPr>
-              <a:t>  3. </a:t>
-            </a:r>
-            <a:r>
-              <a:rPr lang="ko-KR" altLang="en-US" dirty="0">
-                <a:solidFill>
-                  <a:srgbClr val="1F2328"/>
-                </a:solidFill>
-                <a:latin typeface="-apple-system"/>
-              </a:rPr>
-              <a:t>글 쓰기</a:t>
-            </a:r>
-            <a:endParaRPr lang="en-US" altLang="ko-KR" dirty="0">
-              <a:solidFill>
-                <a:srgbClr val="1F2328"/>
-              </a:solidFill>
-              <a:latin typeface="-apple-system"/>
-            </a:endParaRPr>
-          </a:p>
-          <a:p>
-            <a:pPr algn="l"/>
-            <a:r>
-              <a:rPr lang="en-US" altLang="ko-KR" b="0" i="0" dirty="0">
-                <a:solidFill>
-                  <a:srgbClr val="1F2328"/>
-                </a:solidFill>
-                <a:effectLst/>
-                <a:latin typeface="-apple-system"/>
-              </a:rPr>
-              <a:t>  4. </a:t>
-            </a:r>
+            <a:pPr lvl="1">
+              <a:buFont typeface="+mj-lt"/>
+              <a:buAutoNum type="arabicPeriod"/>
+            </a:pPr>
             <a:r>
               <a:rPr lang="ko-KR" altLang="en-US" b="0" i="0" dirty="0">
                 <a:solidFill>
@@ -5575,7 +6676,7 @@
                 <a:effectLst/>
                 <a:latin typeface="-apple-system"/>
               </a:rPr>
-              <a:t>글 수정</a:t>
+              <a:t> 영화 평점 제공</a:t>
             </a:r>
             <a:endParaRPr lang="en-US" altLang="ko-KR" b="0" i="0" dirty="0">
               <a:solidFill>
@@ -5586,7 +6687,10 @@
             </a:endParaRPr>
           </a:p>
           <a:p>
-            <a:pPr algn="l"/>
+            <a:pPr lvl="1">
+              <a:buFont typeface="+mj-lt"/>
+              <a:buAutoNum type="arabicPeriod"/>
+            </a:pPr>
             <a:r>
               <a:rPr lang="en-US" altLang="ko-KR" dirty="0">
                 <a:solidFill>
@@ -5594,7 +6698,7 @@
                 </a:solidFill>
                 <a:latin typeface="-apple-system"/>
               </a:rPr>
-              <a:t>  5. </a:t>
+              <a:t> </a:t>
             </a:r>
             <a:r>
               <a:rPr lang="ko-KR" altLang="en-US" dirty="0">
@@ -5603,26 +6707,7 @@
                 </a:solidFill>
                 <a:latin typeface="-apple-system"/>
               </a:rPr>
-              <a:t>글 삭제</a:t>
-            </a:r>
-            <a:endParaRPr lang="en-US" altLang="ko-KR" dirty="0">
-              <a:solidFill>
-                <a:srgbClr val="1F2328"/>
-              </a:solidFill>
-              <a:latin typeface="-apple-system"/>
-            </a:endParaRPr>
-          </a:p>
-          <a:p>
-            <a:pPr algn="l"/>
-            <a:r>
-              <a:rPr lang="en-US" altLang="ko-KR" b="0" i="0" dirty="0">
-                <a:solidFill>
-                  <a:srgbClr val="1F2328"/>
-                </a:solidFill>
-                <a:effectLst/>
-                <a:latin typeface="-apple-system"/>
-              </a:rPr>
-              <a:t>  6. </a:t>
+              <a:t>이</a:t>
             </a:r>
             <a:r>
               <a:rPr lang="ko-KR" altLang="en-US" b="0" i="0" dirty="0">
@@ -5632,511 +6717,98 @@
                 <a:effectLst/>
                 <a:latin typeface="-apple-system"/>
               </a:rPr>
-              <a:t>로그</a:t>
-            </a:r>
-            <a:endParaRPr lang="en-US" altLang="ko-KR" b="0" i="0" dirty="0">
-              <a:solidFill>
-                <a:srgbClr val="1F2328"/>
-              </a:solidFill>
-              <a:effectLst/>
-              <a:latin typeface="-apple-system"/>
-            </a:endParaRPr>
-          </a:p>
-          <a:p>
-            <a:pPr algn="l"/>
-            <a:r>
-              <a:rPr lang="en-US" altLang="ko-KR" dirty="0">
-                <a:solidFill>
-                  <a:srgbClr val="1F2328"/>
-                </a:solidFill>
-                <a:latin typeface="-apple-system"/>
-              </a:rPr>
-              <a:t>  7. </a:t>
-            </a:r>
-            <a:r>
-              <a:rPr lang="ko-KR" altLang="en-US" dirty="0">
-                <a:solidFill>
-                  <a:srgbClr val="1F2328"/>
-                </a:solidFill>
-                <a:latin typeface="-apple-system"/>
-              </a:rPr>
-              <a:t>댓글</a:t>
-            </a:r>
-            <a:endParaRPr lang="en-US" altLang="ko-KR" b="0" i="0" dirty="0">
-              <a:solidFill>
-                <a:srgbClr val="1F2328"/>
-              </a:solidFill>
-              <a:effectLst/>
-              <a:latin typeface="-apple-system"/>
-            </a:endParaRPr>
-          </a:p>
-          <a:p>
-            <a:pPr algn="l"/>
-            <a:endParaRPr lang="ko-KR" altLang="en-US" b="0" i="0" dirty="0">
-              <a:solidFill>
-                <a:srgbClr val="1F2328"/>
-              </a:solidFill>
-              <a:effectLst/>
-              <a:latin typeface="-apple-system"/>
-            </a:endParaRPr>
-          </a:p>
-        </p:txBody>
-      </p:sp>
-      <p:sp>
-        <p:nvSpPr>
-          <p:cNvPr id="5" name="TextBox 4">
-            <a:extLst>
-              <a:ext uri="{FF2B5EF4-FFF2-40B4-BE49-F238E27FC236}">
-                <a16:creationId xmlns:a16="http://schemas.microsoft.com/office/drawing/2014/main" id="{9172437C-8E19-A0F7-D7AA-738551DC42A4}"/>
-              </a:ext>
-            </a:extLst>
-          </p:cNvPr>
-          <p:cNvSpPr txBox="1"/>
+              <a:t>용자들 간의 커뮤니티 형성</a:t>
+            </a:r>
+          </a:p>
+        </p:txBody>
+      </p:sp>
+      <p:sp>
+        <p:nvSpPr>
+          <p:cNvPr id="5" name="직사각형 4">
+            <a:extLst>
+              <a:ext uri="{FF2B5EF4-FFF2-40B4-BE49-F238E27FC236}">
+                <a16:creationId xmlns:a16="http://schemas.microsoft.com/office/drawing/2014/main" id="{673D6AC2-A71B-148F-FD97-3B233EE4375C}"/>
+              </a:ext>
+            </a:extLst>
+          </p:cNvPr>
+          <p:cNvSpPr/>
           <p:nvPr/>
         </p:nvSpPr>
         <p:spPr>
           <a:xfrm>
-            <a:off x="6096000" y="1422277"/>
-            <a:ext cx="2008883" cy="2308324"/>
+            <a:off x="1" y="3879273"/>
+            <a:ext cx="12192000" cy="2978727"/>
           </a:xfrm>
           <a:prstGeom prst="rect">
             <a:avLst/>
           </a:prstGeom>
-          <a:noFill/>
+          <a:solidFill>
+            <a:srgbClr val="FF0000">
+              <a:alpha val="38000"/>
+            </a:srgbClr>
+          </a:solidFill>
+          <a:ln>
+            <a:noFill/>
+          </a:ln>
         </p:spPr>
-        <p:txBody>
-          <a:bodyPr wrap="none" rtlCol="0">
-            <a:spAutoFit/>
-          </a:bodyPr>
-          <a:lstStyle/>
-          <a:p>
-            <a:pPr algn="l"/>
-            <a:r>
-              <a:rPr lang="ko-KR" altLang="en-US" b="0" i="0" dirty="0">
-                <a:solidFill>
-                  <a:srgbClr val="1F2328"/>
-                </a:solidFill>
-                <a:effectLst/>
-                <a:latin typeface="-apple-system"/>
-              </a:rPr>
-              <a:t>유저 관리 기능</a:t>
-            </a:r>
-            <a:endParaRPr lang="en-US" altLang="ko-KR" b="0" i="0" dirty="0">
-              <a:solidFill>
-                <a:srgbClr val="1F2328"/>
-              </a:solidFill>
-              <a:effectLst/>
-              <a:latin typeface="-apple-system"/>
-            </a:endParaRPr>
-          </a:p>
-          <a:p>
-            <a:pPr algn="l"/>
-            <a:r>
-              <a:rPr lang="en-US" altLang="ko-KR" dirty="0">
-                <a:solidFill>
-                  <a:srgbClr val="1F2328"/>
-                </a:solidFill>
-                <a:latin typeface="-apple-system"/>
-              </a:rPr>
-              <a:t>  1. </a:t>
-            </a:r>
-            <a:r>
-              <a:rPr lang="ko-KR" altLang="en-US" dirty="0">
-                <a:solidFill>
-                  <a:srgbClr val="1F2328"/>
-                </a:solidFill>
-                <a:latin typeface="-apple-system"/>
-              </a:rPr>
-              <a:t>회원 가입</a:t>
-            </a:r>
-            <a:endParaRPr lang="en-US" altLang="ko-KR" dirty="0">
-              <a:solidFill>
-                <a:srgbClr val="1F2328"/>
-              </a:solidFill>
-              <a:latin typeface="-apple-system"/>
-            </a:endParaRPr>
-          </a:p>
-          <a:p>
-            <a:pPr algn="l"/>
-            <a:r>
-              <a:rPr lang="en-US" altLang="ko-KR" dirty="0">
-                <a:solidFill>
-                  <a:srgbClr val="1F2328"/>
-                </a:solidFill>
-                <a:latin typeface="-apple-system"/>
-              </a:rPr>
-              <a:t>  2. </a:t>
-            </a:r>
-            <a:r>
-              <a:rPr lang="ko-KR" altLang="en-US" dirty="0">
-                <a:solidFill>
-                  <a:srgbClr val="1F2328"/>
-                </a:solidFill>
-                <a:latin typeface="-apple-system"/>
-              </a:rPr>
-              <a:t>로그인</a:t>
-            </a:r>
-            <a:endParaRPr lang="en-US" altLang="ko-KR" dirty="0">
-              <a:solidFill>
-                <a:srgbClr val="1F2328"/>
-              </a:solidFill>
-              <a:latin typeface="-apple-system"/>
-            </a:endParaRPr>
-          </a:p>
-          <a:p>
-            <a:pPr algn="l"/>
-            <a:r>
-              <a:rPr lang="en-US" altLang="ko-KR" dirty="0">
-                <a:solidFill>
-                  <a:srgbClr val="1F2328"/>
-                </a:solidFill>
-                <a:latin typeface="-apple-system"/>
-              </a:rPr>
-              <a:t>  3. </a:t>
-            </a:r>
-            <a:r>
-              <a:rPr lang="ko-KR" altLang="en-US" dirty="0">
-                <a:solidFill>
-                  <a:srgbClr val="1F2328"/>
-                </a:solidFill>
-                <a:latin typeface="-apple-system"/>
-              </a:rPr>
-              <a:t>로그아웃</a:t>
-            </a:r>
-            <a:endParaRPr lang="en-US" altLang="ko-KR" dirty="0">
-              <a:solidFill>
-                <a:srgbClr val="1F2328"/>
-              </a:solidFill>
-              <a:latin typeface="-apple-system"/>
-            </a:endParaRPr>
-          </a:p>
-          <a:p>
-            <a:pPr algn="l"/>
-            <a:r>
-              <a:rPr lang="en-US" altLang="ko-KR" dirty="0">
-                <a:solidFill>
-                  <a:srgbClr val="1F2328"/>
-                </a:solidFill>
-                <a:latin typeface="-apple-system"/>
-              </a:rPr>
-              <a:t>  4. </a:t>
-            </a:r>
-            <a:r>
-              <a:rPr lang="ko-KR" altLang="en-US" dirty="0">
-                <a:solidFill>
-                  <a:srgbClr val="1F2328"/>
-                </a:solidFill>
-                <a:latin typeface="-apple-system"/>
-              </a:rPr>
-              <a:t>자동 로그아웃</a:t>
-            </a:r>
-            <a:endParaRPr lang="en-US" altLang="ko-KR" dirty="0">
-              <a:solidFill>
-                <a:srgbClr val="1F2328"/>
-              </a:solidFill>
-              <a:latin typeface="-apple-system"/>
-            </a:endParaRPr>
-          </a:p>
-          <a:p>
-            <a:pPr algn="l"/>
-            <a:r>
-              <a:rPr lang="en-US" altLang="ko-KR" dirty="0">
-                <a:solidFill>
-                  <a:srgbClr val="1F2328"/>
-                </a:solidFill>
-                <a:latin typeface="-apple-system"/>
-              </a:rPr>
-              <a:t>  5. </a:t>
-            </a:r>
-            <a:r>
-              <a:rPr lang="ko-KR" altLang="en-US" dirty="0">
-                <a:solidFill>
-                  <a:srgbClr val="1F2328"/>
-                </a:solidFill>
-                <a:latin typeface="-apple-system"/>
-              </a:rPr>
-              <a:t>회원 정보 수정</a:t>
-            </a:r>
-            <a:endParaRPr lang="en-US" altLang="ko-KR" dirty="0">
-              <a:solidFill>
-                <a:srgbClr val="1F2328"/>
-              </a:solidFill>
-              <a:latin typeface="-apple-system"/>
-            </a:endParaRPr>
-          </a:p>
-          <a:p>
-            <a:pPr algn="l"/>
-            <a:r>
-              <a:rPr lang="en-US" altLang="ko-KR" dirty="0">
-                <a:solidFill>
-                  <a:srgbClr val="1F2328"/>
-                </a:solidFill>
-                <a:latin typeface="-apple-system"/>
-              </a:rPr>
-              <a:t>  6. </a:t>
-            </a:r>
-            <a:r>
-              <a:rPr lang="ko-KR" altLang="en-US" dirty="0">
-                <a:solidFill>
-                  <a:srgbClr val="1F2328"/>
-                </a:solidFill>
-                <a:latin typeface="-apple-system"/>
-              </a:rPr>
-              <a:t>회원 탈퇴</a:t>
-            </a:r>
-            <a:endParaRPr lang="en-US" altLang="ko-KR" dirty="0">
-              <a:solidFill>
-                <a:srgbClr val="1F2328"/>
-              </a:solidFill>
-              <a:latin typeface="-apple-system"/>
-            </a:endParaRPr>
-          </a:p>
-          <a:p>
-            <a:pPr algn="l"/>
-            <a:r>
-              <a:rPr lang="en-US" altLang="ko-KR" dirty="0">
-                <a:solidFill>
-                  <a:srgbClr val="1F2328"/>
-                </a:solidFill>
-                <a:latin typeface="-apple-system"/>
-              </a:rPr>
-              <a:t>  7. </a:t>
-            </a:r>
-            <a:r>
-              <a:rPr lang="ko-KR" altLang="en-US" dirty="0">
-                <a:solidFill>
-                  <a:srgbClr val="1F2328"/>
-                </a:solidFill>
-                <a:latin typeface="-apple-system"/>
-              </a:rPr>
-              <a:t>로그</a:t>
-            </a:r>
-            <a:endParaRPr lang="en-US" altLang="ko-KR" dirty="0">
-              <a:solidFill>
-                <a:srgbClr val="1F2328"/>
-              </a:solidFill>
-              <a:latin typeface="-apple-system"/>
-            </a:endParaRPr>
-          </a:p>
-        </p:txBody>
-      </p:sp>
-      <p:sp>
-        <p:nvSpPr>
-          <p:cNvPr id="7" name="TextBox 6">
-            <a:extLst>
-              <a:ext uri="{FF2B5EF4-FFF2-40B4-BE49-F238E27FC236}">
-                <a16:creationId xmlns:a16="http://schemas.microsoft.com/office/drawing/2014/main" id="{96505554-F4BC-A32C-BC3E-031E91A2EDAE}"/>
-              </a:ext>
-            </a:extLst>
-          </p:cNvPr>
-          <p:cNvSpPr txBox="1"/>
-          <p:nvPr/>
-        </p:nvSpPr>
-        <p:spPr>
-          <a:xfrm>
-            <a:off x="8735291" y="1422277"/>
-            <a:ext cx="2523448" cy="2031325"/>
-          </a:xfrm>
-          <a:prstGeom prst="rect">
-            <a:avLst/>
-          </a:prstGeom>
-          <a:noFill/>
-        </p:spPr>
-        <p:txBody>
-          <a:bodyPr wrap="none" rtlCol="0">
-            <a:spAutoFit/>
-          </a:bodyPr>
-          <a:lstStyle/>
-          <a:p>
-            <a:pPr algn="l"/>
-            <a:r>
-              <a:rPr lang="ko-KR" altLang="en-US" b="0" i="0" dirty="0">
-                <a:solidFill>
-                  <a:srgbClr val="1F2328"/>
-                </a:solidFill>
-                <a:effectLst/>
-                <a:latin typeface="-apple-system"/>
-              </a:rPr>
-              <a:t>웹 구조</a:t>
-            </a:r>
-            <a:endParaRPr lang="en-US" altLang="ko-KR" b="0" i="0" dirty="0">
-              <a:solidFill>
-                <a:srgbClr val="1F2328"/>
-              </a:solidFill>
-              <a:effectLst/>
-              <a:latin typeface="-apple-system"/>
-            </a:endParaRPr>
-          </a:p>
-          <a:p>
-            <a:pPr algn="l"/>
-            <a:r>
-              <a:rPr lang="en-US" altLang="ko-KR" dirty="0">
-                <a:solidFill>
-                  <a:srgbClr val="1F2328"/>
-                </a:solidFill>
-                <a:latin typeface="-apple-system"/>
-              </a:rPr>
-              <a:t>  1. </a:t>
-            </a:r>
-            <a:r>
-              <a:rPr lang="ko-KR" altLang="en-US" dirty="0" err="1">
-                <a:solidFill>
-                  <a:srgbClr val="1F2328"/>
-                </a:solidFill>
-                <a:latin typeface="-apple-system"/>
-              </a:rPr>
-              <a:t>파비콘</a:t>
-            </a:r>
-            <a:endParaRPr lang="en-US" altLang="ko-KR" dirty="0">
-              <a:solidFill>
-                <a:srgbClr val="1F2328"/>
-              </a:solidFill>
-              <a:latin typeface="-apple-system"/>
-            </a:endParaRPr>
-          </a:p>
-          <a:p>
-            <a:pPr algn="l"/>
-            <a:r>
-              <a:rPr lang="en-US" altLang="ko-KR" b="0" i="0" dirty="0">
-                <a:solidFill>
-                  <a:srgbClr val="1F2328"/>
-                </a:solidFill>
-                <a:effectLst/>
-                <a:latin typeface="-apple-system"/>
-              </a:rPr>
-              <a:t>  2. </a:t>
-            </a:r>
-            <a:r>
-              <a:rPr lang="ko-KR" altLang="en-US" b="0" i="0" dirty="0">
-                <a:solidFill>
-                  <a:srgbClr val="1F2328"/>
-                </a:solidFill>
-                <a:effectLst/>
-                <a:latin typeface="-apple-system"/>
-              </a:rPr>
-              <a:t>로고</a:t>
-            </a:r>
-            <a:endParaRPr lang="en-US" altLang="ko-KR" b="0" i="0" dirty="0">
-              <a:solidFill>
-                <a:srgbClr val="1F2328"/>
-              </a:solidFill>
-              <a:effectLst/>
-              <a:latin typeface="-apple-system"/>
-            </a:endParaRPr>
-          </a:p>
-          <a:p>
-            <a:pPr algn="l"/>
-            <a:r>
-              <a:rPr lang="en-US" altLang="ko-KR" dirty="0">
-                <a:solidFill>
-                  <a:srgbClr val="1F2328"/>
-                </a:solidFill>
-                <a:latin typeface="-apple-system"/>
-              </a:rPr>
-              <a:t>  3. </a:t>
-            </a:r>
-            <a:r>
-              <a:rPr lang="ko-KR" altLang="en-US" dirty="0">
-                <a:solidFill>
-                  <a:srgbClr val="1F2328"/>
-                </a:solidFill>
-                <a:latin typeface="-apple-system"/>
-              </a:rPr>
-              <a:t>헤더</a:t>
-            </a:r>
-            <a:endParaRPr lang="en-US" altLang="ko-KR" dirty="0">
-              <a:solidFill>
-                <a:srgbClr val="1F2328"/>
-              </a:solidFill>
-              <a:latin typeface="-apple-system"/>
-            </a:endParaRPr>
-          </a:p>
-          <a:p>
-            <a:pPr algn="l"/>
-            <a:r>
-              <a:rPr lang="en-US" altLang="ko-KR" b="0" i="0" dirty="0">
-                <a:solidFill>
-                  <a:srgbClr val="1F2328"/>
-                </a:solidFill>
-                <a:effectLst/>
-                <a:latin typeface="-apple-system"/>
-              </a:rPr>
-              <a:t>  4. </a:t>
-            </a:r>
-            <a:r>
-              <a:rPr lang="ko-KR" altLang="en-US" b="0" i="0" dirty="0" err="1">
-                <a:solidFill>
-                  <a:srgbClr val="1F2328"/>
-                </a:solidFill>
-                <a:effectLst/>
-                <a:latin typeface="-apple-system"/>
-              </a:rPr>
-              <a:t>네비</a:t>
-            </a:r>
-            <a:endParaRPr lang="en-US" altLang="ko-KR" b="0" i="0" dirty="0">
-              <a:solidFill>
-                <a:srgbClr val="1F2328"/>
-              </a:solidFill>
-              <a:effectLst/>
-              <a:latin typeface="-apple-system"/>
-            </a:endParaRPr>
-          </a:p>
-          <a:p>
-            <a:pPr algn="l"/>
-            <a:r>
-              <a:rPr lang="en-US" altLang="ko-KR" dirty="0">
-                <a:solidFill>
-                  <a:srgbClr val="1F2328"/>
-                </a:solidFill>
-                <a:latin typeface="-apple-system"/>
-              </a:rPr>
-              <a:t>  5. </a:t>
-            </a:r>
-            <a:r>
-              <a:rPr lang="ko-KR" altLang="en-US" dirty="0" err="1">
-                <a:solidFill>
-                  <a:srgbClr val="1F2328"/>
-                </a:solidFill>
-                <a:latin typeface="-apple-system"/>
-              </a:rPr>
-              <a:t>푸터</a:t>
-            </a:r>
-            <a:endParaRPr lang="en-US" altLang="ko-KR" dirty="0">
-              <a:solidFill>
-                <a:srgbClr val="1F2328"/>
-              </a:solidFill>
-              <a:latin typeface="-apple-system"/>
-            </a:endParaRPr>
-          </a:p>
-          <a:p>
-            <a:pPr algn="l"/>
-            <a:r>
-              <a:rPr lang="en-US" altLang="ko-KR" b="0" i="0" dirty="0">
-                <a:solidFill>
-                  <a:srgbClr val="1F2328"/>
-                </a:solidFill>
-                <a:effectLst/>
-                <a:latin typeface="-apple-system"/>
-              </a:rPr>
-              <a:t>  6. </a:t>
-            </a:r>
-            <a:r>
-              <a:rPr lang="ko-KR" altLang="en-US" b="0" i="0" dirty="0">
-                <a:solidFill>
-                  <a:srgbClr val="1F2328"/>
-                </a:solidFill>
-                <a:effectLst/>
-                <a:latin typeface="-apple-system"/>
-              </a:rPr>
-              <a:t>각 게시판 상세 기능</a:t>
-            </a:r>
+        <p:style>
+          <a:lnRef idx="2">
+            <a:schemeClr val="accent1">
+              <a:shade val="15000"/>
+            </a:schemeClr>
+          </a:lnRef>
+          <a:fillRef idx="1">
+            <a:schemeClr val="accent1"/>
+          </a:fillRef>
+          <a:effectRef idx="0">
+            <a:schemeClr val="accent1"/>
+          </a:effectRef>
+          <a:fontRef idx="minor">
+            <a:schemeClr val="lt1"/>
+          </a:fontRef>
+        </p:style>
+        <p:txBody>
+          <a:bodyPr rtlCol="0" anchor="ctr"/>
+          <a:lstStyle/>
+          <a:p>
+            <a:pPr algn="ctr"/>
+            <a:endParaRPr lang="ko-KR" altLang="en-US" dirty="0"/>
+          </a:p>
+        </p:txBody>
+      </p:sp>
+      <p:sp>
+        <p:nvSpPr>
+          <p:cNvPr id="7" name="슬라이드 번호 개체 틀 6">
+            <a:extLst>
+              <a:ext uri="{FF2B5EF4-FFF2-40B4-BE49-F238E27FC236}">
+                <a16:creationId xmlns:a16="http://schemas.microsoft.com/office/drawing/2014/main" id="{FF736B10-06E2-F840-2B00-06154286422A}"/>
+              </a:ext>
+            </a:extLst>
+          </p:cNvPr>
+          <p:cNvSpPr>
+            <a:spLocks noGrp="1"/>
+          </p:cNvSpPr>
+          <p:nvPr>
+            <p:ph type="sldNum" sz="quarter" idx="12"/>
+          </p:nvPr>
+        </p:nvSpPr>
+        <p:spPr/>
+        <p:txBody>
+          <a:bodyPr/>
+          <a:lstStyle/>
+          <a:p>
+            <a:fld id="{2C8717AA-CA35-48FD-B163-EFD5D6642515}" type="slidenum">
+              <a:rPr lang="ko-KR" altLang="en-US" smtClean="0"/>
+              <a:t>5</a:t>
+            </a:fld>
+            <a:endParaRPr lang="ko-KR" altLang="en-US"/>
           </a:p>
         </p:txBody>
       </p:sp>
     </p:spTree>
     <p:extLst>
       <p:ext uri="{BB962C8B-B14F-4D97-AF65-F5344CB8AC3E}">
-        <p14:creationId xmlns:p14="http://schemas.microsoft.com/office/powerpoint/2010/main" val="3801910442"/>
+        <p14:creationId xmlns:p14="http://schemas.microsoft.com/office/powerpoint/2010/main" val="4249631456"/>
       </p:ext>
     </p:extLst>
   </p:cSld>
@@ -6178,7 +6850,7 @@
         <p:spPr>
           <a:xfrm>
             <a:off x="0" y="0"/>
-            <a:ext cx="2311851" cy="369332"/>
+            <a:ext cx="2417650" cy="369332"/>
           </a:xfrm>
           <a:prstGeom prst="rect">
             <a:avLst/>
@@ -6200,7 +6872,7 @@
                 <a:effectLst/>
                 <a:latin typeface="-apple-system"/>
               </a:rPr>
-              <a:t>3. </a:t>
+              <a:t>2. </a:t>
             </a:r>
             <a:r>
               <a:rPr lang="ko-KR" altLang="en-US" b="0" i="0" dirty="0">
@@ -6210,17 +6882,47 @@
                 <a:effectLst/>
                 <a:latin typeface="-apple-system"/>
               </a:rPr>
-              <a:t>프로젝트 수행절차</a:t>
-            </a:r>
-          </a:p>
-        </p:txBody>
-      </p:sp>
-      <p:sp>
-        <p:nvSpPr>
-          <p:cNvPr id="2" name="TextBox 1">
-            <a:extLst>
-              <a:ext uri="{FF2B5EF4-FFF2-40B4-BE49-F238E27FC236}">
-                <a16:creationId xmlns:a16="http://schemas.microsoft.com/office/drawing/2014/main" id="{19E8E490-CDA7-D95F-EA3A-248AD470F58E}"/>
+              <a:t>팀 구성원 역할 소개</a:t>
+            </a:r>
+          </a:p>
+        </p:txBody>
+      </p:sp>
+      <p:pic>
+        <p:nvPicPr>
+          <p:cNvPr id="5" name="그림 4">
+            <a:extLst>
+              <a:ext uri="{FF2B5EF4-FFF2-40B4-BE49-F238E27FC236}">
+                <a16:creationId xmlns:a16="http://schemas.microsoft.com/office/drawing/2014/main" id="{593C1494-CBEE-8B3E-9946-C7959D094E87}"/>
+              </a:ext>
+            </a:extLst>
+          </p:cNvPr>
+          <p:cNvPicPr>
+            <a:picLocks noChangeAspect="1"/>
+          </p:cNvPicPr>
+          <p:nvPr/>
+        </p:nvPicPr>
+        <p:blipFill>
+          <a:blip r:embed="rId2"/>
+          <a:stretch>
+            <a:fillRect/>
+          </a:stretch>
+        </p:blipFill>
+        <p:spPr>
+          <a:xfrm>
+            <a:off x="3625723" y="330169"/>
+            <a:ext cx="4940554" cy="1873346"/>
+          </a:xfrm>
+          <a:prstGeom prst="rect">
+            <a:avLst/>
+          </a:prstGeom>
+        </p:spPr>
+      </p:pic>
+      <p:sp>
+        <p:nvSpPr>
+          <p:cNvPr id="7" name="TextBox 6">
+            <a:extLst>
+              <a:ext uri="{FF2B5EF4-FFF2-40B4-BE49-F238E27FC236}">
+                <a16:creationId xmlns:a16="http://schemas.microsoft.com/office/drawing/2014/main" id="{9A886D8D-EE24-2C5B-7E17-CBF64D9CE4BD}"/>
               </a:ext>
             </a:extLst>
           </p:cNvPr>
@@ -6229,8 +6931,8 @@
         </p:nvSpPr>
         <p:spPr>
           <a:xfrm>
-            <a:off x="179180" y="369332"/>
-            <a:ext cx="1226041" cy="369332"/>
+            <a:off x="0" y="2242678"/>
+            <a:ext cx="5197257" cy="369332"/>
           </a:xfrm>
           <a:prstGeom prst="rect">
             <a:avLst/>
@@ -6245,13 +6947,308 @@
           <a:p>
             <a:pPr algn="l"/>
             <a:r>
+              <a:rPr lang="ko-KR" altLang="en-US" b="0" i="0" dirty="0" err="1">
+                <a:solidFill>
+                  <a:srgbClr val="1F2328"/>
+                </a:solidFill>
+                <a:effectLst/>
+                <a:latin typeface="-apple-system"/>
+              </a:rPr>
+              <a:t>김신혁</a:t>
+            </a:r>
+            <a:r>
+              <a:rPr lang="ko-KR" altLang="en-US" b="0" i="0" dirty="0">
+                <a:solidFill>
+                  <a:srgbClr val="1F2328"/>
+                </a:solidFill>
+                <a:effectLst/>
+                <a:latin typeface="-apple-system"/>
+              </a:rPr>
+              <a:t> </a:t>
+            </a:r>
+            <a:r>
+              <a:rPr lang="en-US" altLang="ko-KR" b="0" i="0" dirty="0">
+                <a:solidFill>
+                  <a:srgbClr val="1F2328"/>
+                </a:solidFill>
+                <a:effectLst/>
+                <a:latin typeface="-apple-system"/>
+              </a:rPr>
+              <a:t>: </a:t>
+            </a:r>
+            <a:r>
+              <a:rPr lang="ko-KR" altLang="en-US" b="0" i="0" dirty="0">
+                <a:solidFill>
+                  <a:srgbClr val="1F2328"/>
+                </a:solidFill>
+                <a:effectLst/>
+                <a:latin typeface="-apple-system"/>
+              </a:rPr>
+              <a:t>프로젝트 문서</a:t>
+            </a:r>
+            <a:r>
+              <a:rPr lang="en-US" altLang="ko-KR" b="0" i="0" dirty="0">
+                <a:solidFill>
+                  <a:srgbClr val="1F2328"/>
+                </a:solidFill>
+                <a:effectLst/>
+                <a:latin typeface="-apple-system"/>
+              </a:rPr>
+              <a:t>, </a:t>
+            </a:r>
+            <a:r>
+              <a:rPr lang="ko-KR" altLang="en-US" b="0" i="0" dirty="0" err="1">
+                <a:solidFill>
+                  <a:srgbClr val="1F2328"/>
+                </a:solidFill>
+                <a:effectLst/>
+                <a:latin typeface="-apple-system"/>
+              </a:rPr>
+              <a:t>레포지토리</a:t>
+            </a:r>
+            <a:r>
+              <a:rPr lang="ko-KR" altLang="en-US" b="0" i="0" dirty="0">
+                <a:solidFill>
+                  <a:srgbClr val="1F2328"/>
+                </a:solidFill>
+                <a:effectLst/>
+                <a:latin typeface="-apple-system"/>
+              </a:rPr>
+              <a:t> 관리</a:t>
+            </a:r>
+            <a:r>
+              <a:rPr lang="en-US" altLang="ko-KR" b="0" i="0" dirty="0">
+                <a:solidFill>
+                  <a:srgbClr val="1F2328"/>
+                </a:solidFill>
+                <a:effectLst/>
+                <a:latin typeface="-apple-system"/>
+              </a:rPr>
+              <a:t>, API </a:t>
+            </a:r>
+            <a:r>
+              <a:rPr lang="ko-KR" altLang="en-US" b="0" i="0" dirty="0">
+                <a:solidFill>
+                  <a:srgbClr val="1F2328"/>
+                </a:solidFill>
+                <a:effectLst/>
+                <a:latin typeface="-apple-system"/>
+              </a:rPr>
+              <a:t>담당</a:t>
+            </a:r>
+          </a:p>
+        </p:txBody>
+      </p:sp>
+      <p:sp>
+        <p:nvSpPr>
+          <p:cNvPr id="8" name="TextBox 7">
+            <a:extLst>
+              <a:ext uri="{FF2B5EF4-FFF2-40B4-BE49-F238E27FC236}">
+                <a16:creationId xmlns:a16="http://schemas.microsoft.com/office/drawing/2014/main" id="{8184FAEF-CB01-7752-0090-02F1D4ECF93B}"/>
+              </a:ext>
+            </a:extLst>
+          </p:cNvPr>
+          <p:cNvSpPr txBox="1"/>
+          <p:nvPr/>
+        </p:nvSpPr>
+        <p:spPr>
+          <a:xfrm>
+            <a:off x="0" y="2612010"/>
+            <a:ext cx="6373861" cy="369332"/>
+          </a:xfrm>
+          <a:prstGeom prst="rect">
+            <a:avLst/>
+          </a:prstGeom>
+          <a:noFill/>
+        </p:spPr>
+        <p:txBody>
+          <a:bodyPr wrap="none" rtlCol="0">
+            <a:spAutoFit/>
+          </a:bodyPr>
+          <a:lstStyle/>
+          <a:p>
+            <a:pPr algn="l"/>
+            <a:r>
+              <a:rPr lang="ko-KR" altLang="en-US" b="0" i="0" dirty="0">
+                <a:solidFill>
+                  <a:srgbClr val="1F2328"/>
+                </a:solidFill>
+                <a:effectLst/>
+                <a:latin typeface="-apple-system"/>
+              </a:rPr>
+              <a:t>신동훈 </a:t>
+            </a:r>
+            <a:r>
+              <a:rPr lang="en-US" altLang="ko-KR" b="0" i="0" dirty="0">
+                <a:solidFill>
+                  <a:srgbClr val="1F2328"/>
+                </a:solidFill>
+                <a:effectLst/>
+                <a:latin typeface="-apple-system"/>
+              </a:rPr>
+              <a:t>: </a:t>
+            </a:r>
+            <a:r>
+              <a:rPr lang="ko-KR" altLang="en-US" b="0" i="0" dirty="0">
+                <a:solidFill>
+                  <a:srgbClr val="1F2328"/>
+                </a:solidFill>
+                <a:effectLst/>
+                <a:latin typeface="-apple-system"/>
+              </a:rPr>
+              <a:t>프로젝트 환경 구성 및 자유 게시판</a:t>
+            </a:r>
+            <a:r>
+              <a:rPr lang="en-US" altLang="ko-KR" b="0" i="0" dirty="0">
+                <a:solidFill>
+                  <a:srgbClr val="1F2328"/>
+                </a:solidFill>
+                <a:effectLst/>
+                <a:latin typeface="-apple-system"/>
+              </a:rPr>
+              <a:t>, </a:t>
+            </a:r>
+            <a:r>
+              <a:rPr lang="ko-KR" altLang="en-US" b="0" i="0" dirty="0">
+                <a:solidFill>
+                  <a:srgbClr val="1F2328"/>
+                </a:solidFill>
+                <a:effectLst/>
+                <a:latin typeface="-apple-system"/>
+              </a:rPr>
+              <a:t>공지 게시판 담당</a:t>
+            </a:r>
+          </a:p>
+        </p:txBody>
+      </p:sp>
+      <p:sp>
+        <p:nvSpPr>
+          <p:cNvPr id="9" name="TextBox 8">
+            <a:extLst>
+              <a:ext uri="{FF2B5EF4-FFF2-40B4-BE49-F238E27FC236}">
+                <a16:creationId xmlns:a16="http://schemas.microsoft.com/office/drawing/2014/main" id="{44B7B3C2-65E8-9CB9-D8AB-042F3C90E551}"/>
+              </a:ext>
+            </a:extLst>
+          </p:cNvPr>
+          <p:cNvSpPr txBox="1"/>
+          <p:nvPr/>
+        </p:nvSpPr>
+        <p:spPr>
+          <a:xfrm>
+            <a:off x="0" y="3059668"/>
+            <a:ext cx="7114448" cy="369332"/>
+          </a:xfrm>
+          <a:prstGeom prst="rect">
+            <a:avLst/>
+          </a:prstGeom>
+          <a:noFill/>
+        </p:spPr>
+        <p:txBody>
+          <a:bodyPr wrap="none" rtlCol="0">
+            <a:spAutoFit/>
+          </a:bodyPr>
+          <a:lstStyle/>
+          <a:p>
+            <a:pPr algn="l"/>
+            <a:r>
+              <a:rPr lang="ko-KR" altLang="en-US" b="0" i="0" dirty="0">
+                <a:solidFill>
+                  <a:srgbClr val="1F2328"/>
+                </a:solidFill>
+                <a:effectLst/>
+                <a:latin typeface="-apple-system"/>
+              </a:rPr>
+              <a:t>이수성 </a:t>
+            </a:r>
+            <a:r>
+              <a:rPr lang="en-US" altLang="ko-KR" b="0" i="0" dirty="0">
+                <a:solidFill>
+                  <a:srgbClr val="1F2328"/>
+                </a:solidFill>
+                <a:effectLst/>
+                <a:latin typeface="-apple-system"/>
+              </a:rPr>
+              <a:t>: </a:t>
+            </a:r>
+            <a:r>
+              <a:rPr lang="ko-KR" altLang="en-US" b="0" i="0" dirty="0">
+                <a:solidFill>
+                  <a:srgbClr val="1F2328"/>
+                </a:solidFill>
+                <a:effectLst/>
+                <a:latin typeface="-apple-system"/>
+              </a:rPr>
+              <a:t>유저 기능 및 관련 테이블 관리 등 전반적인 이용자 정보 담당</a:t>
+            </a:r>
+          </a:p>
+        </p:txBody>
+      </p:sp>
+      <p:sp>
+        <p:nvSpPr>
+          <p:cNvPr id="10" name="TextBox 9">
+            <a:extLst>
+              <a:ext uri="{FF2B5EF4-FFF2-40B4-BE49-F238E27FC236}">
+                <a16:creationId xmlns:a16="http://schemas.microsoft.com/office/drawing/2014/main" id="{A60984D9-D772-9B93-AA2D-A93D47151098}"/>
+              </a:ext>
+            </a:extLst>
+          </p:cNvPr>
+          <p:cNvSpPr txBox="1"/>
+          <p:nvPr/>
+        </p:nvSpPr>
+        <p:spPr>
+          <a:xfrm>
+            <a:off x="0" y="3507326"/>
+            <a:ext cx="9129422" cy="369332"/>
+          </a:xfrm>
+          <a:prstGeom prst="rect">
+            <a:avLst/>
+          </a:prstGeom>
+          <a:noFill/>
+        </p:spPr>
+        <p:txBody>
+          <a:bodyPr wrap="none" rtlCol="0">
+            <a:spAutoFit/>
+          </a:bodyPr>
+          <a:lstStyle/>
+          <a:p>
+            <a:pPr algn="l"/>
+            <a:r>
+              <a:rPr lang="ko-KR" altLang="en-US" b="0" i="0" dirty="0">
+                <a:solidFill>
+                  <a:srgbClr val="1F2328"/>
+                </a:solidFill>
+                <a:effectLst/>
+                <a:latin typeface="-apple-system"/>
+              </a:rPr>
+              <a:t>정선호 </a:t>
+            </a:r>
+            <a:r>
+              <a:rPr lang="en-US" altLang="ko-KR" b="0" i="0" dirty="0">
+                <a:solidFill>
+                  <a:srgbClr val="1F2328"/>
+                </a:solidFill>
+                <a:effectLst/>
+                <a:latin typeface="-apple-system"/>
+              </a:rPr>
+              <a:t>: </a:t>
+            </a:r>
+            <a:r>
+              <a:rPr lang="ko-KR" altLang="en-US" dirty="0">
+                <a:solidFill>
+                  <a:srgbClr val="1F2328"/>
+                </a:solidFill>
+                <a:latin typeface="-apple-system"/>
+              </a:rPr>
+              <a:t>게시판 디자인</a:t>
+            </a:r>
+            <a:r>
               <a:rPr lang="en-US" altLang="ko-KR" dirty="0">
                 <a:solidFill>
                   <a:srgbClr val="1F2328"/>
                 </a:solidFill>
                 <a:latin typeface="-apple-system"/>
               </a:rPr>
-              <a:t>Gantt </a:t>
+              <a:t>, </a:t>
             </a:r>
             <a:r>
               <a:rPr lang="ko-KR" altLang="en-US" dirty="0">
@@ -6260,7 +7257,25 @@
                 </a:solidFill>
                 <a:latin typeface="-apple-system"/>
               </a:rPr>
-              <a:t>차트</a:t>
+              <a:t>통계 디자인</a:t>
+            </a:r>
+            <a:r>
+              <a:rPr lang="en-US" altLang="ko-KR" dirty="0">
+                <a:solidFill>
+                  <a:srgbClr val="1F2328"/>
+                </a:solidFill>
+                <a:latin typeface="-apple-system"/>
+              </a:rPr>
+              <a:t>, </a:t>
+            </a:r>
+            <a:r>
+              <a:rPr lang="ko-KR" altLang="en-US" dirty="0">
+                <a:solidFill>
+                  <a:srgbClr val="1F2328"/>
+                </a:solidFill>
+                <a:latin typeface="-apple-system"/>
+              </a:rPr>
+              <a:t>데이터베이스 검색 및 기능 구현 등 인터페이스 담당</a:t>
             </a:r>
             <a:endParaRPr lang="ko-KR" altLang="en-US" b="0" i="0" dirty="0">
               <a:solidFill>
@@ -6272,57 +7287,254 @@
           </a:p>
         </p:txBody>
       </p:sp>
-      <p:pic>
-        <p:nvPicPr>
-          <p:cNvPr id="1026" name="Picture 2" descr="Gantt Chart">
-            <a:extLst>
-              <a:ext uri="{FF2B5EF4-FFF2-40B4-BE49-F238E27FC236}">
-                <a16:creationId xmlns:a16="http://schemas.microsoft.com/office/drawing/2014/main" id="{90214CEA-5926-EC07-2556-F9BEA182B71C}"/>
-              </a:ext>
-            </a:extLst>
-          </p:cNvPr>
-          <p:cNvPicPr>
-            <a:picLocks noChangeAspect="1" noChangeArrowheads="1"/>
-          </p:cNvPicPr>
+      <p:sp>
+        <p:nvSpPr>
+          <p:cNvPr id="11" name="TextBox 10">
+            <a:extLst>
+              <a:ext uri="{FF2B5EF4-FFF2-40B4-BE49-F238E27FC236}">
+                <a16:creationId xmlns:a16="http://schemas.microsoft.com/office/drawing/2014/main" id="{941BE9F1-11F4-AC65-727A-918678DD64B0}"/>
+              </a:ext>
+            </a:extLst>
+          </p:cNvPr>
+          <p:cNvSpPr txBox="1"/>
           <p:nvPr/>
-        </p:nvPicPr>
-        <p:blipFill>
-          <a:blip r:embed="rId2">
-            <a:extLst>
-              <a:ext uri="{28A0092B-C50C-407E-A947-70E740481C1C}">
-                <a14:useLocalDpi xmlns:a14="http://schemas.microsoft.com/office/drawing/2010/main" val="0"/>
-              </a:ext>
-            </a:extLst>
-          </a:blip>
-          <a:srcRect/>
-          <a:stretch>
-            <a:fillRect/>
-          </a:stretch>
-        </p:blipFill>
-        <p:spPr bwMode="auto">
+        </p:nvSpPr>
+        <p:spPr>
           <a:xfrm>
-            <a:off x="0" y="2439988"/>
-            <a:ext cx="12192000" cy="1978025"/>
+            <a:off x="0" y="3906493"/>
+            <a:ext cx="8095486" cy="369332"/>
           </a:xfrm>
           <a:prstGeom prst="rect">
             <a:avLst/>
           </a:prstGeom>
           <a:noFill/>
-          <a:extLst>
-            <a:ext uri="{909E8E84-426E-40DD-AFC4-6F175D3DCCD1}">
-              <a14:hiddenFill xmlns:a14="http://schemas.microsoft.com/office/drawing/2010/main">
-                <a:solidFill>
-                  <a:srgbClr val="FFFFFF"/>
-                </a:solidFill>
-              </a14:hiddenFill>
-            </a:ext>
-          </a:extLst>
         </p:spPr>
-      </p:pic>
+        <p:txBody>
+          <a:bodyPr wrap="none" rtlCol="0">
+            <a:spAutoFit/>
+          </a:bodyPr>
+          <a:lstStyle/>
+          <a:p>
+            <a:pPr algn="l"/>
+            <a:r>
+              <a:rPr lang="ko-KR" altLang="en-US" b="0" i="0" dirty="0">
+                <a:solidFill>
+                  <a:srgbClr val="1F2328"/>
+                </a:solidFill>
+                <a:effectLst/>
+                <a:latin typeface="-apple-system"/>
+              </a:rPr>
+              <a:t>최은지 </a:t>
+            </a:r>
+            <a:r>
+              <a:rPr lang="en-US" altLang="ko-KR" b="0" i="0" dirty="0">
+                <a:solidFill>
+                  <a:srgbClr val="1F2328"/>
+                </a:solidFill>
+                <a:effectLst/>
+                <a:latin typeface="-apple-system"/>
+              </a:rPr>
+              <a:t>: </a:t>
+            </a:r>
+            <a:r>
+              <a:rPr lang="ko-KR" altLang="en-US" b="0" i="0" dirty="0">
+                <a:solidFill>
+                  <a:srgbClr val="1F2328"/>
+                </a:solidFill>
+                <a:effectLst/>
+                <a:latin typeface="-apple-system"/>
+              </a:rPr>
+              <a:t>로고</a:t>
+            </a:r>
+            <a:r>
+              <a:rPr lang="en-US" altLang="ko-KR" b="0" i="0" dirty="0">
+                <a:solidFill>
+                  <a:srgbClr val="1F2328"/>
+                </a:solidFill>
+                <a:effectLst/>
+                <a:latin typeface="-apple-system"/>
+              </a:rPr>
+              <a:t>, </a:t>
+            </a:r>
+            <a:r>
+              <a:rPr lang="ko-KR" altLang="en-US" b="0" i="0" dirty="0" err="1">
+                <a:solidFill>
+                  <a:srgbClr val="1F2328"/>
+                </a:solidFill>
+                <a:effectLst/>
+                <a:latin typeface="-apple-system"/>
+              </a:rPr>
+              <a:t>파비콘</a:t>
+            </a:r>
+            <a:r>
+              <a:rPr lang="en-US" altLang="ko-KR" dirty="0">
+                <a:solidFill>
+                  <a:srgbClr val="1F2328"/>
+                </a:solidFill>
+                <a:latin typeface="-apple-system"/>
+              </a:rPr>
+              <a:t>, </a:t>
+            </a:r>
+            <a:r>
+              <a:rPr lang="ko-KR" altLang="en-US" dirty="0">
+                <a:solidFill>
+                  <a:srgbClr val="1F2328"/>
+                </a:solidFill>
+                <a:latin typeface="-apple-system"/>
+              </a:rPr>
+              <a:t>웹의 헤더</a:t>
+            </a:r>
+            <a:r>
+              <a:rPr lang="en-US" altLang="ko-KR" dirty="0">
+                <a:solidFill>
+                  <a:srgbClr val="1F2328"/>
+                </a:solidFill>
+                <a:latin typeface="-apple-system"/>
+              </a:rPr>
+              <a:t>, </a:t>
+            </a:r>
+            <a:r>
+              <a:rPr lang="ko-KR" altLang="en-US" dirty="0">
+                <a:solidFill>
+                  <a:srgbClr val="1F2328"/>
+                </a:solidFill>
+                <a:latin typeface="-apple-system"/>
+              </a:rPr>
+              <a:t>네비게이션</a:t>
+            </a:r>
+            <a:r>
+              <a:rPr lang="en-US" altLang="ko-KR" dirty="0">
+                <a:solidFill>
+                  <a:srgbClr val="1F2328"/>
+                </a:solidFill>
+                <a:latin typeface="-apple-system"/>
+              </a:rPr>
+              <a:t>, </a:t>
+            </a:r>
+            <a:r>
+              <a:rPr lang="ko-KR" altLang="en-US" dirty="0" err="1">
+                <a:solidFill>
+                  <a:srgbClr val="1F2328"/>
+                </a:solidFill>
+                <a:latin typeface="-apple-system"/>
+              </a:rPr>
+              <a:t>푸터</a:t>
+            </a:r>
+            <a:r>
+              <a:rPr lang="en-US" altLang="ko-KR" dirty="0">
+                <a:solidFill>
+                  <a:srgbClr val="1F2328"/>
+                </a:solidFill>
+                <a:latin typeface="-apple-system"/>
+              </a:rPr>
+              <a:t>, </a:t>
+            </a:r>
+            <a:r>
+              <a:rPr lang="ko-KR" altLang="en-US" dirty="0">
+                <a:solidFill>
+                  <a:srgbClr val="1F2328"/>
+                </a:solidFill>
+                <a:latin typeface="-apple-system"/>
+              </a:rPr>
+              <a:t>포스터 영역 등 디자인 담당</a:t>
+            </a:r>
+            <a:endParaRPr lang="ko-KR" altLang="en-US" b="0" i="0" dirty="0">
+              <a:solidFill>
+                <a:srgbClr val="1F2328"/>
+              </a:solidFill>
+              <a:effectLst/>
+              <a:latin typeface="-apple-system"/>
+            </a:endParaRPr>
+          </a:p>
+        </p:txBody>
+      </p:sp>
+      <p:sp>
+        <p:nvSpPr>
+          <p:cNvPr id="2" name="직사각형 1">
+            <a:extLst>
+              <a:ext uri="{FF2B5EF4-FFF2-40B4-BE49-F238E27FC236}">
+                <a16:creationId xmlns:a16="http://schemas.microsoft.com/office/drawing/2014/main" id="{B06A5121-4C46-61B7-9DC8-3C66F02098F5}"/>
+              </a:ext>
+            </a:extLst>
+          </p:cNvPr>
+          <p:cNvSpPr/>
+          <p:nvPr/>
+        </p:nvSpPr>
+        <p:spPr>
+          <a:xfrm>
+            <a:off x="1" y="3879273"/>
+            <a:ext cx="12192000" cy="2978727"/>
+          </a:xfrm>
+          <a:prstGeom prst="rect">
+            <a:avLst/>
+          </a:prstGeom>
+          <a:solidFill>
+            <a:srgbClr val="FF0000">
+              <a:alpha val="38000"/>
+            </a:srgbClr>
+          </a:solidFill>
+          <a:ln>
+            <a:noFill/>
+          </a:ln>
+        </p:spPr>
+        <p:style>
+          <a:lnRef idx="2">
+            <a:schemeClr val="accent1">
+              <a:shade val="15000"/>
+            </a:schemeClr>
+          </a:lnRef>
+          <a:fillRef idx="1">
+            <a:schemeClr val="accent1"/>
+          </a:fillRef>
+          <a:effectRef idx="0">
+            <a:schemeClr val="accent1"/>
+          </a:effectRef>
+          <a:fontRef idx="minor">
+            <a:schemeClr val="lt1"/>
+          </a:fontRef>
+        </p:style>
+        <p:txBody>
+          <a:bodyPr rtlCol="0" anchor="ctr"/>
+          <a:lstStyle/>
+          <a:p>
+            <a:pPr algn="ctr"/>
+            <a:endParaRPr lang="ko-KR" altLang="en-US"/>
+          </a:p>
+        </p:txBody>
+      </p:sp>
+      <p:sp>
+        <p:nvSpPr>
+          <p:cNvPr id="3" name="슬라이드 번호 개체 틀 2">
+            <a:extLst>
+              <a:ext uri="{FF2B5EF4-FFF2-40B4-BE49-F238E27FC236}">
+                <a16:creationId xmlns:a16="http://schemas.microsoft.com/office/drawing/2014/main" id="{ABDE431E-2DFF-7FAD-1D00-8826F4929CD6}"/>
+              </a:ext>
+            </a:extLst>
+          </p:cNvPr>
+          <p:cNvSpPr>
+            <a:spLocks noGrp="1"/>
+          </p:cNvSpPr>
+          <p:nvPr>
+            <p:ph type="sldNum" sz="quarter" idx="12"/>
+          </p:nvPr>
+        </p:nvSpPr>
+        <p:spPr/>
+        <p:txBody>
+          <a:bodyPr/>
+          <a:lstStyle/>
+          <a:p>
+            <a:fld id="{2C8717AA-CA35-48FD-B163-EFD5D6642515}" type="slidenum">
+              <a:rPr lang="ko-KR" altLang="en-US" smtClean="0"/>
+              <a:t>6</a:t>
+            </a:fld>
+            <a:endParaRPr lang="ko-KR" altLang="en-US"/>
+          </a:p>
+        </p:txBody>
+      </p:sp>
     </p:spTree>
     <p:extLst>
       <p:ext uri="{BB962C8B-B14F-4D97-AF65-F5344CB8AC3E}">
-        <p14:creationId xmlns:p14="http://schemas.microsoft.com/office/powerpoint/2010/main" val="2536471545"/>
+        <p14:creationId xmlns:p14="http://schemas.microsoft.com/office/powerpoint/2010/main" val="2123566633"/>
       </p:ext>
     </p:extLst>
   </p:cSld>
@@ -6416,7 +7628,7 @@
         <p:spPr>
           <a:xfrm>
             <a:off x="179180" y="369332"/>
-            <a:ext cx="2137124" cy="369332"/>
+            <a:ext cx="1853392" cy="369332"/>
           </a:xfrm>
           <a:prstGeom prst="rect">
             <a:avLst/>
@@ -6438,8 +7650,60 @@
                 <a:effectLst/>
                 <a:latin typeface="-apple-system"/>
               </a:rPr>
-              <a:t>웹 </a:t>
-            </a:r>
+              <a:t>요구사항 정의서</a:t>
+            </a:r>
+          </a:p>
+        </p:txBody>
+      </p:sp>
+      <p:sp>
+        <p:nvSpPr>
+          <p:cNvPr id="3" name="TextBox 2">
+            <a:extLst>
+              <a:ext uri="{FF2B5EF4-FFF2-40B4-BE49-F238E27FC236}">
+                <a16:creationId xmlns:a16="http://schemas.microsoft.com/office/drawing/2014/main" id="{F65C727F-17A7-F241-AC35-A8DE8E22139A}"/>
+              </a:ext>
+            </a:extLst>
+          </p:cNvPr>
+          <p:cNvSpPr txBox="1"/>
+          <p:nvPr/>
+        </p:nvSpPr>
+        <p:spPr>
+          <a:xfrm>
+            <a:off x="736198" y="1283961"/>
+            <a:ext cx="2239716" cy="1754326"/>
+          </a:xfrm>
+          <a:prstGeom prst="rect">
+            <a:avLst/>
+          </a:prstGeom>
+          <a:noFill/>
+        </p:spPr>
+        <p:txBody>
+          <a:bodyPr wrap="none" rtlCol="0">
+            <a:spAutoFit/>
+          </a:bodyPr>
+          <a:lstStyle/>
+          <a:p>
+            <a:pPr algn="ctr"/>
+            <a:r>
+              <a:rPr lang="ko-KR" altLang="en-US" b="0" i="0" dirty="0">
+                <a:solidFill>
+                  <a:srgbClr val="1F2328"/>
+                </a:solidFill>
+                <a:effectLst/>
+                <a:latin typeface="-apple-system"/>
+              </a:rPr>
+              <a:t>영화 정보 제공</a:t>
+            </a:r>
+            <a:endParaRPr lang="en-US" altLang="ko-KR" b="0" i="0" dirty="0">
+              <a:solidFill>
+                <a:srgbClr val="1F2328"/>
+              </a:solidFill>
+              <a:effectLst/>
+              <a:latin typeface="-apple-system"/>
+            </a:endParaRPr>
+          </a:p>
+          <a:p>
+            <a:pPr algn="l"/>
             <a:r>
               <a:rPr lang="ko-KR" altLang="en-US" dirty="0">
                 <a:solidFill>
@@ -6447,8 +7711,418 @@
                 </a:solidFill>
                 <a:latin typeface="-apple-system"/>
               </a:rPr>
-              <a:t>구조 다이어그램</a:t>
-            </a:r>
+              <a:t>  </a:t>
+            </a:r>
+            <a:r>
+              <a:rPr lang="en-US" altLang="ko-KR" dirty="0">
+                <a:solidFill>
+                  <a:srgbClr val="1F2328"/>
+                </a:solidFill>
+                <a:latin typeface="-apple-system"/>
+              </a:rPr>
+              <a:t>1.</a:t>
+            </a:r>
+            <a:r>
+              <a:rPr lang="ko-KR" altLang="en-US" dirty="0">
+                <a:solidFill>
+                  <a:srgbClr val="1F2328"/>
+                </a:solidFill>
+                <a:latin typeface="-apple-system"/>
+              </a:rPr>
+              <a:t> </a:t>
+            </a:r>
+            <a:r>
+              <a:rPr lang="ko-KR" altLang="en-US" dirty="0" err="1">
+                <a:solidFill>
+                  <a:srgbClr val="1F2328"/>
+                </a:solidFill>
+                <a:latin typeface="-apple-system"/>
+              </a:rPr>
+              <a:t>상영작</a:t>
+            </a:r>
+            <a:r>
+              <a:rPr lang="ko-KR" altLang="en-US" dirty="0">
+                <a:solidFill>
+                  <a:srgbClr val="1F2328"/>
+                </a:solidFill>
+                <a:latin typeface="-apple-system"/>
+              </a:rPr>
+              <a:t> 정보 제공</a:t>
+            </a:r>
+            <a:endParaRPr lang="en-US" altLang="ko-KR" dirty="0">
+              <a:solidFill>
+                <a:srgbClr val="1F2328"/>
+              </a:solidFill>
+              <a:latin typeface="-apple-system"/>
+            </a:endParaRPr>
+          </a:p>
+          <a:p>
+            <a:pPr algn="l"/>
+            <a:r>
+              <a:rPr lang="en-US" altLang="ko-KR" dirty="0">
+                <a:solidFill>
+                  <a:srgbClr val="1F2328"/>
+                </a:solidFill>
+                <a:latin typeface="-apple-system"/>
+              </a:rPr>
+              <a:t>  2. </a:t>
+            </a:r>
+            <a:r>
+              <a:rPr lang="ko-KR" altLang="en-US" dirty="0" err="1">
+                <a:solidFill>
+                  <a:srgbClr val="1F2328"/>
+                </a:solidFill>
+                <a:latin typeface="-apple-system"/>
+              </a:rPr>
+              <a:t>개봉작</a:t>
+            </a:r>
+            <a:r>
+              <a:rPr lang="ko-KR" altLang="en-US" dirty="0">
+                <a:solidFill>
+                  <a:srgbClr val="1F2328"/>
+                </a:solidFill>
+                <a:latin typeface="-apple-system"/>
+              </a:rPr>
+              <a:t> 정보 제공</a:t>
+            </a:r>
+            <a:endParaRPr lang="en-US" altLang="ko-KR" dirty="0">
+              <a:solidFill>
+                <a:srgbClr val="1F2328"/>
+              </a:solidFill>
+              <a:latin typeface="-apple-system"/>
+            </a:endParaRPr>
+          </a:p>
+          <a:p>
+            <a:pPr algn="l"/>
+            <a:r>
+              <a:rPr lang="en-US" altLang="ko-KR" dirty="0">
+                <a:solidFill>
+                  <a:srgbClr val="1F2328"/>
+                </a:solidFill>
+                <a:latin typeface="-apple-system"/>
+              </a:rPr>
+              <a:t>  3. </a:t>
+            </a:r>
+            <a:r>
+              <a:rPr lang="ko-KR" altLang="en-US" dirty="0">
+                <a:solidFill>
+                  <a:srgbClr val="1F2328"/>
+                </a:solidFill>
+                <a:latin typeface="-apple-system"/>
+              </a:rPr>
+              <a:t>상세 정보 제공</a:t>
+            </a:r>
+            <a:endParaRPr lang="en-US" altLang="ko-KR" dirty="0">
+              <a:solidFill>
+                <a:srgbClr val="1F2328"/>
+              </a:solidFill>
+              <a:latin typeface="-apple-system"/>
+            </a:endParaRPr>
+          </a:p>
+          <a:p>
+            <a:pPr algn="l"/>
+            <a:r>
+              <a:rPr lang="en-US" altLang="ko-KR" dirty="0">
+                <a:solidFill>
+                  <a:srgbClr val="1F2328"/>
+                </a:solidFill>
+                <a:latin typeface="-apple-system"/>
+              </a:rPr>
+              <a:t>  4. </a:t>
+            </a:r>
+            <a:r>
+              <a:rPr lang="ko-KR" altLang="en-US" dirty="0">
+                <a:solidFill>
+                  <a:srgbClr val="1F2328"/>
+                </a:solidFill>
+                <a:latin typeface="-apple-system"/>
+              </a:rPr>
+              <a:t>영화 찾기 기능</a:t>
+            </a:r>
+            <a:endParaRPr lang="en-US" altLang="ko-KR" dirty="0">
+              <a:solidFill>
+                <a:srgbClr val="1F2328"/>
+              </a:solidFill>
+              <a:latin typeface="-apple-system"/>
+            </a:endParaRPr>
+          </a:p>
+          <a:p>
+            <a:pPr algn="l"/>
+            <a:r>
+              <a:rPr lang="en-US" altLang="ko-KR" dirty="0">
+                <a:solidFill>
+                  <a:srgbClr val="1F2328"/>
+                </a:solidFill>
+                <a:latin typeface="-apple-system"/>
+              </a:rPr>
+              <a:t>  5. </a:t>
+            </a:r>
+            <a:r>
+              <a:rPr lang="ko-KR" altLang="en-US" dirty="0">
+                <a:solidFill>
+                  <a:srgbClr val="1F2328"/>
+                </a:solidFill>
+                <a:latin typeface="-apple-system"/>
+              </a:rPr>
+              <a:t>영화 추천 기능</a:t>
+            </a:r>
+            <a:endParaRPr lang="en-US" altLang="ko-KR" dirty="0">
+              <a:solidFill>
+                <a:srgbClr val="1F2328"/>
+              </a:solidFill>
+              <a:latin typeface="-apple-system"/>
+            </a:endParaRPr>
+          </a:p>
+        </p:txBody>
+      </p:sp>
+      <p:sp>
+        <p:nvSpPr>
+          <p:cNvPr id="4" name="TextBox 3">
+            <a:extLst>
+              <a:ext uri="{FF2B5EF4-FFF2-40B4-BE49-F238E27FC236}">
+                <a16:creationId xmlns:a16="http://schemas.microsoft.com/office/drawing/2014/main" id="{6DCB84E3-D57F-4B51-7C4D-5107951A2450}"/>
+              </a:ext>
+            </a:extLst>
+          </p:cNvPr>
+          <p:cNvSpPr txBox="1"/>
+          <p:nvPr/>
+        </p:nvSpPr>
+        <p:spPr>
+          <a:xfrm>
+            <a:off x="3442548" y="1268427"/>
+            <a:ext cx="2186817" cy="2585323"/>
+          </a:xfrm>
+          <a:prstGeom prst="rect">
+            <a:avLst/>
+          </a:prstGeom>
+          <a:noFill/>
+        </p:spPr>
+        <p:txBody>
+          <a:bodyPr wrap="none" rtlCol="0">
+            <a:spAutoFit/>
+          </a:bodyPr>
+          <a:lstStyle/>
+          <a:p>
+            <a:pPr algn="ctr"/>
+            <a:r>
+              <a:rPr lang="ko-KR" altLang="en-US" b="0" i="0" dirty="0">
+                <a:solidFill>
+                  <a:srgbClr val="1F2328"/>
+                </a:solidFill>
+                <a:effectLst/>
+                <a:latin typeface="-apple-system"/>
+              </a:rPr>
+              <a:t>커뮤니티 기능</a:t>
+            </a:r>
+            <a:endParaRPr lang="en-US" altLang="ko-KR" b="0" i="0" dirty="0">
+              <a:solidFill>
+                <a:srgbClr val="1F2328"/>
+              </a:solidFill>
+              <a:effectLst/>
+              <a:latin typeface="-apple-system"/>
+            </a:endParaRPr>
+          </a:p>
+          <a:p>
+            <a:pPr algn="l"/>
+            <a:r>
+              <a:rPr lang="en-US" altLang="ko-KR" dirty="0">
+                <a:solidFill>
+                  <a:srgbClr val="1F2328"/>
+                </a:solidFill>
+                <a:latin typeface="-apple-system"/>
+              </a:rPr>
+              <a:t>  1. </a:t>
+            </a:r>
+            <a:r>
+              <a:rPr lang="ko-KR" altLang="en-US" dirty="0">
+                <a:solidFill>
+                  <a:srgbClr val="1F2328"/>
+                </a:solidFill>
+                <a:latin typeface="-apple-system"/>
+              </a:rPr>
+              <a:t>공지사항 게시판</a:t>
+            </a:r>
+            <a:endParaRPr lang="en-US" altLang="ko-KR" dirty="0">
+              <a:solidFill>
+                <a:srgbClr val="1F2328"/>
+              </a:solidFill>
+              <a:latin typeface="-apple-system"/>
+            </a:endParaRPr>
+          </a:p>
+          <a:p>
+            <a:pPr algn="l"/>
+            <a:r>
+              <a:rPr lang="en-US" altLang="ko-KR" b="0" i="0" dirty="0">
+                <a:solidFill>
+                  <a:srgbClr val="1F2328"/>
+                </a:solidFill>
+                <a:effectLst/>
+                <a:latin typeface="-apple-system"/>
+              </a:rPr>
+              <a:t>  2. </a:t>
+            </a:r>
+            <a:r>
+              <a:rPr lang="ko-KR" altLang="en-US" b="0" i="0" dirty="0">
+                <a:solidFill>
+                  <a:srgbClr val="1F2328"/>
+                </a:solidFill>
+                <a:effectLst/>
+                <a:latin typeface="-apple-system"/>
+              </a:rPr>
+              <a:t>자유게시판</a:t>
+            </a:r>
+            <a:endParaRPr lang="en-US" altLang="ko-KR" b="0" i="0" dirty="0">
+              <a:solidFill>
+                <a:srgbClr val="1F2328"/>
+              </a:solidFill>
+              <a:effectLst/>
+              <a:latin typeface="-apple-system"/>
+            </a:endParaRPr>
+          </a:p>
+          <a:p>
+            <a:pPr algn="l"/>
+            <a:r>
+              <a:rPr lang="en-US" altLang="ko-KR" dirty="0">
+                <a:solidFill>
+                  <a:srgbClr val="1F2328"/>
+                </a:solidFill>
+                <a:latin typeface="-apple-system"/>
+              </a:rPr>
+              <a:t>  3. </a:t>
+            </a:r>
+            <a:r>
+              <a:rPr lang="ko-KR" altLang="en-US" dirty="0">
+                <a:solidFill>
+                  <a:srgbClr val="1F2328"/>
+                </a:solidFill>
+                <a:latin typeface="-apple-system"/>
+              </a:rPr>
+              <a:t>글 쓰기</a:t>
+            </a:r>
+            <a:endParaRPr lang="en-US" altLang="ko-KR" dirty="0">
+              <a:solidFill>
+                <a:srgbClr val="1F2328"/>
+              </a:solidFill>
+              <a:latin typeface="-apple-system"/>
+            </a:endParaRPr>
+          </a:p>
+          <a:p>
+            <a:pPr algn="l"/>
+            <a:r>
+              <a:rPr lang="en-US" altLang="ko-KR" b="0" i="0" dirty="0">
+                <a:solidFill>
+                  <a:srgbClr val="1F2328"/>
+                </a:solidFill>
+                <a:effectLst/>
+                <a:latin typeface="-apple-system"/>
+              </a:rPr>
+              <a:t>  4. </a:t>
+            </a:r>
+            <a:r>
+              <a:rPr lang="ko-KR" altLang="en-US" b="0" i="0" dirty="0">
+                <a:solidFill>
+                  <a:srgbClr val="1F2328"/>
+                </a:solidFill>
+                <a:effectLst/>
+                <a:latin typeface="-apple-system"/>
+              </a:rPr>
+              <a:t>글 수정</a:t>
+            </a:r>
+            <a:endParaRPr lang="en-US" altLang="ko-KR" b="0" i="0" dirty="0">
+              <a:solidFill>
+                <a:srgbClr val="1F2328"/>
+              </a:solidFill>
+              <a:effectLst/>
+              <a:latin typeface="-apple-system"/>
+            </a:endParaRPr>
+          </a:p>
+          <a:p>
+            <a:pPr algn="l"/>
+            <a:r>
+              <a:rPr lang="en-US" altLang="ko-KR" dirty="0">
+                <a:solidFill>
+                  <a:srgbClr val="1F2328"/>
+                </a:solidFill>
+                <a:latin typeface="-apple-system"/>
+              </a:rPr>
+              <a:t>  5. </a:t>
+            </a:r>
+            <a:r>
+              <a:rPr lang="ko-KR" altLang="en-US" dirty="0">
+                <a:solidFill>
+                  <a:srgbClr val="1F2328"/>
+                </a:solidFill>
+                <a:latin typeface="-apple-system"/>
+              </a:rPr>
+              <a:t>글 삭제</a:t>
+            </a:r>
+            <a:endParaRPr lang="en-US" altLang="ko-KR" dirty="0">
+              <a:solidFill>
+                <a:srgbClr val="1F2328"/>
+              </a:solidFill>
+              <a:latin typeface="-apple-system"/>
+            </a:endParaRPr>
+          </a:p>
+          <a:p>
+            <a:pPr algn="l"/>
+            <a:r>
+              <a:rPr lang="en-US" altLang="ko-KR" b="0" i="0" dirty="0">
+                <a:solidFill>
+                  <a:srgbClr val="1F2328"/>
+                </a:solidFill>
+                <a:effectLst/>
+                <a:latin typeface="-apple-system"/>
+              </a:rPr>
+              <a:t>  6. </a:t>
+            </a:r>
+            <a:r>
+              <a:rPr lang="ko-KR" altLang="en-US" b="0" i="0" dirty="0">
+                <a:solidFill>
+                  <a:srgbClr val="1F2328"/>
+                </a:solidFill>
+                <a:effectLst/>
+                <a:latin typeface="-apple-system"/>
+              </a:rPr>
+              <a:t>로그</a:t>
+            </a:r>
+            <a:endParaRPr lang="en-US" altLang="ko-KR" b="0" i="0" dirty="0">
+              <a:solidFill>
+                <a:srgbClr val="1F2328"/>
+              </a:solidFill>
+              <a:effectLst/>
+              <a:latin typeface="-apple-system"/>
+            </a:endParaRPr>
+          </a:p>
+          <a:p>
+            <a:pPr algn="l"/>
+            <a:r>
+              <a:rPr lang="en-US" altLang="ko-KR" dirty="0">
+                <a:solidFill>
+                  <a:srgbClr val="1F2328"/>
+                </a:solidFill>
+                <a:latin typeface="-apple-system"/>
+              </a:rPr>
+              <a:t>  7. </a:t>
+            </a:r>
+            <a:r>
+              <a:rPr lang="ko-KR" altLang="en-US" dirty="0">
+                <a:solidFill>
+                  <a:srgbClr val="1F2328"/>
+                </a:solidFill>
+                <a:latin typeface="-apple-system"/>
+              </a:rPr>
+              <a:t>댓글</a:t>
+            </a:r>
+            <a:endParaRPr lang="en-US" altLang="ko-KR" b="0" i="0" dirty="0">
+              <a:solidFill>
+                <a:srgbClr val="1F2328"/>
+              </a:solidFill>
+              <a:effectLst/>
+              <a:latin typeface="-apple-system"/>
+            </a:endParaRPr>
+          </a:p>
+          <a:p>
+            <a:pPr algn="l"/>
             <a:endParaRPr lang="ko-KR" altLang="en-US" b="0" i="0" dirty="0">
               <a:solidFill>
                 <a:srgbClr val="1F2328"/>
@@ -6459,57 +8133,544 @@
           </a:p>
         </p:txBody>
       </p:sp>
-      <p:pic>
-        <p:nvPicPr>
-          <p:cNvPr id="3074" name="Picture 2" descr="웹 구조 다이어그램">
-            <a:extLst>
-              <a:ext uri="{FF2B5EF4-FFF2-40B4-BE49-F238E27FC236}">
-                <a16:creationId xmlns:a16="http://schemas.microsoft.com/office/drawing/2014/main" id="{54AF1C89-3D6F-AC05-7477-405318580987}"/>
-              </a:ext>
-            </a:extLst>
-          </p:cNvPr>
-          <p:cNvPicPr>
-            <a:picLocks noChangeAspect="1" noChangeArrowheads="1"/>
-          </p:cNvPicPr>
+      <p:sp>
+        <p:nvSpPr>
+          <p:cNvPr id="5" name="TextBox 4">
+            <a:extLst>
+              <a:ext uri="{FF2B5EF4-FFF2-40B4-BE49-F238E27FC236}">
+                <a16:creationId xmlns:a16="http://schemas.microsoft.com/office/drawing/2014/main" id="{9172437C-8E19-A0F7-D7AA-738551DC42A4}"/>
+              </a:ext>
+            </a:extLst>
+          </p:cNvPr>
+          <p:cNvSpPr txBox="1"/>
           <p:nvPr/>
-        </p:nvPicPr>
-        <p:blipFill>
-          <a:blip r:embed="rId2">
-            <a:extLst>
-              <a:ext uri="{28A0092B-C50C-407E-A947-70E740481C1C}">
-                <a14:useLocalDpi xmlns:a14="http://schemas.microsoft.com/office/drawing/2010/main" val="0"/>
-              </a:ext>
-            </a:extLst>
-          </a:blip>
-          <a:srcRect/>
-          <a:stretch>
-            <a:fillRect/>
-          </a:stretch>
-        </p:blipFill>
-        <p:spPr bwMode="auto">
+        </p:nvSpPr>
+        <p:spPr>
           <a:xfrm>
-            <a:off x="1804988" y="947738"/>
-            <a:ext cx="8582025" cy="4962525"/>
+            <a:off x="6177886" y="1268427"/>
+            <a:ext cx="2008883" cy="2308324"/>
           </a:xfrm>
           <a:prstGeom prst="rect">
             <a:avLst/>
           </a:prstGeom>
           <a:noFill/>
-          <a:extLst>
-            <a:ext uri="{909E8E84-426E-40DD-AFC4-6F175D3DCCD1}">
-              <a14:hiddenFill xmlns:a14="http://schemas.microsoft.com/office/drawing/2010/main">
-                <a:solidFill>
-                  <a:srgbClr val="FFFFFF"/>
-                </a:solidFill>
-              </a14:hiddenFill>
-            </a:ext>
-          </a:extLst>
         </p:spPr>
-      </p:pic>
+        <p:txBody>
+          <a:bodyPr wrap="none" rtlCol="0">
+            <a:spAutoFit/>
+          </a:bodyPr>
+          <a:lstStyle/>
+          <a:p>
+            <a:pPr algn="ctr"/>
+            <a:r>
+              <a:rPr lang="ko-KR" altLang="en-US" b="0" i="0" dirty="0">
+                <a:solidFill>
+                  <a:srgbClr val="1F2328"/>
+                </a:solidFill>
+                <a:effectLst/>
+                <a:latin typeface="-apple-system"/>
+              </a:rPr>
+              <a:t>유저 관리 기능</a:t>
+            </a:r>
+            <a:endParaRPr lang="en-US" altLang="ko-KR" b="0" i="0" dirty="0">
+              <a:solidFill>
+                <a:srgbClr val="1F2328"/>
+              </a:solidFill>
+              <a:effectLst/>
+              <a:latin typeface="-apple-system"/>
+            </a:endParaRPr>
+          </a:p>
+          <a:p>
+            <a:pPr algn="l"/>
+            <a:r>
+              <a:rPr lang="en-US" altLang="ko-KR" dirty="0">
+                <a:solidFill>
+                  <a:srgbClr val="1F2328"/>
+                </a:solidFill>
+                <a:latin typeface="-apple-system"/>
+              </a:rPr>
+              <a:t>  1. </a:t>
+            </a:r>
+            <a:r>
+              <a:rPr lang="ko-KR" altLang="en-US" dirty="0">
+                <a:solidFill>
+                  <a:srgbClr val="1F2328"/>
+                </a:solidFill>
+                <a:latin typeface="-apple-system"/>
+              </a:rPr>
+              <a:t>회원 가입</a:t>
+            </a:r>
+            <a:endParaRPr lang="en-US" altLang="ko-KR" dirty="0">
+              <a:solidFill>
+                <a:srgbClr val="1F2328"/>
+              </a:solidFill>
+              <a:latin typeface="-apple-system"/>
+            </a:endParaRPr>
+          </a:p>
+          <a:p>
+            <a:pPr algn="l"/>
+            <a:r>
+              <a:rPr lang="en-US" altLang="ko-KR" dirty="0">
+                <a:solidFill>
+                  <a:srgbClr val="1F2328"/>
+                </a:solidFill>
+                <a:latin typeface="-apple-system"/>
+              </a:rPr>
+              <a:t>  2. </a:t>
+            </a:r>
+            <a:r>
+              <a:rPr lang="ko-KR" altLang="en-US" dirty="0">
+                <a:solidFill>
+                  <a:srgbClr val="1F2328"/>
+                </a:solidFill>
+                <a:latin typeface="-apple-system"/>
+              </a:rPr>
+              <a:t>로그인</a:t>
+            </a:r>
+            <a:endParaRPr lang="en-US" altLang="ko-KR" dirty="0">
+              <a:solidFill>
+                <a:srgbClr val="1F2328"/>
+              </a:solidFill>
+              <a:latin typeface="-apple-system"/>
+            </a:endParaRPr>
+          </a:p>
+          <a:p>
+            <a:pPr algn="l"/>
+            <a:r>
+              <a:rPr lang="en-US" altLang="ko-KR" dirty="0">
+                <a:solidFill>
+                  <a:srgbClr val="1F2328"/>
+                </a:solidFill>
+                <a:latin typeface="-apple-system"/>
+              </a:rPr>
+              <a:t>  3. </a:t>
+            </a:r>
+            <a:r>
+              <a:rPr lang="ko-KR" altLang="en-US" dirty="0">
+                <a:solidFill>
+                  <a:srgbClr val="1F2328"/>
+                </a:solidFill>
+                <a:latin typeface="-apple-system"/>
+              </a:rPr>
+              <a:t>로그아웃</a:t>
+            </a:r>
+            <a:endParaRPr lang="en-US" altLang="ko-KR" dirty="0">
+              <a:solidFill>
+                <a:srgbClr val="1F2328"/>
+              </a:solidFill>
+              <a:latin typeface="-apple-system"/>
+            </a:endParaRPr>
+          </a:p>
+          <a:p>
+            <a:pPr algn="l"/>
+            <a:r>
+              <a:rPr lang="en-US" altLang="ko-KR" dirty="0">
+                <a:solidFill>
+                  <a:srgbClr val="1F2328"/>
+                </a:solidFill>
+                <a:latin typeface="-apple-system"/>
+              </a:rPr>
+              <a:t>  4. </a:t>
+            </a:r>
+            <a:r>
+              <a:rPr lang="ko-KR" altLang="en-US" dirty="0">
+                <a:solidFill>
+                  <a:srgbClr val="1F2328"/>
+                </a:solidFill>
+                <a:latin typeface="-apple-system"/>
+              </a:rPr>
+              <a:t>자동 로그아웃</a:t>
+            </a:r>
+            <a:endParaRPr lang="en-US" altLang="ko-KR" dirty="0">
+              <a:solidFill>
+                <a:srgbClr val="1F2328"/>
+              </a:solidFill>
+              <a:latin typeface="-apple-system"/>
+            </a:endParaRPr>
+          </a:p>
+          <a:p>
+            <a:pPr algn="l"/>
+            <a:r>
+              <a:rPr lang="en-US" altLang="ko-KR" dirty="0">
+                <a:solidFill>
+                  <a:srgbClr val="1F2328"/>
+                </a:solidFill>
+                <a:latin typeface="-apple-system"/>
+              </a:rPr>
+              <a:t>  5. </a:t>
+            </a:r>
+            <a:r>
+              <a:rPr lang="ko-KR" altLang="en-US" dirty="0">
+                <a:solidFill>
+                  <a:srgbClr val="1F2328"/>
+                </a:solidFill>
+                <a:latin typeface="-apple-system"/>
+              </a:rPr>
+              <a:t>회원 정보 수정</a:t>
+            </a:r>
+            <a:endParaRPr lang="en-US" altLang="ko-KR" dirty="0">
+              <a:solidFill>
+                <a:srgbClr val="1F2328"/>
+              </a:solidFill>
+              <a:latin typeface="-apple-system"/>
+            </a:endParaRPr>
+          </a:p>
+          <a:p>
+            <a:pPr algn="l"/>
+            <a:r>
+              <a:rPr lang="en-US" altLang="ko-KR" dirty="0">
+                <a:solidFill>
+                  <a:srgbClr val="1F2328"/>
+                </a:solidFill>
+                <a:latin typeface="-apple-system"/>
+              </a:rPr>
+              <a:t>  6. </a:t>
+            </a:r>
+            <a:r>
+              <a:rPr lang="ko-KR" altLang="en-US" dirty="0">
+                <a:solidFill>
+                  <a:srgbClr val="1F2328"/>
+                </a:solidFill>
+                <a:latin typeface="-apple-system"/>
+              </a:rPr>
+              <a:t>회원 탈퇴</a:t>
+            </a:r>
+            <a:endParaRPr lang="en-US" altLang="ko-KR" dirty="0">
+              <a:solidFill>
+                <a:srgbClr val="1F2328"/>
+              </a:solidFill>
+              <a:latin typeface="-apple-system"/>
+            </a:endParaRPr>
+          </a:p>
+          <a:p>
+            <a:pPr algn="l"/>
+            <a:r>
+              <a:rPr lang="en-US" altLang="ko-KR" dirty="0">
+                <a:solidFill>
+                  <a:srgbClr val="1F2328"/>
+                </a:solidFill>
+                <a:latin typeface="-apple-system"/>
+              </a:rPr>
+              <a:t>  7. </a:t>
+            </a:r>
+            <a:r>
+              <a:rPr lang="ko-KR" altLang="en-US" dirty="0">
+                <a:solidFill>
+                  <a:srgbClr val="1F2328"/>
+                </a:solidFill>
+                <a:latin typeface="-apple-system"/>
+              </a:rPr>
+              <a:t>로그</a:t>
+            </a:r>
+            <a:endParaRPr lang="en-US" altLang="ko-KR" dirty="0">
+              <a:solidFill>
+                <a:srgbClr val="1F2328"/>
+              </a:solidFill>
+              <a:latin typeface="-apple-system"/>
+            </a:endParaRPr>
+          </a:p>
+        </p:txBody>
+      </p:sp>
+      <p:sp>
+        <p:nvSpPr>
+          <p:cNvPr id="7" name="TextBox 6">
+            <a:extLst>
+              <a:ext uri="{FF2B5EF4-FFF2-40B4-BE49-F238E27FC236}">
+                <a16:creationId xmlns:a16="http://schemas.microsoft.com/office/drawing/2014/main" id="{96505554-F4BC-A32C-BC3E-031E91A2EDAE}"/>
+              </a:ext>
+            </a:extLst>
+          </p:cNvPr>
+          <p:cNvSpPr txBox="1"/>
+          <p:nvPr/>
+        </p:nvSpPr>
+        <p:spPr>
+          <a:xfrm>
+            <a:off x="8735290" y="1268427"/>
+            <a:ext cx="2523448" cy="2031325"/>
+          </a:xfrm>
+          <a:prstGeom prst="rect">
+            <a:avLst/>
+          </a:prstGeom>
+          <a:noFill/>
+        </p:spPr>
+        <p:txBody>
+          <a:bodyPr wrap="none" rtlCol="0">
+            <a:spAutoFit/>
+          </a:bodyPr>
+          <a:lstStyle/>
+          <a:p>
+            <a:pPr algn="ctr"/>
+            <a:r>
+              <a:rPr lang="ko-KR" altLang="en-US" b="0" i="0" dirty="0">
+                <a:solidFill>
+                  <a:srgbClr val="1F2328"/>
+                </a:solidFill>
+                <a:effectLst/>
+                <a:latin typeface="-apple-system"/>
+              </a:rPr>
+              <a:t>웹 구조</a:t>
+            </a:r>
+            <a:endParaRPr lang="en-US" altLang="ko-KR" b="0" i="0" dirty="0">
+              <a:solidFill>
+                <a:srgbClr val="1F2328"/>
+              </a:solidFill>
+              <a:effectLst/>
+              <a:latin typeface="-apple-system"/>
+            </a:endParaRPr>
+          </a:p>
+          <a:p>
+            <a:pPr algn="l"/>
+            <a:r>
+              <a:rPr lang="en-US" altLang="ko-KR" dirty="0">
+                <a:solidFill>
+                  <a:srgbClr val="1F2328"/>
+                </a:solidFill>
+                <a:latin typeface="-apple-system"/>
+              </a:rPr>
+              <a:t>  1. </a:t>
+            </a:r>
+            <a:r>
+              <a:rPr lang="ko-KR" altLang="en-US" dirty="0" err="1">
+                <a:solidFill>
+                  <a:srgbClr val="1F2328"/>
+                </a:solidFill>
+                <a:latin typeface="-apple-system"/>
+              </a:rPr>
+              <a:t>파비콘</a:t>
+            </a:r>
+            <a:endParaRPr lang="en-US" altLang="ko-KR" dirty="0">
+              <a:solidFill>
+                <a:srgbClr val="1F2328"/>
+              </a:solidFill>
+              <a:latin typeface="-apple-system"/>
+            </a:endParaRPr>
+          </a:p>
+          <a:p>
+            <a:pPr algn="l"/>
+            <a:r>
+              <a:rPr lang="en-US" altLang="ko-KR" b="0" i="0" dirty="0">
+                <a:solidFill>
+                  <a:srgbClr val="1F2328"/>
+                </a:solidFill>
+                <a:effectLst/>
+                <a:latin typeface="-apple-system"/>
+              </a:rPr>
+              <a:t>  2. </a:t>
+            </a:r>
+            <a:r>
+              <a:rPr lang="ko-KR" altLang="en-US" b="0" i="0" dirty="0">
+                <a:solidFill>
+                  <a:srgbClr val="1F2328"/>
+                </a:solidFill>
+                <a:effectLst/>
+                <a:latin typeface="-apple-system"/>
+              </a:rPr>
+              <a:t>로고</a:t>
+            </a:r>
+            <a:endParaRPr lang="en-US" altLang="ko-KR" b="0" i="0" dirty="0">
+              <a:solidFill>
+                <a:srgbClr val="1F2328"/>
+              </a:solidFill>
+              <a:effectLst/>
+              <a:latin typeface="-apple-system"/>
+            </a:endParaRPr>
+          </a:p>
+          <a:p>
+            <a:pPr algn="l"/>
+            <a:r>
+              <a:rPr lang="en-US" altLang="ko-KR" dirty="0">
+                <a:solidFill>
+                  <a:srgbClr val="1F2328"/>
+                </a:solidFill>
+                <a:latin typeface="-apple-system"/>
+              </a:rPr>
+              <a:t>  3. </a:t>
+            </a:r>
+            <a:r>
+              <a:rPr lang="ko-KR" altLang="en-US" dirty="0">
+                <a:solidFill>
+                  <a:srgbClr val="1F2328"/>
+                </a:solidFill>
+                <a:latin typeface="-apple-system"/>
+              </a:rPr>
+              <a:t>헤더</a:t>
+            </a:r>
+            <a:endParaRPr lang="en-US" altLang="ko-KR" dirty="0">
+              <a:solidFill>
+                <a:srgbClr val="1F2328"/>
+              </a:solidFill>
+              <a:latin typeface="-apple-system"/>
+            </a:endParaRPr>
+          </a:p>
+          <a:p>
+            <a:pPr algn="l"/>
+            <a:r>
+              <a:rPr lang="en-US" altLang="ko-KR" b="0" i="0" dirty="0">
+                <a:solidFill>
+                  <a:srgbClr val="1F2328"/>
+                </a:solidFill>
+                <a:effectLst/>
+                <a:latin typeface="-apple-system"/>
+              </a:rPr>
+              <a:t>  4. </a:t>
+            </a:r>
+            <a:r>
+              <a:rPr lang="ko-KR" altLang="en-US" b="0" i="0" dirty="0" err="1">
+                <a:solidFill>
+                  <a:srgbClr val="1F2328"/>
+                </a:solidFill>
+                <a:effectLst/>
+                <a:latin typeface="-apple-system"/>
+              </a:rPr>
+              <a:t>네비</a:t>
+            </a:r>
+            <a:endParaRPr lang="en-US" altLang="ko-KR" b="0" i="0" dirty="0">
+              <a:solidFill>
+                <a:srgbClr val="1F2328"/>
+              </a:solidFill>
+              <a:effectLst/>
+              <a:latin typeface="-apple-system"/>
+            </a:endParaRPr>
+          </a:p>
+          <a:p>
+            <a:pPr algn="l"/>
+            <a:r>
+              <a:rPr lang="en-US" altLang="ko-KR" dirty="0">
+                <a:solidFill>
+                  <a:srgbClr val="1F2328"/>
+                </a:solidFill>
+                <a:latin typeface="-apple-system"/>
+              </a:rPr>
+              <a:t>  5. </a:t>
+            </a:r>
+            <a:r>
+              <a:rPr lang="ko-KR" altLang="en-US" dirty="0" err="1">
+                <a:solidFill>
+                  <a:srgbClr val="1F2328"/>
+                </a:solidFill>
+                <a:latin typeface="-apple-system"/>
+              </a:rPr>
+              <a:t>푸터</a:t>
+            </a:r>
+            <a:endParaRPr lang="en-US" altLang="ko-KR" dirty="0">
+              <a:solidFill>
+                <a:srgbClr val="1F2328"/>
+              </a:solidFill>
+              <a:latin typeface="-apple-system"/>
+            </a:endParaRPr>
+          </a:p>
+          <a:p>
+            <a:pPr algn="l"/>
+            <a:r>
+              <a:rPr lang="en-US" altLang="ko-KR" b="0" i="0" dirty="0">
+                <a:solidFill>
+                  <a:srgbClr val="1F2328"/>
+                </a:solidFill>
+                <a:effectLst/>
+                <a:latin typeface="-apple-system"/>
+              </a:rPr>
+              <a:t>  6. </a:t>
+            </a:r>
+            <a:r>
+              <a:rPr lang="ko-KR" altLang="en-US" b="0" i="0" dirty="0">
+                <a:solidFill>
+                  <a:srgbClr val="1F2328"/>
+                </a:solidFill>
+                <a:effectLst/>
+                <a:latin typeface="-apple-system"/>
+              </a:rPr>
+              <a:t>각 게시판 상세 기능</a:t>
+            </a:r>
+          </a:p>
+        </p:txBody>
+      </p:sp>
+      <p:sp>
+        <p:nvSpPr>
+          <p:cNvPr id="8" name="직사각형 7">
+            <a:extLst>
+              <a:ext uri="{FF2B5EF4-FFF2-40B4-BE49-F238E27FC236}">
+                <a16:creationId xmlns:a16="http://schemas.microsoft.com/office/drawing/2014/main" id="{595492EA-46DB-0F88-A3E2-1ED4CD7EE728}"/>
+              </a:ext>
+            </a:extLst>
+          </p:cNvPr>
+          <p:cNvSpPr/>
+          <p:nvPr/>
+        </p:nvSpPr>
+        <p:spPr>
+          <a:xfrm>
+            <a:off x="1" y="3879273"/>
+            <a:ext cx="12192000" cy="2978727"/>
+          </a:xfrm>
+          <a:prstGeom prst="rect">
+            <a:avLst/>
+          </a:prstGeom>
+          <a:solidFill>
+            <a:srgbClr val="FF0000">
+              <a:alpha val="38000"/>
+            </a:srgbClr>
+          </a:solidFill>
+          <a:ln>
+            <a:noFill/>
+          </a:ln>
+        </p:spPr>
+        <p:style>
+          <a:lnRef idx="2">
+            <a:schemeClr val="accent1">
+              <a:shade val="15000"/>
+            </a:schemeClr>
+          </a:lnRef>
+          <a:fillRef idx="1">
+            <a:schemeClr val="accent1"/>
+          </a:fillRef>
+          <a:effectRef idx="0">
+            <a:schemeClr val="accent1"/>
+          </a:effectRef>
+          <a:fontRef idx="minor">
+            <a:schemeClr val="lt1"/>
+          </a:fontRef>
+        </p:style>
+        <p:txBody>
+          <a:bodyPr rtlCol="0" anchor="ctr"/>
+          <a:lstStyle/>
+          <a:p>
+            <a:pPr algn="ctr"/>
+            <a:endParaRPr lang="ko-KR" altLang="en-US"/>
+          </a:p>
+        </p:txBody>
+      </p:sp>
+      <p:sp>
+        <p:nvSpPr>
+          <p:cNvPr id="9" name="슬라이드 번호 개체 틀 8">
+            <a:extLst>
+              <a:ext uri="{FF2B5EF4-FFF2-40B4-BE49-F238E27FC236}">
+                <a16:creationId xmlns:a16="http://schemas.microsoft.com/office/drawing/2014/main" id="{79D1DC72-DD7A-7226-7A89-AC9DEF8D222B}"/>
+              </a:ext>
+            </a:extLst>
+          </p:cNvPr>
+          <p:cNvSpPr>
+            <a:spLocks noGrp="1"/>
+          </p:cNvSpPr>
+          <p:nvPr>
+            <p:ph type="sldNum" sz="quarter" idx="12"/>
+          </p:nvPr>
+        </p:nvSpPr>
+        <p:spPr/>
+        <p:txBody>
+          <a:bodyPr/>
+          <a:lstStyle/>
+          <a:p>
+            <a:fld id="{2C8717AA-CA35-48FD-B163-EFD5D6642515}" type="slidenum">
+              <a:rPr lang="ko-KR" altLang="en-US" smtClean="0"/>
+              <a:t>7</a:t>
+            </a:fld>
+            <a:endParaRPr lang="ko-KR" altLang="en-US"/>
+          </a:p>
+        </p:txBody>
+      </p:sp>
     </p:spTree>
     <p:extLst>
       <p:ext uri="{BB962C8B-B14F-4D97-AF65-F5344CB8AC3E}">
-        <p14:creationId xmlns:p14="http://schemas.microsoft.com/office/powerpoint/2010/main" val="3901379917"/>
+        <p14:creationId xmlns:p14="http://schemas.microsoft.com/office/powerpoint/2010/main" val="3801910442"/>
       </p:ext>
     </p:extLst>
   </p:cSld>
@@ -6603,7 +8764,7 @@
         <p:spPr>
           <a:xfrm>
             <a:off x="179180" y="369332"/>
-            <a:ext cx="2977097" cy="646331"/>
+            <a:ext cx="1226041" cy="369332"/>
           </a:xfrm>
           <a:prstGeom prst="rect">
             <a:avLst/>
@@ -6618,56 +8779,13 @@
           <a:p>
             <a:pPr algn="l"/>
             <a:r>
-              <a:rPr lang="ko-KR" altLang="en-US" b="0" i="0" dirty="0">
-                <a:solidFill>
-                  <a:srgbClr val="1F2328"/>
-                </a:solidFill>
-                <a:effectLst/>
-                <a:latin typeface="-apple-system"/>
-              </a:rPr>
-              <a:t>테이블 정의서</a:t>
-            </a:r>
-            <a:r>
-              <a:rPr lang="en-US" altLang="ko-KR" b="0" i="0" dirty="0">
-                <a:solidFill>
-                  <a:srgbClr val="1F2328"/>
-                </a:solidFill>
-                <a:effectLst/>
-                <a:latin typeface="-apple-system"/>
-              </a:rPr>
-              <a:t>(</a:t>
-            </a:r>
-            <a:r>
-              <a:rPr lang="ko-KR" altLang="en-US" b="0" i="0" dirty="0">
-                <a:solidFill>
-                  <a:srgbClr val="1F2328"/>
-                </a:solidFill>
-                <a:effectLst/>
-                <a:latin typeface="-apple-system"/>
-              </a:rPr>
-              <a:t>만들어야 됨</a:t>
-            </a:r>
-            <a:r>
-              <a:rPr lang="en-US" altLang="ko-KR" b="0" i="0" dirty="0">
-                <a:solidFill>
-                  <a:srgbClr val="1F2328"/>
-                </a:solidFill>
-                <a:effectLst/>
-                <a:latin typeface="-apple-system"/>
-              </a:rPr>
-              <a:t>)</a:t>
-            </a:r>
-          </a:p>
-          <a:p>
-            <a:pPr algn="l"/>
-            <a:r>
               <a:rPr lang="en-US" altLang="ko-KR" dirty="0">
                 <a:solidFill>
                   <a:srgbClr val="1F2328"/>
                 </a:solidFill>
                 <a:latin typeface="-apple-system"/>
               </a:rPr>
-              <a:t>ER </a:t>
+              <a:t>Gantt </a:t>
             </a:r>
             <a:r>
               <a:rPr lang="ko-KR" altLang="en-US" dirty="0">
@@ -6676,34 +8794,7 @@
                 </a:solidFill>
                 <a:latin typeface="-apple-system"/>
               </a:rPr>
-              <a:t>다이어그램</a:t>
-            </a:r>
-            <a:r>
-              <a:rPr lang="en-US" altLang="ko-KR" dirty="0">
-                <a:solidFill>
-                  <a:srgbClr val="1F2328"/>
-                </a:solidFill>
-                <a:latin typeface="-apple-system"/>
-              </a:rPr>
-              <a:t>(</a:t>
-            </a:r>
-            <a:r>
-              <a:rPr lang="ko-KR" altLang="en-US" dirty="0">
-                <a:solidFill>
-                  <a:srgbClr val="1F2328"/>
-                </a:solidFill>
-                <a:latin typeface="-apple-system"/>
-              </a:rPr>
-              <a:t>만들어야 됨</a:t>
-            </a:r>
-            <a:r>
-              <a:rPr lang="en-US" altLang="ko-KR" dirty="0">
-                <a:solidFill>
-                  <a:srgbClr val="1F2328"/>
-                </a:solidFill>
-                <a:latin typeface="-apple-system"/>
-              </a:rPr>
-              <a:t>)</a:t>
+              <a:t>차트</a:t>
             </a:r>
             <a:endParaRPr lang="ko-KR" altLang="en-US" b="0" i="0" dirty="0">
               <a:solidFill>
@@ -6715,10 +8806,140 @@
           </a:p>
         </p:txBody>
       </p:sp>
+      <p:pic>
+        <p:nvPicPr>
+          <p:cNvPr id="1026" name="Picture 2" descr="Gantt Chart">
+            <a:extLst>
+              <a:ext uri="{FF2B5EF4-FFF2-40B4-BE49-F238E27FC236}">
+                <a16:creationId xmlns:a16="http://schemas.microsoft.com/office/drawing/2014/main" id="{90214CEA-5926-EC07-2556-F9BEA182B71C}"/>
+              </a:ext>
+            </a:extLst>
+          </p:cNvPr>
+          <p:cNvPicPr>
+            <a:picLocks noChangeAspect="1" noChangeArrowheads="1"/>
+          </p:cNvPicPr>
+          <p:nvPr/>
+        </p:nvPicPr>
+        <p:blipFill>
+          <a:blip r:embed="rId2">
+            <a:extLst>
+              <a:ext uri="{28A0092B-C50C-407E-A947-70E740481C1C}">
+                <a14:useLocalDpi xmlns:a14="http://schemas.microsoft.com/office/drawing/2010/main" val="0"/>
+              </a:ext>
+            </a:extLst>
+          </a:blip>
+          <a:srcRect/>
+          <a:stretch>
+            <a:fillRect/>
+          </a:stretch>
+        </p:blipFill>
+        <p:spPr bwMode="auto">
+          <a:xfrm>
+            <a:off x="0" y="1837315"/>
+            <a:ext cx="12192000" cy="1978025"/>
+          </a:xfrm>
+          <a:prstGeom prst="rect">
+            <a:avLst/>
+          </a:prstGeom>
+          <a:noFill/>
+          <a:extLst>
+            <a:ext uri="{909E8E84-426E-40DD-AFC4-6F175D3DCCD1}">
+              <a14:hiddenFill xmlns:a14="http://schemas.microsoft.com/office/drawing/2010/main">
+                <a:solidFill>
+                  <a:srgbClr val="FFFFFF"/>
+                </a:solidFill>
+              </a14:hiddenFill>
+            </a:ext>
+          </a:extLst>
+        </p:spPr>
+      </p:pic>
+      <p:sp>
+        <p:nvSpPr>
+          <p:cNvPr id="3" name="직사각형 2">
+            <a:extLst>
+              <a:ext uri="{FF2B5EF4-FFF2-40B4-BE49-F238E27FC236}">
+                <a16:creationId xmlns:a16="http://schemas.microsoft.com/office/drawing/2014/main" id="{D3CEBB55-BC0C-86F6-E19F-D552B70460EA}"/>
+              </a:ext>
+            </a:extLst>
+          </p:cNvPr>
+          <p:cNvSpPr/>
+          <p:nvPr/>
+        </p:nvSpPr>
+        <p:spPr>
+          <a:xfrm>
+            <a:off x="1" y="3879273"/>
+            <a:ext cx="12192000" cy="2978727"/>
+          </a:xfrm>
+          <a:prstGeom prst="rect">
+            <a:avLst/>
+          </a:prstGeom>
+          <a:solidFill>
+            <a:srgbClr val="FF0000">
+              <a:alpha val="38000"/>
+            </a:srgbClr>
+          </a:solidFill>
+          <a:ln>
+            <a:noFill/>
+          </a:ln>
+        </p:spPr>
+        <p:style>
+          <a:lnRef idx="2">
+            <a:schemeClr val="accent1">
+              <a:shade val="15000"/>
+            </a:schemeClr>
+          </a:lnRef>
+          <a:fillRef idx="1">
+            <a:schemeClr val="accent1"/>
+          </a:fillRef>
+          <a:effectRef idx="0">
+            <a:schemeClr val="accent1"/>
+          </a:effectRef>
+          <a:fontRef idx="minor">
+            <a:schemeClr val="lt1"/>
+          </a:fontRef>
+        </p:style>
+        <p:txBody>
+          <a:bodyPr rtlCol="0" anchor="ctr"/>
+          <a:lstStyle/>
+          <a:p>
+            <a:pPr algn="ctr"/>
+            <a:endParaRPr lang="ko-KR" altLang="en-US"/>
+          </a:p>
+        </p:txBody>
+      </p:sp>
+      <p:sp>
+        <p:nvSpPr>
+          <p:cNvPr id="4" name="슬라이드 번호 개체 틀 3">
+            <a:extLst>
+              <a:ext uri="{FF2B5EF4-FFF2-40B4-BE49-F238E27FC236}">
+                <a16:creationId xmlns:a16="http://schemas.microsoft.com/office/drawing/2014/main" id="{5F726EB1-30CD-8A46-AF87-CFC618D8A35E}"/>
+              </a:ext>
+            </a:extLst>
+          </p:cNvPr>
+          <p:cNvSpPr>
+            <a:spLocks noGrp="1"/>
+          </p:cNvSpPr>
+          <p:nvPr>
+            <p:ph type="sldNum" sz="quarter" idx="12"/>
+          </p:nvPr>
+        </p:nvSpPr>
+        <p:spPr/>
+        <p:txBody>
+          <a:bodyPr/>
+          <a:lstStyle/>
+          <a:p>
+            <a:fld id="{2C8717AA-CA35-48FD-B163-EFD5D6642515}" type="slidenum">
+              <a:rPr lang="ko-KR" altLang="en-US" smtClean="0"/>
+              <a:t>8</a:t>
+            </a:fld>
+            <a:endParaRPr lang="ko-KR" altLang="en-US"/>
+          </a:p>
+        </p:txBody>
+      </p:sp>
     </p:spTree>
     <p:extLst>
       <p:ext uri="{BB962C8B-B14F-4D97-AF65-F5344CB8AC3E}">
-        <p14:creationId xmlns:p14="http://schemas.microsoft.com/office/powerpoint/2010/main" val="62802894"/>
+        <p14:creationId xmlns:p14="http://schemas.microsoft.com/office/powerpoint/2010/main" val="2536471545"/>
       </p:ext>
     </p:extLst>
   </p:cSld>
@@ -6812,7 +9033,7 @@
         <p:spPr>
           <a:xfrm>
             <a:off x="179180" y="369332"/>
-            <a:ext cx="1239442" cy="369332"/>
+            <a:ext cx="2137124" cy="369332"/>
           </a:xfrm>
           <a:prstGeom prst="rect">
             <a:avLst/>
@@ -6827,13 +9048,14 @@
           <a:p>
             <a:pPr algn="l"/>
             <a:r>
-              <a:rPr lang="en-US" altLang="ko-KR" dirty="0">
-                <a:solidFill>
-                  <a:srgbClr val="1F2328"/>
-                </a:solidFill>
-                <a:latin typeface="-apple-system"/>
-              </a:rPr>
-              <a:t>API</a:t>
+              <a:rPr lang="ko-KR" altLang="en-US" b="0" i="0" dirty="0">
+                <a:solidFill>
+                  <a:srgbClr val="1F2328"/>
+                </a:solidFill>
+                <a:effectLst/>
+                <a:latin typeface="-apple-system"/>
+              </a:rPr>
+              <a:t>웹 </a:t>
             </a:r>
             <a:r>
               <a:rPr lang="ko-KR" altLang="en-US" dirty="0">
@@ -6842,7 +9064,7 @@
                 </a:solidFill>
                 <a:latin typeface="-apple-system"/>
               </a:rPr>
-              <a:t> 명세서</a:t>
+              <a:t>구조 다이어그램</a:t>
             </a:r>
             <a:endParaRPr lang="ko-KR" altLang="en-US" b="0" i="0" dirty="0">
               <a:solidFill>
@@ -6856,10 +9078,10 @@
       </p:sp>
       <p:pic>
         <p:nvPicPr>
-          <p:cNvPr id="4098" name="Picture 2" descr="영화진흥위원회">
-            <a:extLst>
-              <a:ext uri="{FF2B5EF4-FFF2-40B4-BE49-F238E27FC236}">
-                <a16:creationId xmlns:a16="http://schemas.microsoft.com/office/drawing/2014/main" id="{430A8710-9637-BF3D-7CD1-6DFDC9EDF367}"/>
+          <p:cNvPr id="3074" name="Picture 2" descr="웹 구조 다이어그램">
+            <a:extLst>
+              <a:ext uri="{FF2B5EF4-FFF2-40B4-BE49-F238E27FC236}">
+                <a16:creationId xmlns:a16="http://schemas.microsoft.com/office/drawing/2014/main" id="{54AF1C89-3D6F-AC05-7477-405318580987}"/>
               </a:ext>
             </a:extLst>
           </p:cNvPr>
@@ -6883,8 +9105,8 @@
         </p:blipFill>
         <p:spPr bwMode="auto">
           <a:xfrm>
-            <a:off x="1449838" y="1921020"/>
-            <a:ext cx="1724025" cy="314325"/>
+            <a:off x="1804988" y="947738"/>
+            <a:ext cx="8582025" cy="4962525"/>
           </a:xfrm>
           <a:prstGeom prst="rect">
             <a:avLst/>
@@ -6901,176 +9123,93 @@
           </a:extLst>
         </p:spPr>
       </p:pic>
-      <p:pic>
-        <p:nvPicPr>
-          <p:cNvPr id="7" name="그림 6">
-            <a:extLst>
-              <a:ext uri="{FF2B5EF4-FFF2-40B4-BE49-F238E27FC236}">
-                <a16:creationId xmlns:a16="http://schemas.microsoft.com/office/drawing/2014/main" id="{93F93F04-E408-78A3-D7F7-4107CB335EDC}"/>
-              </a:ext>
-            </a:extLst>
-          </p:cNvPr>
-          <p:cNvPicPr>
-            <a:picLocks noChangeAspect="1"/>
-          </p:cNvPicPr>
+      <p:sp>
+        <p:nvSpPr>
+          <p:cNvPr id="3" name="직사각형 2">
+            <a:extLst>
+              <a:ext uri="{FF2B5EF4-FFF2-40B4-BE49-F238E27FC236}">
+                <a16:creationId xmlns:a16="http://schemas.microsoft.com/office/drawing/2014/main" id="{1476DEBF-DF87-62C0-7309-D2792672CF88}"/>
+              </a:ext>
+            </a:extLst>
+          </p:cNvPr>
+          <p:cNvSpPr/>
           <p:nvPr/>
-        </p:nvPicPr>
-        <p:blipFill>
-          <a:blip r:embed="rId3"/>
-          <a:stretch>
-            <a:fillRect/>
-          </a:stretch>
-        </p:blipFill>
+        </p:nvSpPr>
         <p:spPr>
           <a:xfrm>
-            <a:off x="8323077" y="1921020"/>
-            <a:ext cx="1600282" cy="323867"/>
+            <a:off x="1" y="3879273"/>
+            <a:ext cx="12192000" cy="2978727"/>
           </a:xfrm>
           <a:prstGeom prst="rect">
             <a:avLst/>
           </a:prstGeom>
+          <a:solidFill>
+            <a:srgbClr val="FF0000">
+              <a:alpha val="38000"/>
+            </a:srgbClr>
+          </a:solidFill>
+          <a:ln>
+            <a:noFill/>
+          </a:ln>
         </p:spPr>
-      </p:pic>
-      <p:sp>
-        <p:nvSpPr>
-          <p:cNvPr id="8" name="TextBox 7">
-            <a:extLst>
-              <a:ext uri="{FF2B5EF4-FFF2-40B4-BE49-F238E27FC236}">
-                <a16:creationId xmlns:a16="http://schemas.microsoft.com/office/drawing/2014/main" id="{CCEEDE17-D2E1-8D36-8E1B-3BC60D565C39}"/>
-              </a:ext>
-            </a:extLst>
-          </p:cNvPr>
-          <p:cNvSpPr txBox="1"/>
-          <p:nvPr/>
-        </p:nvSpPr>
-        <p:spPr>
-          <a:xfrm>
-            <a:off x="1358704" y="2475222"/>
-            <a:ext cx="1906291" cy="646331"/>
-          </a:xfrm>
-          <a:prstGeom prst="rect">
-            <a:avLst/>
-          </a:prstGeom>
-          <a:noFill/>
-        </p:spPr>
-        <p:txBody>
-          <a:bodyPr wrap="none" rtlCol="0">
-            <a:spAutoFit/>
-          </a:bodyPr>
-          <a:lstStyle/>
-          <a:p>
-            <a:pPr algn="l"/>
-            <a:r>
-              <a:rPr lang="ko-KR" altLang="en-US" dirty="0">
-                <a:solidFill>
-                  <a:srgbClr val="1F2328"/>
-                </a:solidFill>
-                <a:latin typeface="-apple-system"/>
-              </a:rPr>
-              <a:t>일일 영화 데이터</a:t>
-            </a:r>
-            <a:endParaRPr lang="en-US" altLang="ko-KR" dirty="0">
-              <a:solidFill>
-                <a:srgbClr val="1F2328"/>
-              </a:solidFill>
-              <a:latin typeface="-apple-system"/>
-            </a:endParaRPr>
-          </a:p>
-          <a:p>
-            <a:pPr algn="l"/>
-            <a:r>
-              <a:rPr lang="ko-KR" altLang="en-US" b="0" i="0" dirty="0">
-                <a:solidFill>
-                  <a:srgbClr val="1F2328"/>
-                </a:solidFill>
-                <a:effectLst/>
-                <a:latin typeface="-apple-system"/>
-              </a:rPr>
-              <a:t>영화 세부 정보</a:t>
-            </a:r>
-          </a:p>
-        </p:txBody>
-      </p:sp>
-      <p:sp>
-        <p:nvSpPr>
-          <p:cNvPr id="9" name="TextBox 8">
-            <a:extLst>
-              <a:ext uri="{FF2B5EF4-FFF2-40B4-BE49-F238E27FC236}">
-                <a16:creationId xmlns:a16="http://schemas.microsoft.com/office/drawing/2014/main" id="{88DDDE12-F872-0791-4546-2DB82206F563}"/>
-              </a:ext>
-            </a:extLst>
-          </p:cNvPr>
-          <p:cNvSpPr txBox="1"/>
-          <p:nvPr/>
-        </p:nvSpPr>
-        <p:spPr>
-          <a:xfrm>
-            <a:off x="8170072" y="2475223"/>
-            <a:ext cx="1391728" cy="646331"/>
-          </a:xfrm>
-          <a:prstGeom prst="rect">
-            <a:avLst/>
-          </a:prstGeom>
-          <a:noFill/>
-        </p:spPr>
-        <p:txBody>
-          <a:bodyPr wrap="none" rtlCol="0">
-            <a:spAutoFit/>
-          </a:bodyPr>
-          <a:lstStyle/>
-          <a:p>
-            <a:pPr algn="l"/>
-            <a:r>
-              <a:rPr lang="ko-KR" altLang="en-US" dirty="0">
-                <a:solidFill>
-                  <a:srgbClr val="1F2328"/>
-                </a:solidFill>
-                <a:latin typeface="-apple-system"/>
-              </a:rPr>
-              <a:t>영화 포스터</a:t>
-            </a:r>
-            <a:endParaRPr lang="en-US" altLang="ko-KR" dirty="0">
-              <a:solidFill>
-                <a:srgbClr val="1F2328"/>
-              </a:solidFill>
-              <a:latin typeface="-apple-system"/>
-            </a:endParaRPr>
-          </a:p>
-          <a:p>
-            <a:pPr algn="l"/>
-            <a:r>
-              <a:rPr lang="ko-KR" altLang="en-US" b="0" i="0" dirty="0">
-                <a:solidFill>
-                  <a:srgbClr val="1F2328"/>
-                </a:solidFill>
-                <a:effectLst/>
-                <a:latin typeface="-apple-system"/>
-              </a:rPr>
-              <a:t>영화 </a:t>
-            </a:r>
-            <a:r>
-              <a:rPr lang="ko-KR" altLang="en-US" dirty="0">
-                <a:solidFill>
-                  <a:srgbClr val="1F2328"/>
-                </a:solidFill>
-                <a:latin typeface="-apple-system"/>
-              </a:rPr>
-              <a:t>평점</a:t>
-            </a:r>
-            <a:endParaRPr lang="ko-KR" altLang="en-US" b="0" i="0" dirty="0">
-              <a:solidFill>
-                <a:srgbClr val="1F2328"/>
-              </a:solidFill>
-              <a:effectLst/>
-              <a:latin typeface="-apple-system"/>
-            </a:endParaRPr>
+        <p:style>
+          <a:lnRef idx="2">
+            <a:schemeClr val="accent1">
+              <a:shade val="15000"/>
+            </a:schemeClr>
+          </a:lnRef>
+          <a:fillRef idx="1">
+            <a:schemeClr val="accent1"/>
+          </a:fillRef>
+          <a:effectRef idx="0">
+            <a:schemeClr val="accent1"/>
+          </a:effectRef>
+          <a:fontRef idx="minor">
+            <a:schemeClr val="lt1"/>
+          </a:fontRef>
+        </p:style>
+        <p:txBody>
+          <a:bodyPr rtlCol="0" anchor="ctr"/>
+          <a:lstStyle/>
+          <a:p>
+            <a:pPr algn="ctr"/>
+            <a:endParaRPr lang="ko-KR" altLang="en-US"/>
+          </a:p>
+        </p:txBody>
+      </p:sp>
+      <p:sp>
+        <p:nvSpPr>
+          <p:cNvPr id="4" name="슬라이드 번호 개체 틀 3">
+            <a:extLst>
+              <a:ext uri="{FF2B5EF4-FFF2-40B4-BE49-F238E27FC236}">
+                <a16:creationId xmlns:a16="http://schemas.microsoft.com/office/drawing/2014/main" id="{CD24C784-BA5E-B6C3-E26D-2562B3B93E0B}"/>
+              </a:ext>
+            </a:extLst>
+          </p:cNvPr>
+          <p:cNvSpPr>
+            <a:spLocks noGrp="1"/>
+          </p:cNvSpPr>
+          <p:nvPr>
+            <p:ph type="sldNum" sz="quarter" idx="12"/>
+          </p:nvPr>
+        </p:nvSpPr>
+        <p:spPr/>
+        <p:txBody>
+          <a:bodyPr/>
+          <a:lstStyle/>
+          <a:p>
+            <a:fld id="{2C8717AA-CA35-48FD-B163-EFD5D6642515}" type="slidenum">
+              <a:rPr lang="ko-KR" altLang="en-US" smtClean="0"/>
+              <a:t>9</a:t>
+            </a:fld>
+            <a:endParaRPr lang="ko-KR" altLang="en-US"/>
           </a:p>
         </p:txBody>
       </p:sp>
     </p:spTree>
     <p:extLst>
       <p:ext uri="{BB962C8B-B14F-4D97-AF65-F5344CB8AC3E}">
-        <p14:creationId xmlns:p14="http://schemas.microsoft.com/office/powerpoint/2010/main" val="322503723"/>
+        <p14:creationId xmlns:p14="http://schemas.microsoft.com/office/powerpoint/2010/main" val="3901379917"/>
       </p:ext>
     </p:extLst>
   </p:cSld>
@@ -7373,4 +9512,299 @@
     </a:ext>
   </a:extLst>
 </a:theme>
+</file>
+
+<file path=ppt/theme/theme2.xml><?xml version="1.0" encoding="utf-8"?>
+<a:theme xmlns:a="http://schemas.openxmlformats.org/drawingml/2006/main" name="Office 테마">
+  <a:themeElements>
+    <a:clrScheme name="Office">
+      <a:dk1>
+        <a:sysClr val="windowText" lastClr="000000"/>
+      </a:dk1>
+      <a:lt1>
+        <a:sysClr val="window" lastClr="FFFFFF"/>
+      </a:lt1>
+      <a:dk2>
+        <a:srgbClr val="44546A"/>
+      </a:dk2>
+      <a:lt2>
+        <a:srgbClr val="E7E6E6"/>
+      </a:lt2>
+      <a:accent1>
+        <a:srgbClr val="4472C4"/>
+      </a:accent1>
+      <a:accent2>
+        <a:srgbClr val="ED7D31"/>
+      </a:accent2>
+      <a:accent3>
+        <a:srgbClr val="A5A5A5"/>
+      </a:accent3>
+      <a:accent4>
+        <a:srgbClr val="FFC000"/>
+      </a:accent4>
+      <a:accent5>
+        <a:srgbClr val="5B9BD5"/>
+      </a:accent5>
+      <a:accent6>
+        <a:srgbClr val="70AD47"/>
+      </a:accent6>
+      <a:hlink>
+        <a:srgbClr val="0563C1"/>
+      </a:hlink>
+      <a:folHlink>
+        <a:srgbClr val="954F72"/>
+      </a:folHlink>
+    </a:clrScheme>
+    <a:fontScheme name="Office">
+      <a:majorFont>
+        <a:latin typeface="맑은 고딕" panose="020F0302020204030204"/>
+        <a:ea typeface=""/>
+        <a:cs typeface=""/>
+        <a:font script="Jpan" typeface="游ゴシック Light"/>
+        <a:font script="Hang" typeface="맑은 고딕"/>
+        <a:font script="Hans" typeface="等线 Light"/>
+        <a:font script="Hant" typeface="新細明體"/>
+        <a:font script="Arab" typeface="Times New Roman"/>
+        <a:font script="Hebr" typeface="Times New Roman"/>
+        <a:font script="Thai" typeface="Angsana New"/>
+        <a:font script="Ethi" typeface="Nyala"/>
+        <a:font script="Beng" typeface="Vrinda"/>
+        <a:font script="Gujr" typeface="Shruti"/>
+        <a:font script="Khmr" typeface="MoolBoran"/>
+        <a:font script="Knda" typeface="Tunga"/>
+        <a:font script="Guru" typeface="Raavi"/>
+        <a:font script="Cans" typeface="Euphemia"/>
+        <a:font script="Cher" typeface="Plantagenet Cherokee"/>
+        <a:font script="Yiii" typeface="Microsoft Yi Baiti"/>
+        <a:font script="Tibt" typeface="Microsoft Himalaya"/>
+        <a:font script="Thaa" typeface="MV Boli"/>
+        <a:font script="Deva" typeface="Mangal"/>
+        <a:font script="Telu" typeface="Gautami"/>
+        <a:font script="Taml" typeface="Latha"/>
+        <a:font script="Syrc" typeface="Estrangelo Edessa"/>
+        <a:font script="Orya" typeface="Kalinga"/>
+        <a:font script="Mlym" typeface="Kartika"/>
+        <a:font script="Laoo" typeface="DokChampa"/>
+        <a:font script="Sinh" typeface="Iskoola Pota"/>
+        <a:font script="Mong" typeface="Mongolian Baiti"/>
+        <a:font script="Viet" typeface="Times New Roman"/>
+        <a:font script="Uigh" typeface="Microsoft Uighur"/>
+        <a:font script="Geor" typeface="Sylfaen"/>
+        <a:font script="Armn" typeface="Arial"/>
+        <a:font script="Bugi" typeface="Leelawadee UI"/>
+        <a:font script="Bopo" typeface="Microsoft JhengHei"/>
+        <a:font script="Java" typeface="Javanese Text"/>
+        <a:font script="Lisu" typeface="Segoe UI"/>
+        <a:font script="Mymr" typeface="Myanmar Text"/>
+        <a:font script="Nkoo" typeface="Ebrima"/>
+        <a:font script="Olck" typeface="Nirmala UI"/>
+        <a:font script="Osma" typeface="Ebrima"/>
+        <a:font script="Phag" typeface="Phagspa"/>
+        <a:font script="Syrn" typeface="Estrangelo Edessa"/>
+        <a:font script="Syrj" typeface="Estrangelo Edessa"/>
+        <a:font script="Syre" typeface="Estrangelo Edessa"/>
+        <a:font script="Sora" typeface="Nirmala UI"/>
+        <a:font script="Tale" typeface="Microsoft Tai Le"/>
+        <a:font script="Talu" typeface="Microsoft New Tai Lue"/>
+        <a:font script="Tfng" typeface="Ebrima"/>
+      </a:majorFont>
+      <a:minorFont>
+        <a:latin typeface="맑은 고딕" panose="020F0502020204030204"/>
+        <a:ea typeface=""/>
+        <a:cs typeface=""/>
+        <a:font script="Jpan" typeface="游ゴシック"/>
+        <a:font script="Hang" typeface="맑은 고딕"/>
+        <a:font script="Hans" typeface="等线"/>
+        <a:font script="Hant" typeface="新細明體"/>
+        <a:font script="Arab" typeface="Arial"/>
+        <a:font script="Hebr" typeface="Arial"/>
+        <a:font script="Thai" typeface="Cordia New"/>
+        <a:font script="Ethi" typeface="Nyala"/>
+        <a:font script="Beng" typeface="Vrinda"/>
+        <a:font script="Gujr" typeface="Shruti"/>
+        <a:font script="Khmr" typeface="DaunPenh"/>
+        <a:font script="Knda" typeface="Tunga"/>
+        <a:font script="Guru" typeface="Raavi"/>
+        <a:font script="Cans" typeface="Euphemia"/>
+        <a:font script="Cher" typeface="Plantagenet Cherokee"/>
+        <a:font script="Yiii" typeface="Microsoft Yi Baiti"/>
+        <a:font script="Tibt" typeface="Microsoft Himalaya"/>
+        <a:font script="Thaa" typeface="MV Boli"/>
+        <a:font script="Deva" typeface="Mangal"/>
+        <a:font script="Telu" typeface="Gautami"/>
+        <a:font script="Taml" typeface="Latha"/>
+        <a:font script="Syrc" typeface="Estrangelo Edessa"/>
+        <a:font script="Orya" typeface="Kalinga"/>
+        <a:font script="Mlym" typeface="Kartika"/>
+        <a:font script="Laoo" typeface="DokChampa"/>
+        <a:font script="Sinh" typeface="Iskoola Pota"/>
+        <a:font script="Mong" typeface="Mongolian Baiti"/>
+        <a:font script="Viet" typeface="Arial"/>
+        <a:font script="Uigh" typeface="Microsoft Uighur"/>
+        <a:font script="Geor" typeface="Sylfaen"/>
+        <a:font script="Armn" typeface="Arial"/>
+        <a:font script="Bugi" typeface="Leelawadee UI"/>
+        <a:font script="Bopo" typeface="Microsoft JhengHei"/>
+        <a:font script="Java" typeface="Javanese Text"/>
+        <a:font script="Lisu" typeface="Segoe UI"/>
+        <a:font script="Mymr" typeface="Myanmar Text"/>
+        <a:font script="Nkoo" typeface="Ebrima"/>
+        <a:font script="Olck" typeface="Nirmala UI"/>
+        <a:font script="Osma" typeface="Ebrima"/>
+        <a:font script="Phag" typeface="Phagspa"/>
+        <a:font script="Syrn" typeface="Estrangelo Edessa"/>
+        <a:font script="Syrj" typeface="Estrangelo Edessa"/>
+        <a:font script="Syre" typeface="Estrangelo Edessa"/>
+        <a:font script="Sora" typeface="Nirmala UI"/>
+        <a:font script="Tale" typeface="Microsoft Tai Le"/>
+        <a:font script="Talu" typeface="Microsoft New Tai Lue"/>
+        <a:font script="Tfng" typeface="Ebrima"/>
+      </a:minorFont>
+    </a:fontScheme>
+    <a:fmtScheme name="Office">
+      <a:fillStyleLst>
+        <a:solidFill>
+          <a:schemeClr val="phClr"/>
+        </a:solidFill>
+        <a:gradFill rotWithShape="1">
+          <a:gsLst>
+            <a:gs pos="0">
+              <a:schemeClr val="phClr">
+                <a:lumMod val="110000"/>
+                <a:satMod val="105000"/>
+                <a:tint val="67000"/>
+              </a:schemeClr>
+            </a:gs>
+            <a:gs pos="50000">
+              <a:schemeClr val="phClr">
+                <a:lumMod val="105000"/>
+                <a:satMod val="103000"/>
+                <a:tint val="73000"/>
+              </a:schemeClr>
+            </a:gs>
+            <a:gs pos="100000">
+              <a:schemeClr val="phClr">
+                <a:lumMod val="105000"/>
+                <a:satMod val="109000"/>
+                <a:tint val="81000"/>
+              </a:schemeClr>
+            </a:gs>
+          </a:gsLst>
+          <a:lin ang="5400000" scaled="0"/>
+        </a:gradFill>
+        <a:gradFill rotWithShape="1">
+          <a:gsLst>
+            <a:gs pos="0">
+              <a:schemeClr val="phClr">
+                <a:satMod val="103000"/>
+                <a:lumMod val="102000"/>
+                <a:tint val="94000"/>
+              </a:schemeClr>
+            </a:gs>
+            <a:gs pos="50000">
+              <a:schemeClr val="phClr">
+                <a:satMod val="110000"/>
+                <a:lumMod val="100000"/>
+                <a:shade val="100000"/>
+              </a:schemeClr>
+            </a:gs>
+            <a:gs pos="100000">
+              <a:schemeClr val="phClr">
+                <a:lumMod val="99000"/>
+                <a:satMod val="120000"/>
+                <a:shade val="78000"/>
+              </a:schemeClr>
+            </a:gs>
+          </a:gsLst>
+          <a:lin ang="5400000" scaled="0"/>
+        </a:gradFill>
+      </a:fillStyleLst>
+      <a:lnStyleLst>
+        <a:ln w="6350" cap="flat" cmpd="sng" algn="ctr">
+          <a:solidFill>
+            <a:schemeClr val="phClr"/>
+          </a:solidFill>
+          <a:prstDash val="solid"/>
+          <a:miter lim="800000"/>
+        </a:ln>
+        <a:ln w="12700" cap="flat" cmpd="sng" algn="ctr">
+          <a:solidFill>
+            <a:schemeClr val="phClr"/>
+          </a:solidFill>
+          <a:prstDash val="solid"/>
+          <a:miter lim="800000"/>
+        </a:ln>
+        <a:ln w="19050" cap="flat" cmpd="sng" algn="ctr">
+          <a:solidFill>
+            <a:schemeClr val="phClr"/>
+          </a:solidFill>
+          <a:prstDash val="solid"/>
+          <a:miter lim="800000"/>
+        </a:ln>
+      </a:lnStyleLst>
+      <a:effectStyleLst>
+        <a:effectStyle>
+          <a:effectLst/>
+        </a:effectStyle>
+        <a:effectStyle>
+          <a:effectLst/>
+        </a:effectStyle>
+        <a:effectStyle>
+          <a:effectLst>
+            <a:outerShdw blurRad="57150" dist="19050" dir="5400000" algn="ctr" rotWithShape="0">
+              <a:srgbClr val="000000">
+                <a:alpha val="63000"/>
+              </a:srgbClr>
+            </a:outerShdw>
+          </a:effectLst>
+        </a:effectStyle>
+      </a:effectStyleLst>
+      <a:bgFillStyleLst>
+        <a:solidFill>
+          <a:schemeClr val="phClr"/>
+        </a:solidFill>
+        <a:solidFill>
+          <a:schemeClr val="phClr">
+            <a:tint val="95000"/>
+            <a:satMod val="170000"/>
+          </a:schemeClr>
+        </a:solidFill>
+        <a:gradFill rotWithShape="1">
+          <a:gsLst>
+            <a:gs pos="0">
+              <a:schemeClr val="phClr">
+                <a:tint val="93000"/>
+                <a:satMod val="150000"/>
+                <a:shade val="98000"/>
+                <a:lumMod val="102000"/>
+              </a:schemeClr>
+            </a:gs>
+            <a:gs pos="50000">
+              <a:schemeClr val="phClr">
+                <a:tint val="98000"/>
+                <a:satMod val="130000"/>
+                <a:shade val="90000"/>
+                <a:lumMod val="103000"/>
+              </a:schemeClr>
+            </a:gs>
+            <a:gs pos="100000">
+              <a:schemeClr val="phClr">
+                <a:shade val="63000"/>
+                <a:satMod val="120000"/>
+              </a:schemeClr>
+            </a:gs>
+          </a:gsLst>
+          <a:lin ang="5400000" scaled="0"/>
+        </a:gradFill>
+      </a:bgFillStyleLst>
+    </a:fmtScheme>
+  </a:themeElements>
+  <a:objectDefaults/>
+  <a:extraClrSchemeLst/>
+  <a:extLst>
+    <a:ext uri="{05A4C25C-085E-4340-85A3-A5531E510DB2}">
+      <thm15:themeFamily xmlns:thm15="http://schemas.microsoft.com/office/thememl/2012/main" name="Office Theme" id="{62F939B6-93AF-4DB8-9C6B-D6C7DFDC589F}" vid="{4A3C46E8-61CC-4603-A589-7422A47A8E4A}"/>
+    </a:ext>
+  </a:extLst>
+</a:theme>
 </file>